--- a/reference_content/Slides/rnn_lstm.pptx
+++ b/reference_content/Slides/rnn_lstm.pptx
@@ -5,35 +5,47 @@
     <p:sldMasterId id="2147483660" r:id="rId1"/>
   </p:sldMasterIdLst>
   <p:sldIdLst>
-    <p:sldId id="256" r:id="rId2"/>
-    <p:sldId id="257" r:id="rId3"/>
-    <p:sldId id="267" r:id="rId4"/>
-    <p:sldId id="269" r:id="rId5"/>
-    <p:sldId id="270" r:id="rId6"/>
-    <p:sldId id="284" r:id="rId7"/>
-    <p:sldId id="271" r:id="rId8"/>
-    <p:sldId id="268" r:id="rId9"/>
-    <p:sldId id="259" r:id="rId10"/>
-    <p:sldId id="258" r:id="rId11"/>
-    <p:sldId id="285" r:id="rId12"/>
-    <p:sldId id="262" r:id="rId13"/>
-    <p:sldId id="263" r:id="rId14"/>
-    <p:sldId id="264" r:id="rId15"/>
-    <p:sldId id="265" r:id="rId16"/>
-    <p:sldId id="283" r:id="rId17"/>
-    <p:sldId id="286" r:id="rId18"/>
-    <p:sldId id="282" r:id="rId19"/>
-    <p:sldId id="266" r:id="rId20"/>
-    <p:sldId id="261" r:id="rId21"/>
-    <p:sldId id="280" r:id="rId22"/>
-    <p:sldId id="278" r:id="rId23"/>
-    <p:sldId id="279" r:id="rId24"/>
-    <p:sldId id="272" r:id="rId25"/>
-    <p:sldId id="281" r:id="rId26"/>
-    <p:sldId id="276" r:id="rId27"/>
-    <p:sldId id="273" r:id="rId28"/>
-    <p:sldId id="274" r:id="rId29"/>
-    <p:sldId id="275" r:id="rId30"/>
+    <p:sldId id="292" r:id="rId2"/>
+    <p:sldId id="256" r:id="rId3"/>
+    <p:sldId id="257" r:id="rId4"/>
+    <p:sldId id="287" r:id="rId5"/>
+    <p:sldId id="267" r:id="rId6"/>
+    <p:sldId id="269" r:id="rId7"/>
+    <p:sldId id="293" r:id="rId8"/>
+    <p:sldId id="270" r:id="rId9"/>
+    <p:sldId id="284" r:id="rId10"/>
+    <p:sldId id="271" r:id="rId11"/>
+    <p:sldId id="268" r:id="rId12"/>
+    <p:sldId id="288" r:id="rId13"/>
+    <p:sldId id="259" r:id="rId14"/>
+    <p:sldId id="294" r:id="rId15"/>
+    <p:sldId id="295" r:id="rId16"/>
+    <p:sldId id="258" r:id="rId17"/>
+    <p:sldId id="285" r:id="rId18"/>
+    <p:sldId id="262" r:id="rId19"/>
+    <p:sldId id="264" r:id="rId20"/>
+    <p:sldId id="263" r:id="rId21"/>
+    <p:sldId id="265" r:id="rId22"/>
+    <p:sldId id="283" r:id="rId23"/>
+    <p:sldId id="286" r:id="rId24"/>
+    <p:sldId id="296" r:id="rId25"/>
+    <p:sldId id="282" r:id="rId26"/>
+    <p:sldId id="266" r:id="rId27"/>
+    <p:sldId id="261" r:id="rId28"/>
+    <p:sldId id="290" r:id="rId29"/>
+    <p:sldId id="291" r:id="rId30"/>
+    <p:sldId id="297" r:id="rId31"/>
+    <p:sldId id="280" r:id="rId32"/>
+    <p:sldId id="278" r:id="rId33"/>
+    <p:sldId id="279" r:id="rId34"/>
+    <p:sldId id="289" r:id="rId35"/>
+    <p:sldId id="272" r:id="rId36"/>
+    <p:sldId id="281" r:id="rId37"/>
+    <p:sldId id="298" r:id="rId38"/>
+    <p:sldId id="276" r:id="rId39"/>
+    <p:sldId id="273" r:id="rId40"/>
+    <p:sldId id="274" r:id="rId41"/>
+    <p:sldId id="275" r:id="rId42"/>
   </p:sldIdLst>
   <p:sldSz cx="12192000" cy="6858000"/>
   <p:notesSz cx="6858000" cy="9144000"/>
@@ -279,7 +291,7 @@
           <a:p>
             <a:fld id="{17CC3DFC-3056-E54F-8D32-DF1A3495E674}" type="datetimeFigureOut">
               <a:rPr lang="en-US" smtClean="0"/>
-              <a:t>4/14/24</a:t>
+              <a:t>3/31/25</a:t>
             </a:fld>
             <a:endParaRPr lang="en-US"/>
           </a:p>
@@ -490,7 +502,7 @@
           <a:p>
             <a:fld id="{17CC3DFC-3056-E54F-8D32-DF1A3495E674}" type="datetimeFigureOut">
               <a:rPr lang="en-US" smtClean="0"/>
-              <a:t>4/14/24</a:t>
+              <a:t>3/31/25</a:t>
             </a:fld>
             <a:endParaRPr lang="en-US"/>
           </a:p>
@@ -705,7 +717,7 @@
           <a:p>
             <a:fld id="{17CC3DFC-3056-E54F-8D32-DF1A3495E674}" type="datetimeFigureOut">
               <a:rPr lang="en-US" smtClean="0"/>
-              <a:t>4/14/24</a:t>
+              <a:t>3/31/25</a:t>
             </a:fld>
             <a:endParaRPr lang="en-US"/>
           </a:p>
@@ -906,7 +918,7 @@
           <a:p>
             <a:fld id="{17CC3DFC-3056-E54F-8D32-DF1A3495E674}" type="datetimeFigureOut">
               <a:rPr lang="en-US" smtClean="0"/>
-              <a:t>4/14/24</a:t>
+              <a:t>3/31/25</a:t>
             </a:fld>
             <a:endParaRPr lang="en-US"/>
           </a:p>
@@ -1185,7 +1197,7 @@
           <a:p>
             <a:fld id="{17CC3DFC-3056-E54F-8D32-DF1A3495E674}" type="datetimeFigureOut">
               <a:rPr lang="en-US" smtClean="0"/>
-              <a:t>4/14/24</a:t>
+              <a:t>3/31/25</a:t>
             </a:fld>
             <a:endParaRPr lang="en-US"/>
           </a:p>
@@ -1453,7 +1465,7 @@
           <a:p>
             <a:fld id="{17CC3DFC-3056-E54F-8D32-DF1A3495E674}" type="datetimeFigureOut">
               <a:rPr lang="en-US" smtClean="0"/>
-              <a:t>4/14/24</a:t>
+              <a:t>3/31/25</a:t>
             </a:fld>
             <a:endParaRPr lang="en-US"/>
           </a:p>
@@ -1869,7 +1881,7 @@
           <a:p>
             <a:fld id="{17CC3DFC-3056-E54F-8D32-DF1A3495E674}" type="datetimeFigureOut">
               <a:rPr lang="en-US" smtClean="0"/>
-              <a:t>4/14/24</a:t>
+              <a:t>3/31/25</a:t>
             </a:fld>
             <a:endParaRPr lang="en-US"/>
           </a:p>
@@ -2018,7 +2030,7 @@
           <a:p>
             <a:fld id="{17CC3DFC-3056-E54F-8D32-DF1A3495E674}" type="datetimeFigureOut">
               <a:rPr lang="en-US" smtClean="0"/>
-              <a:t>4/14/24</a:t>
+              <a:t>3/31/25</a:t>
             </a:fld>
             <a:endParaRPr lang="en-US"/>
           </a:p>
@@ -2144,7 +2156,7 @@
           <a:p>
             <a:fld id="{17CC3DFC-3056-E54F-8D32-DF1A3495E674}" type="datetimeFigureOut">
               <a:rPr lang="en-US" smtClean="0"/>
-              <a:t>4/14/24</a:t>
+              <a:t>3/31/25</a:t>
             </a:fld>
             <a:endParaRPr lang="en-US"/>
           </a:p>
@@ -2395,7 +2407,7 @@
           <a:p>
             <a:fld id="{17CC3DFC-3056-E54F-8D32-DF1A3495E674}" type="datetimeFigureOut">
               <a:rPr lang="en-US" smtClean="0"/>
-              <a:t>4/14/24</a:t>
+              <a:t>3/31/25</a:t>
             </a:fld>
             <a:endParaRPr lang="en-US"/>
           </a:p>
@@ -2840,7 +2852,7 @@
           <a:p>
             <a:fld id="{17CC3DFC-3056-E54F-8D32-DF1A3495E674}" type="datetimeFigureOut">
               <a:rPr lang="en-US" smtClean="0"/>
-              <a:t>4/14/24</a:t>
+              <a:t>3/31/25</a:t>
             </a:fld>
             <a:endParaRPr lang="en-US"/>
           </a:p>
@@ -3167,7 +3179,7 @@
           <a:p>
             <a:fld id="{17CC3DFC-3056-E54F-8D32-DF1A3495E674}" type="datetimeFigureOut">
               <a:rPr lang="en-US" smtClean="0"/>
-              <a:t>4/14/24</a:t>
+              <a:t>3/31/25</a:t>
             </a:fld>
             <a:endParaRPr lang="en-US"/>
           </a:p>
@@ -3658,15 +3670,15 @@
           <p:cNvPr id="2" name="Title 1">
             <a:extLst>
               <a:ext uri="{FF2B5EF4-FFF2-40B4-BE49-F238E27FC236}">
-                <a16:creationId xmlns:a16="http://schemas.microsoft.com/office/drawing/2014/main" id="{D16E0CB6-4E0D-924D-878F-60C02915AA7D}"/>
-              </a:ext>
-            </a:extLst>
-          </p:cNvPr>
-          <p:cNvSpPr>
-            <a:spLocks noGrp="1"/>
-          </p:cNvSpPr>
-          <p:nvPr>
-            <p:ph type="ctrTitle"/>
+                <a16:creationId xmlns:a16="http://schemas.microsoft.com/office/drawing/2014/main" id="{07A39A1A-75E2-CE0C-6988-8AC0C64B5B7D}"/>
+              </a:ext>
+            </a:extLst>
+          </p:cNvPr>
+          <p:cNvSpPr>
+            <a:spLocks noGrp="1"/>
+          </p:cNvSpPr>
+          <p:nvPr>
+            <p:ph type="title"/>
           </p:nvPr>
         </p:nvSpPr>
         <p:spPr/>
@@ -3676,40 +3688,88 @@
           <a:p>
             <a:r>
               <a:rPr lang="en-US" dirty="0"/>
-              <a:t>Recurrent Neural Networks</a:t>
-            </a:r>
-          </a:p>
-        </p:txBody>
-      </p:sp>
-      <p:sp>
-        <p:nvSpPr>
-          <p:cNvPr id="3" name="Subtitle 2">
-            <a:extLst>
-              <a:ext uri="{FF2B5EF4-FFF2-40B4-BE49-F238E27FC236}">
-                <a16:creationId xmlns:a16="http://schemas.microsoft.com/office/drawing/2014/main" id="{1CCA9C71-8502-7843-90AB-E74B66C5450A}"/>
-              </a:ext>
-            </a:extLst>
-          </p:cNvPr>
-          <p:cNvSpPr>
-            <a:spLocks noGrp="1"/>
-          </p:cNvSpPr>
-          <p:nvPr>
-            <p:ph type="subTitle" idx="1"/>
-          </p:nvPr>
-        </p:nvSpPr>
-        <p:spPr/>
+              <a:t>Keep The House</a:t>
+            </a:r>
+          </a:p>
+        </p:txBody>
+      </p:sp>
+      <p:sp>
+        <p:nvSpPr>
+          <p:cNvPr id="3" name="Content Placeholder 2">
+            <a:extLst>
+              <a:ext uri="{FF2B5EF4-FFF2-40B4-BE49-F238E27FC236}">
+                <a16:creationId xmlns:a16="http://schemas.microsoft.com/office/drawing/2014/main" id="{DF275663-8087-4B60-758E-1386D45B9088}"/>
+              </a:ext>
+            </a:extLst>
+          </p:cNvPr>
+          <p:cNvSpPr>
+            <a:spLocks noGrp="1"/>
+          </p:cNvSpPr>
+          <p:nvPr>
+            <p:ph idx="1"/>
+          </p:nvPr>
+        </p:nvSpPr>
+        <p:spPr>
+          <a:xfrm>
+            <a:off x="1451579" y="2015732"/>
+            <a:ext cx="9603275" cy="4037749"/>
+          </a:xfrm>
+        </p:spPr>
         <p:txBody>
           <a:bodyPr/>
           <a:lstStyle/>
           <a:p>
-            <a:endParaRPr lang="en-US"/>
+            <a:r>
+              <a:rPr lang="en-US" dirty="0"/>
+              <a:t>Today – Recurrent Neural Networks (ch5). </a:t>
+            </a:r>
+          </a:p>
+          <a:p>
+            <a:pPr lvl="1"/>
+            <a:r>
+              <a:rPr lang="en-US" dirty="0"/>
+              <a:t>Recurrence</a:t>
+            </a:r>
+          </a:p>
+          <a:p>
+            <a:pPr lvl="1"/>
+            <a:r>
+              <a:rPr lang="en-US" dirty="0"/>
+              <a:t>Long-short term memory models. </a:t>
+            </a:r>
+          </a:p>
+          <a:p>
+            <a:pPr lvl="1"/>
+            <a:r>
+              <a:rPr lang="en-US" dirty="0"/>
+              <a:t>Time-series like datasets. </a:t>
+            </a:r>
+          </a:p>
+          <a:p>
+            <a:pPr lvl="1"/>
+            <a:r>
+              <a:rPr lang="en-US" dirty="0"/>
+              <a:t>Bidirectional layers. </a:t>
+            </a:r>
+          </a:p>
+          <a:p>
+            <a:r>
+              <a:rPr lang="en-US" dirty="0"/>
+              <a:t>There’s a test next time, yay!</a:t>
+            </a:r>
+          </a:p>
+          <a:p>
+            <a:r>
+              <a:rPr lang="en-US" dirty="0"/>
+              <a:t>Generative models next week, then school’s out forever!</a:t>
+            </a:r>
           </a:p>
         </p:txBody>
       </p:sp>
     </p:spTree>
     <p:extLst>
       <p:ext uri="{BB962C8B-B14F-4D97-AF65-F5344CB8AC3E}">
-        <p14:creationId xmlns:p14="http://schemas.microsoft.com/office/powerpoint/2010/main" val="46846956"/>
+        <p14:creationId xmlns:p14="http://schemas.microsoft.com/office/powerpoint/2010/main" val="91974648"/>
       </p:ext>
     </p:extLst>
   </p:cSld>
@@ -3720,6 +3780,213 @@
 </file>
 
 <file path=ppt/slides/slide10.xml><?xml version="1.0" encoding="utf-8"?>
+<p:sld xmlns:a="http://schemas.openxmlformats.org/drawingml/2006/main" xmlns:r="http://schemas.openxmlformats.org/officeDocument/2006/relationships" xmlns:p="http://schemas.openxmlformats.org/presentationml/2006/main" show="0">
+  <p:cSld>
+    <p:spTree>
+      <p:nvGrpSpPr>
+        <p:cNvPr id="1" name=""/>
+        <p:cNvGrpSpPr/>
+        <p:nvPr/>
+      </p:nvGrpSpPr>
+      <p:grpSpPr>
+        <a:xfrm>
+          <a:off x="0" y="0"/>
+          <a:ext cx="0" cy="0"/>
+          <a:chOff x="0" y="0"/>
+          <a:chExt cx="0" cy="0"/>
+        </a:xfrm>
+      </p:grpSpPr>
+      <p:sp>
+        <p:nvSpPr>
+          <p:cNvPr id="2" name="Title 1">
+            <a:extLst>
+              <a:ext uri="{FF2B5EF4-FFF2-40B4-BE49-F238E27FC236}">
+                <a16:creationId xmlns:a16="http://schemas.microsoft.com/office/drawing/2014/main" id="{D566D637-0104-B464-1650-69AA9AA62959}"/>
+              </a:ext>
+            </a:extLst>
+          </p:cNvPr>
+          <p:cNvSpPr>
+            <a:spLocks noGrp="1"/>
+          </p:cNvSpPr>
+          <p:nvPr>
+            <p:ph type="title"/>
+          </p:nvPr>
+        </p:nvSpPr>
+        <p:spPr/>
+        <p:txBody>
+          <a:bodyPr/>
+          <a:lstStyle/>
+          <a:p>
+            <a:endParaRPr lang="en-US" dirty="0"/>
+          </a:p>
+        </p:txBody>
+      </p:sp>
+      <p:sp>
+        <p:nvSpPr>
+          <p:cNvPr id="3" name="Content Placeholder 2">
+            <a:extLst>
+              <a:ext uri="{FF2B5EF4-FFF2-40B4-BE49-F238E27FC236}">
+                <a16:creationId xmlns:a16="http://schemas.microsoft.com/office/drawing/2014/main" id="{0D9C6F81-4B62-E27C-4D46-2C0AFA3D7D1E}"/>
+              </a:ext>
+            </a:extLst>
+          </p:cNvPr>
+          <p:cNvSpPr>
+            <a:spLocks noGrp="1"/>
+          </p:cNvSpPr>
+          <p:nvPr>
+            <p:ph idx="1"/>
+          </p:nvPr>
+        </p:nvSpPr>
+        <p:spPr/>
+        <p:txBody>
+          <a:bodyPr/>
+          <a:lstStyle/>
+          <a:p>
+            <a:endParaRPr lang="en-US"/>
+          </a:p>
+        </p:txBody>
+      </p:sp>
+    </p:spTree>
+    <p:extLst>
+      <p:ext uri="{BB962C8B-B14F-4D97-AF65-F5344CB8AC3E}">
+        <p14:creationId xmlns:p14="http://schemas.microsoft.com/office/powerpoint/2010/main" val="3368922919"/>
+      </p:ext>
+    </p:extLst>
+  </p:cSld>
+  <p:clrMapOvr>
+    <a:masterClrMapping/>
+  </p:clrMapOvr>
+</p:sld>
+</file>
+
+<file path=ppt/slides/slide11.xml><?xml version="1.0" encoding="utf-8"?>
+<p:sld xmlns:a="http://schemas.openxmlformats.org/drawingml/2006/main" xmlns:r="http://schemas.openxmlformats.org/officeDocument/2006/relationships" xmlns:p="http://schemas.openxmlformats.org/presentationml/2006/main" show="0">
+  <p:cSld>
+    <p:spTree>
+      <p:nvGrpSpPr>
+        <p:cNvPr id="1" name=""/>
+        <p:cNvGrpSpPr/>
+        <p:nvPr/>
+      </p:nvGrpSpPr>
+      <p:grpSpPr>
+        <a:xfrm>
+          <a:off x="0" y="0"/>
+          <a:ext cx="0" cy="0"/>
+          <a:chOff x="0" y="0"/>
+          <a:chExt cx="0" cy="0"/>
+        </a:xfrm>
+      </p:grpSpPr>
+      <p:sp>
+        <p:nvSpPr>
+          <p:cNvPr id="2" name="Title 1">
+            <a:extLst>
+              <a:ext uri="{FF2B5EF4-FFF2-40B4-BE49-F238E27FC236}">
+                <a16:creationId xmlns:a16="http://schemas.microsoft.com/office/drawing/2014/main" id="{BC984981-B975-3959-EF48-AB4698A476EB}"/>
+              </a:ext>
+            </a:extLst>
+          </p:cNvPr>
+          <p:cNvSpPr>
+            <a:spLocks noGrp="1"/>
+          </p:cNvSpPr>
+          <p:nvPr>
+            <p:ph type="title"/>
+          </p:nvPr>
+        </p:nvSpPr>
+        <p:spPr/>
+        <p:txBody>
+          <a:bodyPr/>
+          <a:lstStyle/>
+          <a:p>
+            <a:endParaRPr lang="en-US"/>
+          </a:p>
+        </p:txBody>
+      </p:sp>
+      <p:sp>
+        <p:nvSpPr>
+          <p:cNvPr id="3" name="Content Placeholder 2">
+            <a:extLst>
+              <a:ext uri="{FF2B5EF4-FFF2-40B4-BE49-F238E27FC236}">
+                <a16:creationId xmlns:a16="http://schemas.microsoft.com/office/drawing/2014/main" id="{6CEEF2D2-AE1F-6E09-0AA8-B474F31C7ECF}"/>
+              </a:ext>
+            </a:extLst>
+          </p:cNvPr>
+          <p:cNvSpPr>
+            <a:spLocks noGrp="1"/>
+          </p:cNvSpPr>
+          <p:nvPr>
+            <p:ph idx="1"/>
+          </p:nvPr>
+        </p:nvSpPr>
+        <p:spPr/>
+        <p:txBody>
+          <a:bodyPr/>
+          <a:lstStyle/>
+          <a:p>
+            <a:endParaRPr lang="en-US"/>
+          </a:p>
+        </p:txBody>
+      </p:sp>
+      <p:pic>
+        <p:nvPicPr>
+          <p:cNvPr id="4" name="Picture 2">
+            <a:extLst>
+              <a:ext uri="{FF2B5EF4-FFF2-40B4-BE49-F238E27FC236}">
+                <a16:creationId xmlns:a16="http://schemas.microsoft.com/office/drawing/2014/main" id="{8A7239A8-F06F-41F7-CE66-3E158DE4E3B5}"/>
+              </a:ext>
+            </a:extLst>
+          </p:cNvPr>
+          <p:cNvPicPr>
+            <a:picLocks noChangeAspect="1" noChangeArrowheads="1"/>
+          </p:cNvPicPr>
+          <p:nvPr/>
+        </p:nvPicPr>
+        <p:blipFill>
+          <a:blip r:embed="rId2">
+            <a:extLst>
+              <a:ext uri="{28A0092B-C50C-407E-A947-70E740481C1C}">
+                <a14:useLocalDpi xmlns:a14="http://schemas.microsoft.com/office/drawing/2010/main" val="0"/>
+              </a:ext>
+            </a:extLst>
+          </a:blip>
+          <a:srcRect/>
+          <a:stretch>
+            <a:fillRect/>
+          </a:stretch>
+        </p:blipFill>
+        <p:spPr bwMode="auto">
+          <a:xfrm>
+            <a:off x="1484366" y="3340100"/>
+            <a:ext cx="9537700" cy="3517900"/>
+          </a:xfrm>
+          <a:prstGeom prst="rect">
+            <a:avLst/>
+          </a:prstGeom>
+          <a:noFill/>
+          <a:extLst>
+            <a:ext uri="{909E8E84-426E-40DD-AFC4-6F175D3DCCD1}">
+              <a14:hiddenFill xmlns:a14="http://schemas.microsoft.com/office/drawing/2010/main">
+                <a:solidFill>
+                  <a:srgbClr val="FFFFFF"/>
+                </a:solidFill>
+              </a14:hiddenFill>
+            </a:ext>
+          </a:extLst>
+        </p:spPr>
+      </p:pic>
+    </p:spTree>
+    <p:extLst>
+      <p:ext uri="{BB962C8B-B14F-4D97-AF65-F5344CB8AC3E}">
+        <p14:creationId xmlns:p14="http://schemas.microsoft.com/office/powerpoint/2010/main" val="1352610008"/>
+      </p:ext>
+    </p:extLst>
+  </p:cSld>
+  <p:clrMapOvr>
+    <a:masterClrMapping/>
+  </p:clrMapOvr>
+</p:sld>
+</file>
+
+<file path=ppt/slides/slide12.xml><?xml version="1.0" encoding="utf-8"?>
 <p:sld xmlns:a="http://schemas.openxmlformats.org/drawingml/2006/main" xmlns:r="http://schemas.openxmlformats.org/officeDocument/2006/relationships" xmlns:p="http://schemas.openxmlformats.org/presentationml/2006/main">
   <p:cSld>
     <p:spTree>
@@ -3741,7 +4008,7 @@
           <p:cNvPr id="2" name="Title 1">
             <a:extLst>
               <a:ext uri="{FF2B5EF4-FFF2-40B4-BE49-F238E27FC236}">
-                <a16:creationId xmlns:a16="http://schemas.microsoft.com/office/drawing/2014/main" id="{DCEA25D7-B275-8C46-BDC5-2257486457A2}"/>
+                <a16:creationId xmlns:a16="http://schemas.microsoft.com/office/drawing/2014/main" id="{BFF006E2-D116-F612-5C6F-63FD6219204B}"/>
               </a:ext>
             </a:extLst>
           </p:cNvPr>
@@ -3758,8 +4025,12 @@
           <a:lstStyle/>
           <a:p>
             <a:r>
-              <a:rPr lang="en-US" dirty="0"/>
-              <a:t>Long Short-Term Memory</a:t>
+              <a:rPr lang="en-US" dirty="0" err="1"/>
+              <a:t>Rnn</a:t>
+            </a:r>
+            <a:r>
+              <a:rPr lang="en-US" dirty="0"/>
+              <a:t> Basic Concepts</a:t>
             </a:r>
           </a:p>
         </p:txBody>
@@ -3769,7 +4040,7 @@
           <p:cNvPr id="3" name="Content Placeholder 2">
             <a:extLst>
               <a:ext uri="{FF2B5EF4-FFF2-40B4-BE49-F238E27FC236}">
-                <a16:creationId xmlns:a16="http://schemas.microsoft.com/office/drawing/2014/main" id="{A8AE9C63-4627-0143-8679-7D0454698F6A}"/>
+                <a16:creationId xmlns:a16="http://schemas.microsoft.com/office/drawing/2014/main" id="{0EA7CDC6-F87E-1003-C4AF-C2FDF7B84EC1}"/>
               </a:ext>
             </a:extLst>
           </p:cNvPr>
@@ -3780,84 +4051,43 @@
             <p:ph idx="1"/>
           </p:nvPr>
         </p:nvSpPr>
-        <p:spPr>
-          <a:xfrm>
-            <a:off x="1451579" y="1853754"/>
-            <a:ext cx="10411236" cy="4199727"/>
-          </a:xfrm>
-        </p:spPr>
-        <p:txBody>
-          <a:bodyPr>
-            <a:normAutofit lnSpcReduction="10000"/>
-          </a:bodyPr>
-          <a:lstStyle/>
-          <a:p>
-            <a:r>
-              <a:rPr lang="en-US" dirty="0"/>
-              <a:t>LSTM models are a commonly used type of RNN. </a:t>
-            </a:r>
-          </a:p>
-          <a:p>
-            <a:r>
-              <a:rPr lang="en-US" dirty="0"/>
-              <a:t>LSTMs can avoid the gradient issues. </a:t>
-            </a:r>
-          </a:p>
-          <a:p>
-            <a:r>
-              <a:rPr lang="en-US" dirty="0"/>
-              <a:t>LSTMs retain a bunch of data – their long memory. </a:t>
+        <p:spPr/>
+        <p:txBody>
+          <a:bodyPr/>
+          <a:lstStyle/>
+          <a:p>
+            <a:r>
+              <a:rPr lang="en-US" dirty="0"/>
+              <a:t>RNN models keep a memory of past action. </a:t>
+            </a:r>
+          </a:p>
+          <a:p>
+            <a:r>
+              <a:rPr lang="en-US" dirty="0"/>
+              <a:t>These predictions combine with a record to make a new prediction. </a:t>
+            </a:r>
+          </a:p>
+          <a:p>
+            <a:r>
+              <a:rPr lang="en-US" dirty="0"/>
+              <a:t>This means RNN models make predictions based on now and ‘the past’. </a:t>
             </a:r>
           </a:p>
           <a:p>
             <a:pPr lvl="1"/>
             <a:r>
               <a:rPr lang="en-US" dirty="0"/>
-              <a:t>“Look back” period of N previous records. </a:t>
-            </a:r>
-          </a:p>
-          <a:p>
-            <a:r>
-              <a:rPr lang="en-US" dirty="0"/>
-              <a:t>At a basic level, the output of an LSTM at a particular point in time is dependent on three things:</a:t>
+              <a:t>Often better suited for anything sequential – time series, audio, NLP…</a:t>
+            </a:r>
+          </a:p>
+          <a:p>
+            <a:r>
+              <a:rPr lang="en-US" dirty="0"/>
+              <a:t>Note: transformer based models (another NN structure) have surpassed RNNs for most text stuff. ChatGPT et al are transformers. We’ll see a bit of it next week. </a:t>
             </a:r>
           </a:p>
           <a:p>
             <a:pPr lvl="1"/>
-            <a:r>
-              <a:rPr lang="en-US" dirty="0"/>
-              <a:t>The current long-term memory of the network — known as the cell state.</a:t>
-            </a:r>
-          </a:p>
-          <a:p>
-            <a:pPr lvl="1"/>
-            <a:r>
-              <a:rPr lang="en-US" dirty="0"/>
-              <a:t>The output at the previous point in time — known as the previous hidden state.</a:t>
-            </a:r>
-          </a:p>
-          <a:p>
-            <a:pPr lvl="1"/>
-            <a:r>
-              <a:rPr lang="en-US" dirty="0"/>
-              <a:t>The input data at the current time step.</a:t>
-            </a:r>
-          </a:p>
-          <a:p>
-            <a:r>
-              <a:rPr lang="en-US" dirty="0"/>
-              <a:t>https://</a:t>
-            </a:r>
-            <a:r>
-              <a:rPr lang="en-US" dirty="0" err="1"/>
-              <a:t>towardsdatascience.com</a:t>
-            </a:r>
-            <a:r>
-              <a:rPr lang="en-US" dirty="0"/>
-              <a:t>/illustrated-guide-to-lstms-and-gru-s-a-step-by-step-explanation-44e9eb85bf21</a:t>
-            </a:r>
-          </a:p>
-          <a:p>
             <a:endParaRPr lang="en-US" dirty="0"/>
           </a:p>
         </p:txBody>
@@ -3865,364 +4095,7 @@
     </p:spTree>
     <p:extLst>
       <p:ext uri="{BB962C8B-B14F-4D97-AF65-F5344CB8AC3E}">
-        <p14:creationId xmlns:p14="http://schemas.microsoft.com/office/powerpoint/2010/main" val="3118498386"/>
-      </p:ext>
-    </p:extLst>
-  </p:cSld>
-  <p:clrMapOvr>
-    <a:masterClrMapping/>
-  </p:clrMapOvr>
-</p:sld>
-</file>
-
-<file path=ppt/slides/slide11.xml><?xml version="1.0" encoding="utf-8"?>
-<p:sld xmlns:a="http://schemas.openxmlformats.org/drawingml/2006/main" xmlns:r="http://schemas.openxmlformats.org/officeDocument/2006/relationships" xmlns:p="http://schemas.openxmlformats.org/presentationml/2006/main">
-  <p:cSld>
-    <p:spTree>
-      <p:nvGrpSpPr>
-        <p:cNvPr id="1" name=""/>
-        <p:cNvGrpSpPr/>
-        <p:nvPr/>
-      </p:nvGrpSpPr>
-      <p:grpSpPr>
-        <a:xfrm>
-          <a:off x="0" y="0"/>
-          <a:ext cx="0" cy="0"/>
-          <a:chOff x="0" y="0"/>
-          <a:chExt cx="0" cy="0"/>
-        </a:xfrm>
-      </p:grpSpPr>
-      <p:sp>
-        <p:nvSpPr>
-          <p:cNvPr id="2" name="Title 1">
-            <a:extLst>
-              <a:ext uri="{FF2B5EF4-FFF2-40B4-BE49-F238E27FC236}">
-                <a16:creationId xmlns:a16="http://schemas.microsoft.com/office/drawing/2014/main" id="{5059659F-D188-7A07-E5A5-6F7E12C517DE}"/>
-              </a:ext>
-            </a:extLst>
-          </p:cNvPr>
-          <p:cNvSpPr>
-            <a:spLocks noGrp="1"/>
-          </p:cNvSpPr>
-          <p:nvPr>
-            <p:ph type="title"/>
-          </p:nvPr>
-        </p:nvSpPr>
-        <p:spPr/>
-        <p:txBody>
-          <a:bodyPr/>
-          <a:lstStyle/>
-          <a:p>
-            <a:endParaRPr lang="en-US"/>
-          </a:p>
-        </p:txBody>
-      </p:sp>
-      <p:sp>
-        <p:nvSpPr>
-          <p:cNvPr id="3" name="Content Placeholder 2">
-            <a:extLst>
-              <a:ext uri="{FF2B5EF4-FFF2-40B4-BE49-F238E27FC236}">
-                <a16:creationId xmlns:a16="http://schemas.microsoft.com/office/drawing/2014/main" id="{FE29790D-277B-BCAC-2D27-6675311924AD}"/>
-              </a:ext>
-            </a:extLst>
-          </p:cNvPr>
-          <p:cNvSpPr>
-            <a:spLocks noGrp="1"/>
-          </p:cNvSpPr>
-          <p:nvPr>
-            <p:ph idx="1"/>
-          </p:nvPr>
-        </p:nvSpPr>
-        <p:spPr/>
-        <p:txBody>
-          <a:bodyPr/>
-          <a:lstStyle/>
-          <a:p>
-            <a:endParaRPr lang="en-US"/>
-          </a:p>
-        </p:txBody>
-      </p:sp>
-      <p:pic>
-        <p:nvPicPr>
-          <p:cNvPr id="12290" name="Picture 2" descr="The structure of the Long Short-Term Memory (LSTM) neural network.... |  Download Scientific Diagram">
-            <a:extLst>
-              <a:ext uri="{FF2B5EF4-FFF2-40B4-BE49-F238E27FC236}">
-                <a16:creationId xmlns:a16="http://schemas.microsoft.com/office/drawing/2014/main" id="{779DEFB7-8151-3462-C1B1-F0FCB621E57D}"/>
-              </a:ext>
-            </a:extLst>
-          </p:cNvPr>
-          <p:cNvPicPr>
-            <a:picLocks noChangeAspect="1" noChangeArrowheads="1"/>
-          </p:cNvPicPr>
-          <p:nvPr/>
-        </p:nvPicPr>
-        <p:blipFill>
-          <a:blip r:embed="rId2">
-            <a:extLst>
-              <a:ext uri="{28A0092B-C50C-407E-A947-70E740481C1C}">
-                <a14:useLocalDpi xmlns:a14="http://schemas.microsoft.com/office/drawing/2010/main" val="0"/>
-              </a:ext>
-            </a:extLst>
-          </a:blip>
-          <a:srcRect/>
-          <a:stretch>
-            <a:fillRect/>
-          </a:stretch>
-        </p:blipFill>
-        <p:spPr bwMode="auto">
-          <a:xfrm>
-            <a:off x="2008188" y="0"/>
-            <a:ext cx="8175625" cy="6858000"/>
-          </a:xfrm>
-          <a:prstGeom prst="rect">
-            <a:avLst/>
-          </a:prstGeom>
-          <a:noFill/>
-          <a:extLst>
-            <a:ext uri="{909E8E84-426E-40DD-AFC4-6F175D3DCCD1}">
-              <a14:hiddenFill xmlns:a14="http://schemas.microsoft.com/office/drawing/2010/main">
-                <a:solidFill>
-                  <a:srgbClr val="FFFFFF"/>
-                </a:solidFill>
-              </a14:hiddenFill>
-            </a:ext>
-          </a:extLst>
-        </p:spPr>
-      </p:pic>
-    </p:spTree>
-    <p:extLst>
-      <p:ext uri="{BB962C8B-B14F-4D97-AF65-F5344CB8AC3E}">
-        <p14:creationId xmlns:p14="http://schemas.microsoft.com/office/powerpoint/2010/main" val="2579418603"/>
-      </p:ext>
-    </p:extLst>
-  </p:cSld>
-  <p:clrMapOvr>
-    <a:masterClrMapping/>
-  </p:clrMapOvr>
-</p:sld>
-</file>
-
-<file path=ppt/slides/slide12.xml><?xml version="1.0" encoding="utf-8"?>
-<p:sld xmlns:a="http://schemas.openxmlformats.org/drawingml/2006/main" xmlns:r="http://schemas.openxmlformats.org/officeDocument/2006/relationships" xmlns:p="http://schemas.openxmlformats.org/presentationml/2006/main">
-  <p:cSld>
-    <p:bg>
-      <p:bgPr>
-        <a:gradFill rotWithShape="1">
-          <a:gsLst>
-            <a:gs pos="0">
-              <a:schemeClr val="bg2">
-                <a:tint val="94000"/>
-                <a:satMod val="80000"/>
-                <a:lumMod val="106000"/>
-              </a:schemeClr>
-            </a:gs>
-            <a:gs pos="100000">
-              <a:schemeClr val="bg2">
-                <a:shade val="80000"/>
-              </a:schemeClr>
-            </a:gs>
-          </a:gsLst>
-          <a:path path="circle">
-            <a:fillToRect l="43000" r="43000" b="100000"/>
-          </a:path>
-        </a:gradFill>
-        <a:effectLst/>
-      </p:bgPr>
-    </p:bg>
-    <p:spTree>
-      <p:nvGrpSpPr>
-        <p:cNvPr id="1" name=""/>
-        <p:cNvGrpSpPr/>
-        <p:nvPr/>
-      </p:nvGrpSpPr>
-      <p:grpSpPr>
-        <a:xfrm>
-          <a:off x="0" y="0"/>
-          <a:ext cx="0" cy="0"/>
-          <a:chOff x="0" y="0"/>
-          <a:chExt cx="0" cy="0"/>
-        </a:xfrm>
-      </p:grpSpPr>
-      <p:sp>
-        <p:nvSpPr>
-          <p:cNvPr id="2" name="Title 1">
-            <a:extLst>
-              <a:ext uri="{FF2B5EF4-FFF2-40B4-BE49-F238E27FC236}">
-                <a16:creationId xmlns:a16="http://schemas.microsoft.com/office/drawing/2014/main" id="{7774CA1C-6EBF-724B-93C9-5E0C0698533A}"/>
-              </a:ext>
-            </a:extLst>
-          </p:cNvPr>
-          <p:cNvSpPr>
-            <a:spLocks noGrp="1"/>
-          </p:cNvSpPr>
-          <p:nvPr>
-            <p:ph type="title"/>
-          </p:nvPr>
-        </p:nvSpPr>
-        <p:spPr>
-          <a:xfrm>
-            <a:off x="1451579" y="804519"/>
-            <a:ext cx="9603275" cy="1049235"/>
-          </a:xfrm>
-        </p:spPr>
-        <p:txBody>
-          <a:bodyPr>
-            <a:normAutofit/>
-          </a:bodyPr>
-          <a:lstStyle/>
-          <a:p>
-            <a:r>
-              <a:rPr lang="en-US" dirty="0"/>
-              <a:t>Forget Gate</a:t>
-            </a:r>
-          </a:p>
-        </p:txBody>
-      </p:sp>
-      <p:sp>
-        <p:nvSpPr>
-          <p:cNvPr id="3" name="Content Placeholder 2">
-            <a:extLst>
-              <a:ext uri="{FF2B5EF4-FFF2-40B4-BE49-F238E27FC236}">
-                <a16:creationId xmlns:a16="http://schemas.microsoft.com/office/drawing/2014/main" id="{D8A4C8BD-8C07-B44A-9A03-1CA3D3379450}"/>
-              </a:ext>
-            </a:extLst>
-          </p:cNvPr>
-          <p:cNvSpPr>
-            <a:spLocks noGrp="1"/>
-          </p:cNvSpPr>
-          <p:nvPr>
-            <p:ph idx="1"/>
-          </p:nvPr>
-        </p:nvSpPr>
-        <p:spPr>
-          <a:xfrm>
-            <a:off x="117231" y="2015734"/>
-            <a:ext cx="4407877" cy="4037747"/>
-          </a:xfrm>
-        </p:spPr>
-        <p:txBody>
-          <a:bodyPr>
-            <a:normAutofit/>
-          </a:bodyPr>
-          <a:lstStyle/>
-          <a:p>
-            <a:r>
-              <a:rPr lang="en-CA" dirty="0"/>
-              <a:t>The forget gate decides what information should be thrown away or kept. </a:t>
-            </a:r>
-          </a:p>
-          <a:p>
-            <a:r>
-              <a:rPr lang="en-CA" dirty="0"/>
-              <a:t>Information from the previous hidden state and information from the current input is passed through the sigmoid function. </a:t>
-            </a:r>
-          </a:p>
-          <a:p>
-            <a:r>
-              <a:rPr lang="en-CA" dirty="0"/>
-              <a:t>Values come out between 0 and 1. The closer to 0 means to forget, and the closer to 1 means to keep.</a:t>
-            </a:r>
-            <a:endParaRPr lang="en-US" dirty="0"/>
-          </a:p>
-        </p:txBody>
-      </p:sp>
-      <p:pic>
-        <p:nvPicPr>
-          <p:cNvPr id="2052" name="Picture 4">
-            <a:extLst>
-              <a:ext uri="{FF2B5EF4-FFF2-40B4-BE49-F238E27FC236}">
-                <a16:creationId xmlns:a16="http://schemas.microsoft.com/office/drawing/2014/main" id="{15A7B40F-4591-5443-9487-CBE07A075C31}"/>
-              </a:ext>
-            </a:extLst>
-          </p:cNvPr>
-          <p:cNvPicPr>
-            <a:picLocks noChangeAspect="1" noChangeArrowheads="1"/>
-          </p:cNvPicPr>
-          <p:nvPr/>
-        </p:nvPicPr>
-        <p:blipFill>
-          <a:blip r:embed="rId2">
-            <a:extLst>
-              <a:ext uri="{28A0092B-C50C-407E-A947-70E740481C1C}">
-                <a14:useLocalDpi xmlns:a14="http://schemas.microsoft.com/office/drawing/2010/main" val="0"/>
-              </a:ext>
-            </a:extLst>
-          </a:blip>
-          <a:stretch>
-            <a:fillRect/>
-          </a:stretch>
-        </p:blipFill>
-        <p:spPr bwMode="auto">
-          <a:xfrm>
-            <a:off x="4525108" y="2823301"/>
-            <a:ext cx="7671721" cy="4037747"/>
-          </a:xfrm>
-          <a:prstGeom prst="rect">
-            <a:avLst/>
-          </a:prstGeom>
-          <a:noFill/>
-          <a:extLst>
-            <a:ext uri="{909E8E84-426E-40DD-AFC4-6F175D3DCCD1}">
-              <a14:hiddenFill xmlns:a14="http://schemas.microsoft.com/office/drawing/2010/main">
-                <a:solidFill>
-                  <a:srgbClr val="FFFFFF"/>
-                </a:solidFill>
-              </a14:hiddenFill>
-            </a:ext>
-          </a:extLst>
-        </p:spPr>
-      </p:pic>
-      <p:pic>
-        <p:nvPicPr>
-          <p:cNvPr id="6146" name="Picture 2">
-            <a:extLst>
-              <a:ext uri="{FF2B5EF4-FFF2-40B4-BE49-F238E27FC236}">
-                <a16:creationId xmlns:a16="http://schemas.microsoft.com/office/drawing/2014/main" id="{82E359EA-2EBF-790C-0382-2B4C61515440}"/>
-              </a:ext>
-            </a:extLst>
-          </p:cNvPr>
-          <p:cNvPicPr>
-            <a:picLocks noChangeAspect="1" noChangeArrowheads="1"/>
-          </p:cNvPicPr>
-          <p:nvPr/>
-        </p:nvPicPr>
-        <p:blipFill>
-          <a:blip r:embed="rId3">
-            <a:extLst>
-              <a:ext uri="{28A0092B-C50C-407E-A947-70E740481C1C}">
-                <a14:useLocalDpi xmlns:a14="http://schemas.microsoft.com/office/drawing/2010/main" val="0"/>
-              </a:ext>
-            </a:extLst>
-          </a:blip>
-          <a:srcRect/>
-          <a:stretch>
-            <a:fillRect/>
-          </a:stretch>
-        </p:blipFill>
-        <p:spPr bwMode="auto">
-          <a:xfrm>
-            <a:off x="6808976" y="0"/>
-            <a:ext cx="4848075" cy="2645664"/>
-          </a:xfrm>
-          <a:prstGeom prst="rect">
-            <a:avLst/>
-          </a:prstGeom>
-          <a:noFill/>
-          <a:extLst>
-            <a:ext uri="{909E8E84-426E-40DD-AFC4-6F175D3DCCD1}">
-              <a14:hiddenFill xmlns:a14="http://schemas.microsoft.com/office/drawing/2010/main">
-                <a:solidFill>
-                  <a:srgbClr val="FFFFFF"/>
-                </a:solidFill>
-              </a14:hiddenFill>
-            </a:ext>
-          </a:extLst>
-        </p:spPr>
-      </p:pic>
-    </p:spTree>
-    <p:extLst>
-      <p:ext uri="{BB962C8B-B14F-4D97-AF65-F5344CB8AC3E}">
-        <p14:creationId xmlns:p14="http://schemas.microsoft.com/office/powerpoint/2010/main" val="2858938085"/>
+        <p14:creationId xmlns:p14="http://schemas.microsoft.com/office/powerpoint/2010/main" val="2808996582"/>
       </p:ext>
     </p:extLst>
   </p:cSld>
@@ -4278,7 +4151,7 @@
           <p:cNvPr id="2" name="Title 1">
             <a:extLst>
               <a:ext uri="{FF2B5EF4-FFF2-40B4-BE49-F238E27FC236}">
-                <a16:creationId xmlns:a16="http://schemas.microsoft.com/office/drawing/2014/main" id="{2E1F3B22-99AD-6C4F-9831-5CF3512BB3BB}"/>
+                <a16:creationId xmlns:a16="http://schemas.microsoft.com/office/drawing/2014/main" id="{EED6F1AD-ECEB-F449-A419-8BA73DD83D6F}"/>
               </a:ext>
             </a:extLst>
           </p:cNvPr>
@@ -4303,17 +4176,123 @@
           <a:p>
             <a:r>
               <a:rPr lang="en-US" dirty="0"/>
-              <a:t>Input Gate</a:t>
+              <a:t>Mo’ Gradients, Mo’ Problems</a:t>
+            </a:r>
+          </a:p>
+        </p:txBody>
+      </p:sp>
+      <p:sp>
+        <p:nvSpPr>
+          <p:cNvPr id="3" name="Content Placeholder 2">
+            <a:extLst>
+              <a:ext uri="{FF2B5EF4-FFF2-40B4-BE49-F238E27FC236}">
+                <a16:creationId xmlns:a16="http://schemas.microsoft.com/office/drawing/2014/main" id="{89BD6153-EC68-1444-9B24-FFC5B827EB06}"/>
+              </a:ext>
+            </a:extLst>
+          </p:cNvPr>
+          <p:cNvSpPr>
+            <a:spLocks noGrp="1"/>
+          </p:cNvSpPr>
+          <p:nvPr>
+            <p:ph idx="1"/>
+          </p:nvPr>
+        </p:nvSpPr>
+        <p:spPr>
+          <a:xfrm>
+            <a:off x="79513" y="1928192"/>
+            <a:ext cx="6941021" cy="4125290"/>
+          </a:xfrm>
+        </p:spPr>
+        <p:txBody>
+          <a:bodyPr>
+            <a:normAutofit/>
+          </a:bodyPr>
+          <a:lstStyle/>
+          <a:p>
+            <a:pPr>
+              <a:lnSpc>
+                <a:spcPct val="110000"/>
+              </a:lnSpc>
+            </a:pPr>
+            <a:r>
+              <a:rPr lang="en-US" dirty="0"/>
+              <a:t>RNNs can run into issues with the gradients getting too large or too small. </a:t>
+            </a:r>
+          </a:p>
+          <a:p>
+            <a:pPr lvl="1">
+              <a:lnSpc>
+                <a:spcPct val="110000"/>
+              </a:lnSpc>
+            </a:pPr>
+            <a:r>
+              <a:rPr lang="en-US" sz="2000" dirty="0"/>
+              <a:t>Exploding or vanishing gradients. </a:t>
+            </a:r>
+          </a:p>
+          <a:p>
+            <a:pPr>
+              <a:lnSpc>
+                <a:spcPct val="110000"/>
+              </a:lnSpc>
+            </a:pPr>
+            <a:r>
+              <a:rPr lang="en-US" dirty="0"/>
+              <a:t>Vanishing gradients commonly occur with deeper models. </a:t>
+            </a:r>
+          </a:p>
+          <a:p>
+            <a:pPr>
+              <a:lnSpc>
+                <a:spcPct val="110000"/>
+              </a:lnSpc>
+            </a:pPr>
+            <a:r>
+              <a:rPr lang="en-US" dirty="0"/>
+              <a:t>The longer the memory, the more risk of vanishing.</a:t>
+            </a:r>
+          </a:p>
+          <a:p>
+            <a:pPr lvl="1">
+              <a:lnSpc>
+                <a:spcPct val="110000"/>
+              </a:lnSpc>
+            </a:pPr>
+            <a:r>
+              <a:rPr lang="en-US" dirty="0"/>
+              <a:t>How much of an impact can the memory of 20 steps ago be?</a:t>
+            </a:r>
+          </a:p>
+          <a:p>
+            <a:pPr>
+              <a:lnSpc>
+                <a:spcPct val="110000"/>
+              </a:lnSpc>
+            </a:pPr>
+            <a:r>
+              <a:rPr lang="en-US" dirty="0"/>
+              <a:t>As gradients get extremely small, learning updates stop.</a:t>
+            </a:r>
+          </a:p>
+          <a:p>
+            <a:pPr>
+              <a:lnSpc>
+                <a:spcPct val="110000"/>
+              </a:lnSpc>
+            </a:pPr>
+            <a:r>
+              <a:rPr lang="en-US" dirty="0"/>
+              <a:t>Solution – Long Short-Term Memory</a:t>
             </a:r>
           </a:p>
         </p:txBody>
       </p:sp>
       <p:pic>
         <p:nvPicPr>
-          <p:cNvPr id="3074" name="Picture 2">
-            <a:extLst>
-              <a:ext uri="{FF2B5EF4-FFF2-40B4-BE49-F238E27FC236}">
-                <a16:creationId xmlns:a16="http://schemas.microsoft.com/office/drawing/2014/main" id="{B379EDC6-315D-0C4F-83EF-48C2210ACD81}"/>
+          <p:cNvPr id="7170" name="Picture 2" descr="Neural networks struggle with long term dependencies.">
+            <a:extLst>
+              <a:ext uri="{FF2B5EF4-FFF2-40B4-BE49-F238E27FC236}">
+                <a16:creationId xmlns:a16="http://schemas.microsoft.com/office/drawing/2014/main" id="{89B504F7-AEAD-A649-B254-B3DB81A0B145}"/>
               </a:ext>
             </a:extLst>
           </p:cNvPr>
@@ -4336,8 +4315,8 @@
         </p:blipFill>
         <p:spPr bwMode="auto">
           <a:xfrm>
-            <a:off x="-52472" y="1853754"/>
-            <a:ext cx="6727591" cy="3186753"/>
+            <a:off x="7020534" y="3159684"/>
+            <a:ext cx="4960443" cy="1711351"/>
           </a:xfrm>
           <a:prstGeom prst="rect">
             <a:avLst/>
@@ -4354,12 +4333,70 @@
           </a:extLst>
         </p:spPr>
       </p:pic>
+    </p:spTree>
+    <p:extLst>
+      <p:ext uri="{BB962C8B-B14F-4D97-AF65-F5344CB8AC3E}">
+        <p14:creationId xmlns:p14="http://schemas.microsoft.com/office/powerpoint/2010/main" val="723991813"/>
+      </p:ext>
+    </p:extLst>
+  </p:cSld>
+  <p:clrMapOvr>
+    <a:masterClrMapping/>
+  </p:clrMapOvr>
+</p:sld>
+</file>
+
+<file path=ppt/slides/slide14.xml><?xml version="1.0" encoding="utf-8"?>
+<p:sld xmlns:a="http://schemas.openxmlformats.org/drawingml/2006/main" xmlns:r="http://schemas.openxmlformats.org/officeDocument/2006/relationships" xmlns:p="http://schemas.openxmlformats.org/presentationml/2006/main">
+  <p:cSld>
+    <p:spTree>
+      <p:nvGrpSpPr>
+        <p:cNvPr id="1" name=""/>
+        <p:cNvGrpSpPr/>
+        <p:nvPr/>
+      </p:nvGrpSpPr>
+      <p:grpSpPr>
+        <a:xfrm>
+          <a:off x="0" y="0"/>
+          <a:ext cx="0" cy="0"/>
+          <a:chOff x="0" y="0"/>
+          <a:chExt cx="0" cy="0"/>
+        </a:xfrm>
+      </p:grpSpPr>
+      <p:sp>
+        <p:nvSpPr>
+          <p:cNvPr id="2" name="Title 1">
+            <a:extLst>
+              <a:ext uri="{FF2B5EF4-FFF2-40B4-BE49-F238E27FC236}">
+                <a16:creationId xmlns:a16="http://schemas.microsoft.com/office/drawing/2014/main" id="{6BBDCD09-F3A5-C7C1-A2D0-EA6894CC9F35}"/>
+              </a:ext>
+            </a:extLst>
+          </p:cNvPr>
+          <p:cNvSpPr>
+            <a:spLocks noGrp="1"/>
+          </p:cNvSpPr>
+          <p:nvPr>
+            <p:ph type="title"/>
+          </p:nvPr>
+        </p:nvSpPr>
+        <p:spPr/>
+        <p:txBody>
+          <a:bodyPr/>
+          <a:lstStyle/>
+          <a:p>
+            <a:r>
+              <a:rPr lang="en-US" dirty="0"/>
+              <a:t>Training a RNN and Issues</a:t>
+            </a:r>
+          </a:p>
+        </p:txBody>
+      </p:sp>
       <p:sp>
         <p:nvSpPr>
           <p:cNvPr id="3" name="Content Placeholder 2">
             <a:extLst>
               <a:ext uri="{FF2B5EF4-FFF2-40B4-BE49-F238E27FC236}">
-                <a16:creationId xmlns:a16="http://schemas.microsoft.com/office/drawing/2014/main" id="{CFE5F14A-379D-F143-9FD2-E0F41282014C}"/>
+                <a16:creationId xmlns:a16="http://schemas.microsoft.com/office/drawing/2014/main" id="{3B7FF088-7185-BEA8-1D77-080F69468E18}"/>
               </a:ext>
             </a:extLst>
           </p:cNvPr>
@@ -4372,55 +4409,63 @@
         </p:nvSpPr>
         <p:spPr>
           <a:xfrm>
-            <a:off x="6675119" y="2015734"/>
-            <a:ext cx="5516881" cy="4220474"/>
+            <a:off x="5139700" y="1950720"/>
+            <a:ext cx="7052300" cy="4102761"/>
           </a:xfrm>
         </p:spPr>
         <p:txBody>
           <a:bodyPr>
-            <a:normAutofit fontScale="92500" lnSpcReduction="10000"/>
+            <a:normAutofit/>
           </a:bodyPr>
           <a:lstStyle/>
           <a:p>
             <a:r>
-              <a:rPr lang="en-CA" dirty="0"/>
-              <a:t>To update the cell state, we have the input gate.</a:t>
-            </a:r>
-          </a:p>
-          <a:p>
-            <a:r>
-              <a:rPr lang="en-CA" dirty="0"/>
-              <a:t>We pass the previous hidden state and current input into a sigmoid function. </a:t>
+              <a:rPr lang="en-US" sz="2400" dirty="0"/>
+              <a:t>RNNs are trained using an algorithm called BPTT – back propagation through time. </a:t>
             </a:r>
           </a:p>
           <a:p>
             <a:pPr lvl="1"/>
             <a:r>
-              <a:rPr lang="en-CA" dirty="0"/>
-              <a:t>Decides which values will be updated by transforming the values to be between 0 and 1.</a:t>
-            </a:r>
-          </a:p>
-          <a:p>
-            <a:r>
-              <a:rPr lang="en-CA" dirty="0"/>
-              <a:t>Also pass the hidden state and current input into the tanh function to squish values between -1 and 1 to help regulate the network. </a:t>
-            </a:r>
-          </a:p>
-          <a:p>
-            <a:r>
-              <a:rPr lang="en-CA" dirty="0"/>
-              <a:t>Multiply the tanh output with the sigmoid output. The sigmoid output will decide which information is important to keep from the tanh output.</a:t>
-            </a:r>
-            <a:endParaRPr lang="en-US" dirty="0"/>
+              <a:rPr lang="en-US" sz="2000" dirty="0"/>
+              <a:t>Mathematically this is the same as ‘normal’, but with transformations on the model structure. </a:t>
+            </a:r>
+          </a:p>
+          <a:p>
+            <a:r>
+              <a:rPr lang="en-US" sz="2400" dirty="0"/>
+              <a:t>Image shows gradient calculations at step 3. </a:t>
+            </a:r>
+          </a:p>
+          <a:p>
+            <a:pPr lvl="1"/>
+            <a:r>
+              <a:rPr lang="en-US" sz="2000" dirty="0"/>
+              <a:t>Adjustment for this step depends on steps 1 and 2. </a:t>
+            </a:r>
+          </a:p>
+          <a:p>
+            <a:pPr lvl="1"/>
+            <a:r>
+              <a:rPr lang="en-US" sz="2000" dirty="0"/>
+              <a:t>As steps grow, this equation grows, and values can get minute. </a:t>
+            </a:r>
+          </a:p>
+          <a:p>
+            <a:pPr lvl="1"/>
+            <a:r>
+              <a:rPr lang="en-US" sz="2000" dirty="0"/>
+              <a:t>We lose the gradient, or indication of how to adjust weight.</a:t>
+            </a:r>
           </a:p>
         </p:txBody>
       </p:sp>
       <p:pic>
         <p:nvPicPr>
-          <p:cNvPr id="7170" name="Picture 2">
-            <a:extLst>
-              <a:ext uri="{FF2B5EF4-FFF2-40B4-BE49-F238E27FC236}">
-                <a16:creationId xmlns:a16="http://schemas.microsoft.com/office/drawing/2014/main" id="{D7C52022-390D-E03E-E513-9DBAB021C431}"/>
+          <p:cNvPr id="4098" name="Picture 2" descr="complete equation | Problems Recurrent neural networks">
+            <a:extLst>
+              <a:ext uri="{FF2B5EF4-FFF2-40B4-BE49-F238E27FC236}">
+                <a16:creationId xmlns:a16="http://schemas.microsoft.com/office/drawing/2014/main" id="{56E45314-038D-F692-7A83-F67D11A056C4}"/>
               </a:ext>
             </a:extLst>
           </p:cNvPr>
@@ -4430,7 +4475,7 @@
           <p:nvPr/>
         </p:nvPicPr>
         <p:blipFill>
-          <a:blip r:embed="rId3">
+          <a:blip r:embed="rId2">
             <a:extLst>
               <a:ext uri="{28A0092B-C50C-407E-A947-70E740481C1C}">
                 <a14:useLocalDpi xmlns:a14="http://schemas.microsoft.com/office/drawing/2010/main" val="0"/>
@@ -4444,8 +4489,8 @@
         </p:blipFill>
         <p:spPr bwMode="auto">
           <a:xfrm>
-            <a:off x="7790687" y="54644"/>
-            <a:ext cx="3296799" cy="1799110"/>
+            <a:off x="0" y="2170746"/>
+            <a:ext cx="5139700" cy="3742374"/>
           </a:xfrm>
           <a:prstGeom prst="rect">
             <a:avLst/>
@@ -4465,7 +4510,7 @@
     </p:spTree>
     <p:extLst>
       <p:ext uri="{BB962C8B-B14F-4D97-AF65-F5344CB8AC3E}">
-        <p14:creationId xmlns:p14="http://schemas.microsoft.com/office/powerpoint/2010/main" val="2074351286"/>
+        <p14:creationId xmlns:p14="http://schemas.microsoft.com/office/powerpoint/2010/main" val="242196622"/>
       </p:ext>
     </p:extLst>
   </p:cSld>
@@ -4475,7 +4520,475 @@
 </p:sld>
 </file>
 
-<file path=ppt/slides/slide14.xml><?xml version="1.0" encoding="utf-8"?>
+<file path=ppt/slides/slide15.xml><?xml version="1.0" encoding="utf-8"?>
+<p:sld xmlns:a="http://schemas.openxmlformats.org/drawingml/2006/main" xmlns:r="http://schemas.openxmlformats.org/officeDocument/2006/relationships" xmlns:p="http://schemas.openxmlformats.org/presentationml/2006/main">
+  <p:cSld>
+    <p:spTree>
+      <p:nvGrpSpPr>
+        <p:cNvPr id="1" name=""/>
+        <p:cNvGrpSpPr/>
+        <p:nvPr/>
+      </p:nvGrpSpPr>
+      <p:grpSpPr>
+        <a:xfrm>
+          <a:off x="0" y="0"/>
+          <a:ext cx="0" cy="0"/>
+          <a:chOff x="0" y="0"/>
+          <a:chExt cx="0" cy="0"/>
+        </a:xfrm>
+      </p:grpSpPr>
+      <p:sp>
+        <p:nvSpPr>
+          <p:cNvPr id="2" name="Title 1">
+            <a:extLst>
+              <a:ext uri="{FF2B5EF4-FFF2-40B4-BE49-F238E27FC236}">
+                <a16:creationId xmlns:a16="http://schemas.microsoft.com/office/drawing/2014/main" id="{6C149323-0E8E-1B0F-946B-589533774FF6}"/>
+              </a:ext>
+            </a:extLst>
+          </p:cNvPr>
+          <p:cNvSpPr>
+            <a:spLocks noGrp="1"/>
+          </p:cNvSpPr>
+          <p:nvPr>
+            <p:ph type="title"/>
+          </p:nvPr>
+        </p:nvSpPr>
+        <p:spPr/>
+        <p:txBody>
+          <a:bodyPr/>
+          <a:lstStyle/>
+          <a:p>
+            <a:r>
+              <a:rPr lang="en-US" dirty="0"/>
+              <a:t>Enter Long-Short Term Memory…</a:t>
+            </a:r>
+          </a:p>
+        </p:txBody>
+      </p:sp>
+      <p:sp>
+        <p:nvSpPr>
+          <p:cNvPr id="3" name="Content Placeholder 2">
+            <a:extLst>
+              <a:ext uri="{FF2B5EF4-FFF2-40B4-BE49-F238E27FC236}">
+                <a16:creationId xmlns:a16="http://schemas.microsoft.com/office/drawing/2014/main" id="{5A8DDE58-3E57-96C9-3802-F68B404CE1DB}"/>
+              </a:ext>
+            </a:extLst>
+          </p:cNvPr>
+          <p:cNvSpPr>
+            <a:spLocks noGrp="1"/>
+          </p:cNvSpPr>
+          <p:nvPr>
+            <p:ph idx="1"/>
+          </p:nvPr>
+        </p:nvSpPr>
+        <p:spPr/>
+        <p:txBody>
+          <a:bodyPr/>
+          <a:lstStyle/>
+          <a:p>
+            <a:endParaRPr lang="en-US"/>
+          </a:p>
+        </p:txBody>
+      </p:sp>
+      <p:pic>
+        <p:nvPicPr>
+          <p:cNvPr id="5122" name="Picture 2">
+            <a:extLst>
+              <a:ext uri="{FF2B5EF4-FFF2-40B4-BE49-F238E27FC236}">
+                <a16:creationId xmlns:a16="http://schemas.microsoft.com/office/drawing/2014/main" id="{B9107E74-CB59-A316-B6A0-DBA5F3C6C5B2}"/>
+              </a:ext>
+            </a:extLst>
+          </p:cNvPr>
+          <p:cNvPicPr>
+            <a:picLocks noChangeAspect="1" noChangeArrowheads="1"/>
+          </p:cNvPicPr>
+          <p:nvPr/>
+        </p:nvPicPr>
+        <p:blipFill>
+          <a:blip r:embed="rId2">
+            <a:extLst>
+              <a:ext uri="{28A0092B-C50C-407E-A947-70E740481C1C}">
+                <a14:useLocalDpi xmlns:a14="http://schemas.microsoft.com/office/drawing/2010/main" val="0"/>
+              </a:ext>
+            </a:extLst>
+          </a:blip>
+          <a:srcRect/>
+          <a:stretch>
+            <a:fillRect/>
+          </a:stretch>
+        </p:blipFill>
+        <p:spPr bwMode="auto">
+          <a:xfrm>
+            <a:off x="1651000" y="2126245"/>
+            <a:ext cx="8890000" cy="3340100"/>
+          </a:xfrm>
+          <a:prstGeom prst="rect">
+            <a:avLst/>
+          </a:prstGeom>
+          <a:noFill/>
+          <a:extLst>
+            <a:ext uri="{909E8E84-426E-40DD-AFC4-6F175D3DCCD1}">
+              <a14:hiddenFill xmlns:a14="http://schemas.microsoft.com/office/drawing/2010/main">
+                <a:solidFill>
+                  <a:srgbClr val="FFFFFF"/>
+                </a:solidFill>
+              </a14:hiddenFill>
+            </a:ext>
+          </a:extLst>
+        </p:spPr>
+      </p:pic>
+    </p:spTree>
+    <p:extLst>
+      <p:ext uri="{BB962C8B-B14F-4D97-AF65-F5344CB8AC3E}">
+        <p14:creationId xmlns:p14="http://schemas.microsoft.com/office/powerpoint/2010/main" val="4250248146"/>
+      </p:ext>
+    </p:extLst>
+  </p:cSld>
+  <p:clrMapOvr>
+    <a:masterClrMapping/>
+  </p:clrMapOvr>
+</p:sld>
+</file>
+
+<file path=ppt/slides/slide16.xml><?xml version="1.0" encoding="utf-8"?>
+<p:sld xmlns:a="http://schemas.openxmlformats.org/drawingml/2006/main" xmlns:r="http://schemas.openxmlformats.org/officeDocument/2006/relationships" xmlns:p="http://schemas.openxmlformats.org/presentationml/2006/main">
+  <p:cSld>
+    <p:spTree>
+      <p:nvGrpSpPr>
+        <p:cNvPr id="1" name=""/>
+        <p:cNvGrpSpPr/>
+        <p:nvPr/>
+      </p:nvGrpSpPr>
+      <p:grpSpPr>
+        <a:xfrm>
+          <a:off x="0" y="0"/>
+          <a:ext cx="0" cy="0"/>
+          <a:chOff x="0" y="0"/>
+          <a:chExt cx="0" cy="0"/>
+        </a:xfrm>
+      </p:grpSpPr>
+      <p:sp>
+        <p:nvSpPr>
+          <p:cNvPr id="2" name="Title 1">
+            <a:extLst>
+              <a:ext uri="{FF2B5EF4-FFF2-40B4-BE49-F238E27FC236}">
+                <a16:creationId xmlns:a16="http://schemas.microsoft.com/office/drawing/2014/main" id="{DCEA25D7-B275-8C46-BDC5-2257486457A2}"/>
+              </a:ext>
+            </a:extLst>
+          </p:cNvPr>
+          <p:cNvSpPr>
+            <a:spLocks noGrp="1"/>
+          </p:cNvSpPr>
+          <p:nvPr>
+            <p:ph type="title"/>
+          </p:nvPr>
+        </p:nvSpPr>
+        <p:spPr/>
+        <p:txBody>
+          <a:bodyPr/>
+          <a:lstStyle/>
+          <a:p>
+            <a:r>
+              <a:rPr lang="en-US" dirty="0"/>
+              <a:t>Long Short-Term Memory</a:t>
+            </a:r>
+          </a:p>
+        </p:txBody>
+      </p:sp>
+      <p:sp>
+        <p:nvSpPr>
+          <p:cNvPr id="3" name="Content Placeholder 2">
+            <a:extLst>
+              <a:ext uri="{FF2B5EF4-FFF2-40B4-BE49-F238E27FC236}">
+                <a16:creationId xmlns:a16="http://schemas.microsoft.com/office/drawing/2014/main" id="{A8AE9C63-4627-0143-8679-7D0454698F6A}"/>
+              </a:ext>
+            </a:extLst>
+          </p:cNvPr>
+          <p:cNvSpPr>
+            <a:spLocks noGrp="1"/>
+          </p:cNvSpPr>
+          <p:nvPr>
+            <p:ph idx="1"/>
+          </p:nvPr>
+        </p:nvSpPr>
+        <p:spPr>
+          <a:xfrm>
+            <a:off x="1451579" y="1853754"/>
+            <a:ext cx="10411236" cy="4199727"/>
+          </a:xfrm>
+        </p:spPr>
+        <p:txBody>
+          <a:bodyPr>
+            <a:normAutofit lnSpcReduction="10000"/>
+          </a:bodyPr>
+          <a:lstStyle/>
+          <a:p>
+            <a:r>
+              <a:rPr lang="en-US" dirty="0"/>
+              <a:t>LSTM models are a commonly used type of RNN. </a:t>
+            </a:r>
+          </a:p>
+          <a:p>
+            <a:r>
+              <a:rPr lang="en-US" dirty="0"/>
+              <a:t>LSTMs can avoid/mitigate the gradient issues. </a:t>
+            </a:r>
+          </a:p>
+          <a:p>
+            <a:r>
+              <a:rPr lang="en-US" dirty="0"/>
+              <a:t>LSTMs retain a bunch of data – their long memory. </a:t>
+            </a:r>
+          </a:p>
+          <a:p>
+            <a:pPr lvl="1"/>
+            <a:r>
+              <a:rPr lang="en-US" dirty="0"/>
+              <a:t>“Look back” period of N previous records. </a:t>
+            </a:r>
+          </a:p>
+          <a:p>
+            <a:r>
+              <a:rPr lang="en-US" dirty="0"/>
+              <a:t>At a basic level, the output of an LSTM at a particular point in time is dependent on three things:</a:t>
+            </a:r>
+          </a:p>
+          <a:p>
+            <a:pPr lvl="1"/>
+            <a:r>
+              <a:rPr lang="en-US" dirty="0"/>
+              <a:t>The current long-term memory of the network — known as the cell state.</a:t>
+            </a:r>
+          </a:p>
+          <a:p>
+            <a:pPr lvl="1"/>
+            <a:r>
+              <a:rPr lang="en-US" dirty="0"/>
+              <a:t>The output at the previous point in time — known as the previous hidden state.</a:t>
+            </a:r>
+          </a:p>
+          <a:p>
+            <a:pPr lvl="1"/>
+            <a:r>
+              <a:rPr lang="en-US" dirty="0"/>
+              <a:t>The input data at the current time step.</a:t>
+            </a:r>
+          </a:p>
+          <a:p>
+            <a:r>
+              <a:rPr lang="en-US" dirty="0"/>
+              <a:t>https://</a:t>
+            </a:r>
+            <a:r>
+              <a:rPr lang="en-US" dirty="0" err="1"/>
+              <a:t>towardsdatascience.com</a:t>
+            </a:r>
+            <a:r>
+              <a:rPr lang="en-US" dirty="0"/>
+              <a:t>/illustrated-guide-to-lstms-and-gru-s-a-step-by-step-explanation-44e9eb85bf21</a:t>
+            </a:r>
+          </a:p>
+          <a:p>
+            <a:endParaRPr lang="en-US" dirty="0"/>
+          </a:p>
+        </p:txBody>
+      </p:sp>
+    </p:spTree>
+    <p:extLst>
+      <p:ext uri="{BB962C8B-B14F-4D97-AF65-F5344CB8AC3E}">
+        <p14:creationId xmlns:p14="http://schemas.microsoft.com/office/powerpoint/2010/main" val="3118498386"/>
+      </p:ext>
+    </p:extLst>
+  </p:cSld>
+  <p:clrMapOvr>
+    <a:masterClrMapping/>
+  </p:clrMapOvr>
+</p:sld>
+</file>
+
+<file path=ppt/slides/slide17.xml><?xml version="1.0" encoding="utf-8"?>
+<p:sld xmlns:a="http://schemas.openxmlformats.org/drawingml/2006/main" xmlns:r="http://schemas.openxmlformats.org/officeDocument/2006/relationships" xmlns:p="http://schemas.openxmlformats.org/presentationml/2006/main">
+  <p:cSld>
+    <p:spTree>
+      <p:nvGrpSpPr>
+        <p:cNvPr id="1" name=""/>
+        <p:cNvGrpSpPr/>
+        <p:nvPr/>
+      </p:nvGrpSpPr>
+      <p:grpSpPr>
+        <a:xfrm>
+          <a:off x="0" y="0"/>
+          <a:ext cx="0" cy="0"/>
+          <a:chOff x="0" y="0"/>
+          <a:chExt cx="0" cy="0"/>
+        </a:xfrm>
+      </p:grpSpPr>
+      <p:sp>
+        <p:nvSpPr>
+          <p:cNvPr id="2" name="Title 1">
+            <a:extLst>
+              <a:ext uri="{FF2B5EF4-FFF2-40B4-BE49-F238E27FC236}">
+                <a16:creationId xmlns:a16="http://schemas.microsoft.com/office/drawing/2014/main" id="{5059659F-D188-7A07-E5A5-6F7E12C517DE}"/>
+              </a:ext>
+            </a:extLst>
+          </p:cNvPr>
+          <p:cNvSpPr>
+            <a:spLocks noGrp="1"/>
+          </p:cNvSpPr>
+          <p:nvPr>
+            <p:ph type="title"/>
+          </p:nvPr>
+        </p:nvSpPr>
+        <p:spPr/>
+        <p:txBody>
+          <a:bodyPr/>
+          <a:lstStyle/>
+          <a:p>
+            <a:endParaRPr lang="en-US"/>
+          </a:p>
+        </p:txBody>
+      </p:sp>
+      <p:sp>
+        <p:nvSpPr>
+          <p:cNvPr id="3" name="Content Placeholder 2">
+            <a:extLst>
+              <a:ext uri="{FF2B5EF4-FFF2-40B4-BE49-F238E27FC236}">
+                <a16:creationId xmlns:a16="http://schemas.microsoft.com/office/drawing/2014/main" id="{FE29790D-277B-BCAC-2D27-6675311924AD}"/>
+              </a:ext>
+            </a:extLst>
+          </p:cNvPr>
+          <p:cNvSpPr>
+            <a:spLocks noGrp="1"/>
+          </p:cNvSpPr>
+          <p:nvPr>
+            <p:ph idx="1"/>
+          </p:nvPr>
+        </p:nvSpPr>
+        <p:spPr>
+          <a:xfrm>
+            <a:off x="8175625" y="1853754"/>
+            <a:ext cx="4016375" cy="4199727"/>
+          </a:xfrm>
+        </p:spPr>
+        <p:txBody>
+          <a:bodyPr/>
+          <a:lstStyle/>
+          <a:p>
+            <a:r>
+              <a:rPr lang="en-US" dirty="0"/>
+              <a:t>It’s simpler than it looks…</a:t>
+            </a:r>
+          </a:p>
+          <a:p>
+            <a:r>
+              <a:rPr lang="en-US" dirty="0"/>
+              <a:t>The activation functions are referred to as ‘gates’. </a:t>
+            </a:r>
+          </a:p>
+          <a:p>
+            <a:pPr lvl="1"/>
+            <a:r>
+              <a:rPr lang="en-US" dirty="0"/>
+              <a:t>Each gate ‘decides’ what to keep and what to discard.</a:t>
+            </a:r>
+          </a:p>
+          <a:p>
+            <a:r>
+              <a:rPr lang="en-US" dirty="0"/>
+              <a:t>The node (roughly):</a:t>
+            </a:r>
+          </a:p>
+          <a:p>
+            <a:pPr lvl="1"/>
+            <a:r>
+              <a:rPr lang="en-US" dirty="0"/>
+              <a:t>Takes in X, hidden, and cell states. </a:t>
+            </a:r>
+          </a:p>
+          <a:p>
+            <a:pPr lvl="1"/>
+            <a:r>
+              <a:rPr lang="en-US" dirty="0"/>
+              <a:t>Weighs what parts to keep/ditch.</a:t>
+            </a:r>
+          </a:p>
+          <a:p>
+            <a:pPr lvl="1"/>
+            <a:r>
+              <a:rPr lang="en-US" dirty="0"/>
+              <a:t>Creates a prediction. </a:t>
+            </a:r>
+          </a:p>
+          <a:p>
+            <a:pPr lvl="1"/>
+            <a:r>
+              <a:rPr lang="en-US" dirty="0"/>
+              <a:t>Passes pred and state forward. </a:t>
+            </a:r>
+          </a:p>
+        </p:txBody>
+      </p:sp>
+      <p:pic>
+        <p:nvPicPr>
+          <p:cNvPr id="12290" name="Picture 2" descr="The structure of the Long Short-Term Memory (LSTM) neural network.... |  Download Scientific Diagram">
+            <a:extLst>
+              <a:ext uri="{FF2B5EF4-FFF2-40B4-BE49-F238E27FC236}">
+                <a16:creationId xmlns:a16="http://schemas.microsoft.com/office/drawing/2014/main" id="{779DEFB7-8151-3462-C1B1-F0FCB621E57D}"/>
+              </a:ext>
+            </a:extLst>
+          </p:cNvPr>
+          <p:cNvPicPr>
+            <a:picLocks noChangeAspect="1" noChangeArrowheads="1"/>
+          </p:cNvPicPr>
+          <p:nvPr/>
+        </p:nvPicPr>
+        <p:blipFill>
+          <a:blip r:embed="rId2">
+            <a:extLst>
+              <a:ext uri="{28A0092B-C50C-407E-A947-70E740481C1C}">
+                <a14:useLocalDpi xmlns:a14="http://schemas.microsoft.com/office/drawing/2010/main" val="0"/>
+              </a:ext>
+            </a:extLst>
+          </a:blip>
+          <a:srcRect/>
+          <a:stretch>
+            <a:fillRect/>
+          </a:stretch>
+        </p:blipFill>
+        <p:spPr bwMode="auto">
+          <a:xfrm>
+            <a:off x="0" y="0"/>
+            <a:ext cx="8175625" cy="6858000"/>
+          </a:xfrm>
+          <a:prstGeom prst="rect">
+            <a:avLst/>
+          </a:prstGeom>
+          <a:noFill/>
+          <a:extLst>
+            <a:ext uri="{909E8E84-426E-40DD-AFC4-6F175D3DCCD1}">
+              <a14:hiddenFill xmlns:a14="http://schemas.microsoft.com/office/drawing/2010/main">
+                <a:solidFill>
+                  <a:srgbClr val="FFFFFF"/>
+                </a:solidFill>
+              </a14:hiddenFill>
+            </a:ext>
+          </a:extLst>
+        </p:spPr>
+      </p:pic>
+    </p:spTree>
+    <p:extLst>
+      <p:ext uri="{BB962C8B-B14F-4D97-AF65-F5344CB8AC3E}">
+        <p14:creationId xmlns:p14="http://schemas.microsoft.com/office/powerpoint/2010/main" val="2579418603"/>
+      </p:ext>
+    </p:extLst>
+  </p:cSld>
+  <p:clrMapOvr>
+    <a:masterClrMapping/>
+  </p:clrMapOvr>
+</p:sld>
+</file>
+
+<file path=ppt/slides/slide18.xml><?xml version="1.0" encoding="utf-8"?>
 <p:sld xmlns:a="http://schemas.openxmlformats.org/drawingml/2006/main" xmlns:r="http://schemas.openxmlformats.org/officeDocument/2006/relationships" xmlns:p="http://schemas.openxmlformats.org/presentationml/2006/main">
   <p:cSld>
     <p:bg>
@@ -4521,7 +5034,7 @@
           <p:cNvPr id="2" name="Title 1">
             <a:extLst>
               <a:ext uri="{FF2B5EF4-FFF2-40B4-BE49-F238E27FC236}">
-                <a16:creationId xmlns:a16="http://schemas.microsoft.com/office/drawing/2014/main" id="{A29187E4-6EAD-3C43-9C40-A4867D0E1766}"/>
+                <a16:creationId xmlns:a16="http://schemas.microsoft.com/office/drawing/2014/main" id="{7774CA1C-6EBF-724B-93C9-5E0C0698533A}"/>
               </a:ext>
             </a:extLst>
           </p:cNvPr>
@@ -4546,17 +5059,65 @@
           <a:p>
             <a:r>
               <a:rPr lang="en-US" dirty="0"/>
-              <a:t>Cell State</a:t>
-            </a:r>
+              <a:t>Forget Gate</a:t>
+            </a:r>
+          </a:p>
+        </p:txBody>
+      </p:sp>
+      <p:sp>
+        <p:nvSpPr>
+          <p:cNvPr id="3" name="Content Placeholder 2">
+            <a:extLst>
+              <a:ext uri="{FF2B5EF4-FFF2-40B4-BE49-F238E27FC236}">
+                <a16:creationId xmlns:a16="http://schemas.microsoft.com/office/drawing/2014/main" id="{D8A4C8BD-8C07-B44A-9A03-1CA3D3379450}"/>
+              </a:ext>
+            </a:extLst>
+          </p:cNvPr>
+          <p:cNvSpPr>
+            <a:spLocks noGrp="1"/>
+          </p:cNvSpPr>
+          <p:nvPr>
+            <p:ph idx="1"/>
+          </p:nvPr>
+        </p:nvSpPr>
+        <p:spPr>
+          <a:xfrm>
+            <a:off x="117231" y="2015734"/>
+            <a:ext cx="4407877" cy="4037747"/>
+          </a:xfrm>
+        </p:spPr>
+        <p:txBody>
+          <a:bodyPr>
+            <a:normAutofit/>
+          </a:bodyPr>
+          <a:lstStyle/>
+          <a:p>
+            <a:r>
+              <a:rPr lang="en-CA" dirty="0"/>
+              <a:t>The forget gate decides what information should be thrown away or kept. </a:t>
+            </a:r>
+          </a:p>
+          <a:p>
+            <a:r>
+              <a:rPr lang="en-CA" dirty="0"/>
+              <a:t>Information from the previous hidden state and information from the current input is passed through the sigmoid function. </a:t>
+            </a:r>
+          </a:p>
+          <a:p>
+            <a:r>
+              <a:rPr lang="en-CA" dirty="0"/>
+              <a:t>Values come out between 0 and 1. The closer to 0 means to forget, and the closer to 1 means to keep.</a:t>
+            </a:r>
+            <a:endParaRPr lang="en-US" dirty="0"/>
           </a:p>
         </p:txBody>
       </p:sp>
       <p:pic>
         <p:nvPicPr>
-          <p:cNvPr id="4098" name="Picture 2">
-            <a:extLst>
-              <a:ext uri="{FF2B5EF4-FFF2-40B4-BE49-F238E27FC236}">
-                <a16:creationId xmlns:a16="http://schemas.microsoft.com/office/drawing/2014/main" id="{28A75F62-F7BE-A047-B162-71F63AC63638}"/>
+          <p:cNvPr id="2052" name="Picture 4">
+            <a:extLst>
+              <a:ext uri="{FF2B5EF4-FFF2-40B4-BE49-F238E27FC236}">
+                <a16:creationId xmlns:a16="http://schemas.microsoft.com/office/drawing/2014/main" id="{15A7B40F-4591-5443-9487-CBE07A075C31}"/>
               </a:ext>
             </a:extLst>
           </p:cNvPr>
@@ -4579,8 +5140,8 @@
         </p:blipFill>
         <p:spPr bwMode="auto">
           <a:xfrm>
-            <a:off x="0" y="1671672"/>
-            <a:ext cx="8940795" cy="4705681"/>
+            <a:off x="4525108" y="2823301"/>
+            <a:ext cx="7671721" cy="4037747"/>
           </a:xfrm>
           <a:prstGeom prst="rect">
             <a:avLst/>
@@ -4597,47 +5158,12 @@
           </a:extLst>
         </p:spPr>
       </p:pic>
-      <p:sp>
-        <p:nvSpPr>
-          <p:cNvPr id="3" name="Content Placeholder 2">
-            <a:extLst>
-              <a:ext uri="{FF2B5EF4-FFF2-40B4-BE49-F238E27FC236}">
-                <a16:creationId xmlns:a16="http://schemas.microsoft.com/office/drawing/2014/main" id="{3AEF97F2-AA9A-014A-B011-591F3E23DA2C}"/>
-              </a:ext>
-            </a:extLst>
-          </p:cNvPr>
-          <p:cNvSpPr>
-            <a:spLocks noGrp="1"/>
-          </p:cNvSpPr>
-          <p:nvPr>
-            <p:ph idx="1"/>
-          </p:nvPr>
-        </p:nvSpPr>
-        <p:spPr>
-          <a:xfrm>
-            <a:off x="9132277" y="2015734"/>
-            <a:ext cx="2965938" cy="3450613"/>
-          </a:xfrm>
-        </p:spPr>
-        <p:txBody>
-          <a:bodyPr>
-            <a:normAutofit/>
-          </a:bodyPr>
-          <a:lstStyle/>
-          <a:p>
-            <a:r>
-              <a:rPr lang="en-US" dirty="0"/>
-              <a:t>The forget and input results are combined to generate a current state. </a:t>
-            </a:r>
-          </a:p>
-        </p:txBody>
-      </p:sp>
       <p:pic>
         <p:nvPicPr>
-          <p:cNvPr id="8194" name="Picture 2">
-            <a:extLst>
-              <a:ext uri="{FF2B5EF4-FFF2-40B4-BE49-F238E27FC236}">
-                <a16:creationId xmlns:a16="http://schemas.microsoft.com/office/drawing/2014/main" id="{BAF7E007-562B-33B3-6CB0-A7EF64283FA1}"/>
+          <p:cNvPr id="6146" name="Picture 2">
+            <a:extLst>
+              <a:ext uri="{FF2B5EF4-FFF2-40B4-BE49-F238E27FC236}">
+                <a16:creationId xmlns:a16="http://schemas.microsoft.com/office/drawing/2014/main" id="{82E359EA-2EBF-790C-0382-2B4C61515440}"/>
               </a:ext>
             </a:extLst>
           </p:cNvPr>
@@ -4661,8 +5187,8 @@
         </p:blipFill>
         <p:spPr bwMode="auto">
           <a:xfrm>
-            <a:off x="4657344" y="-118911"/>
-            <a:ext cx="3384296" cy="1846859"/>
+            <a:off x="6808976" y="0"/>
+            <a:ext cx="4848075" cy="2645664"/>
           </a:xfrm>
           <a:prstGeom prst="rect">
             <a:avLst/>
@@ -4682,7 +5208,7 @@
     </p:spTree>
     <p:extLst>
       <p:ext uri="{BB962C8B-B14F-4D97-AF65-F5344CB8AC3E}">
-        <p14:creationId xmlns:p14="http://schemas.microsoft.com/office/powerpoint/2010/main" val="3014552781"/>
+        <p14:creationId xmlns:p14="http://schemas.microsoft.com/office/powerpoint/2010/main" val="2858938085"/>
       </p:ext>
     </p:extLst>
   </p:cSld>
@@ -4692,7 +5218,7 @@
 </p:sld>
 </file>
 
-<file path=ppt/slides/slide15.xml><?xml version="1.0" encoding="utf-8"?>
+<file path=ppt/slides/slide19.xml><?xml version="1.0" encoding="utf-8"?>
 <p:sld xmlns:a="http://schemas.openxmlformats.org/drawingml/2006/main" xmlns:r="http://schemas.openxmlformats.org/officeDocument/2006/relationships" xmlns:p="http://schemas.openxmlformats.org/presentationml/2006/main">
   <p:cSld>
     <p:bg>
@@ -4738,7 +5264,7 @@
           <p:cNvPr id="2" name="Title 1">
             <a:extLst>
               <a:ext uri="{FF2B5EF4-FFF2-40B4-BE49-F238E27FC236}">
-                <a16:creationId xmlns:a16="http://schemas.microsoft.com/office/drawing/2014/main" id="{B4DC7BC2-D536-0D49-B4FE-051A551FEFCD}"/>
+                <a16:creationId xmlns:a16="http://schemas.microsoft.com/office/drawing/2014/main" id="{A29187E4-6EAD-3C43-9C40-A4867D0E1766}"/>
               </a:ext>
             </a:extLst>
           </p:cNvPr>
@@ -4763,17 +5289,17 @@
           <a:p>
             <a:r>
               <a:rPr lang="en-US" dirty="0"/>
-              <a:t>Output Gate</a:t>
+              <a:t>Cell State</a:t>
             </a:r>
           </a:p>
         </p:txBody>
       </p:sp>
       <p:pic>
         <p:nvPicPr>
-          <p:cNvPr id="5122" name="Picture 2">
-            <a:extLst>
-              <a:ext uri="{FF2B5EF4-FFF2-40B4-BE49-F238E27FC236}">
-                <a16:creationId xmlns:a16="http://schemas.microsoft.com/office/drawing/2014/main" id="{98E57864-9357-F44B-9C4D-E53505FB4D1E}"/>
+          <p:cNvPr id="4098" name="Picture 2">
+            <a:extLst>
+              <a:ext uri="{FF2B5EF4-FFF2-40B4-BE49-F238E27FC236}">
+                <a16:creationId xmlns:a16="http://schemas.microsoft.com/office/drawing/2014/main" id="{28A75F62-F7BE-A047-B162-71F63AC63638}"/>
               </a:ext>
             </a:extLst>
           </p:cNvPr>
@@ -4796,8 +5322,8 @@
         </p:blipFill>
         <p:spPr bwMode="auto">
           <a:xfrm>
-            <a:off x="-52472" y="1853754"/>
-            <a:ext cx="7767913" cy="3679537"/>
+            <a:off x="0" y="1671672"/>
+            <a:ext cx="8940795" cy="4705681"/>
           </a:xfrm>
           <a:prstGeom prst="rect">
             <a:avLst/>
@@ -4819,7 +5345,7 @@
           <p:cNvPr id="3" name="Content Placeholder 2">
             <a:extLst>
               <a:ext uri="{FF2B5EF4-FFF2-40B4-BE49-F238E27FC236}">
-                <a16:creationId xmlns:a16="http://schemas.microsoft.com/office/drawing/2014/main" id="{F7B0AFC8-D06B-9B45-8BCA-F6AA1773FFF9}"/>
+                <a16:creationId xmlns:a16="http://schemas.microsoft.com/office/drawing/2014/main" id="{3AEF97F2-AA9A-014A-B011-591F3E23DA2C}"/>
               </a:ext>
             </a:extLst>
           </p:cNvPr>
@@ -4832,53 +5358,29 @@
         </p:nvSpPr>
         <p:spPr>
           <a:xfrm>
-            <a:off x="7784123" y="1853755"/>
-            <a:ext cx="4407877" cy="4406368"/>
+            <a:off x="9132277" y="2015734"/>
+            <a:ext cx="2965938" cy="3450613"/>
           </a:xfrm>
         </p:spPr>
         <p:txBody>
           <a:bodyPr>
-            <a:normAutofit lnSpcReduction="10000"/>
+            <a:normAutofit/>
           </a:bodyPr>
           <a:lstStyle/>
           <a:p>
             <a:r>
-              <a:rPr lang="en-CA" dirty="0"/>
-              <a:t>Output gate decides what the next hidden state should be. </a:t>
-            </a:r>
-          </a:p>
-          <a:p>
-            <a:r>
-              <a:rPr lang="en-CA" dirty="0"/>
-              <a:t>Pass the previous hidden state and the current input into a sigmoid function.</a:t>
-            </a:r>
-          </a:p>
-          <a:p>
-            <a:r>
-              <a:rPr lang="en-CA" dirty="0"/>
-              <a:t>Pass the newly modified cell state to the tanh function.</a:t>
-            </a:r>
-          </a:p>
-          <a:p>
-            <a:r>
-              <a:rPr lang="en-CA" dirty="0"/>
-              <a:t>Multiply the tanh output with the sigmoid output to decide what information the hidden state should carry. </a:t>
-            </a:r>
-          </a:p>
-          <a:p>
-            <a:r>
-              <a:rPr lang="en-CA" dirty="0"/>
-              <a:t>The output is the hidden state. </a:t>
+              <a:rPr lang="en-US" dirty="0"/>
+              <a:t>The forget and input results are combined to generate a current state. </a:t>
             </a:r>
           </a:p>
         </p:txBody>
       </p:sp>
       <p:pic>
         <p:nvPicPr>
-          <p:cNvPr id="9218" name="Picture 2">
-            <a:extLst>
-              <a:ext uri="{FF2B5EF4-FFF2-40B4-BE49-F238E27FC236}">
-                <a16:creationId xmlns:a16="http://schemas.microsoft.com/office/drawing/2014/main" id="{A80CAAEE-22F5-2266-A33A-9114C1AA2AC3}"/>
+          <p:cNvPr id="8194" name="Picture 2">
+            <a:extLst>
+              <a:ext uri="{FF2B5EF4-FFF2-40B4-BE49-F238E27FC236}">
+                <a16:creationId xmlns:a16="http://schemas.microsoft.com/office/drawing/2014/main" id="{BAF7E007-562B-33B3-6CB0-A7EF64283FA1}"/>
               </a:ext>
             </a:extLst>
           </p:cNvPr>
@@ -4902,8 +5404,8 @@
         </p:blipFill>
         <p:spPr bwMode="auto">
           <a:xfrm>
-            <a:off x="5559552" y="7597"/>
-            <a:ext cx="3408680" cy="1860165"/>
+            <a:off x="4657344" y="-118911"/>
+            <a:ext cx="3384296" cy="1846859"/>
           </a:xfrm>
           <a:prstGeom prst="rect">
             <a:avLst/>
@@ -4923,7 +5425,7 @@
     </p:spTree>
     <p:extLst>
       <p:ext uri="{BB962C8B-B14F-4D97-AF65-F5344CB8AC3E}">
-        <p14:creationId xmlns:p14="http://schemas.microsoft.com/office/powerpoint/2010/main" val="1295863029"/>
+        <p14:creationId xmlns:p14="http://schemas.microsoft.com/office/powerpoint/2010/main" val="3014552781"/>
       </p:ext>
     </p:extLst>
   </p:cSld>
@@ -4933,7 +5435,7 @@
 </p:sld>
 </file>
 
-<file path=ppt/slides/slide16.xml><?xml version="1.0" encoding="utf-8"?>
+<file path=ppt/slides/slide2.xml><?xml version="1.0" encoding="utf-8"?>
 <p:sld xmlns:a="http://schemas.openxmlformats.org/drawingml/2006/main" xmlns:r="http://schemas.openxmlformats.org/officeDocument/2006/relationships" xmlns:p="http://schemas.openxmlformats.org/presentationml/2006/main">
   <p:cSld>
     <p:spTree>
@@ -4955,15 +5457,15 @@
           <p:cNvPr id="2" name="Title 1">
             <a:extLst>
               <a:ext uri="{FF2B5EF4-FFF2-40B4-BE49-F238E27FC236}">
-                <a16:creationId xmlns:a16="http://schemas.microsoft.com/office/drawing/2014/main" id="{B9ABE953-B1C2-63C0-43E4-D9E9A2F0BB8E}"/>
-              </a:ext>
-            </a:extLst>
-          </p:cNvPr>
-          <p:cNvSpPr>
-            <a:spLocks noGrp="1"/>
-          </p:cNvSpPr>
-          <p:nvPr>
-            <p:ph type="title"/>
+                <a16:creationId xmlns:a16="http://schemas.microsoft.com/office/drawing/2014/main" id="{D16E0CB6-4E0D-924D-878F-60C02915AA7D}"/>
+              </a:ext>
+            </a:extLst>
+          </p:cNvPr>
+          <p:cNvSpPr>
+            <a:spLocks noGrp="1"/>
+          </p:cNvSpPr>
+          <p:nvPr>
+            <p:ph type="ctrTitle"/>
           </p:nvPr>
         </p:nvSpPr>
         <p:spPr/>
@@ -4973,121 +5475,40 @@
           <a:p>
             <a:r>
               <a:rPr lang="en-US" dirty="0"/>
-              <a:t>State it Clearly</a:t>
-            </a:r>
-          </a:p>
-        </p:txBody>
-      </p:sp>
-      <p:sp>
-        <p:nvSpPr>
-          <p:cNvPr id="3" name="Content Placeholder 2">
-            <a:extLst>
-              <a:ext uri="{FF2B5EF4-FFF2-40B4-BE49-F238E27FC236}">
-                <a16:creationId xmlns:a16="http://schemas.microsoft.com/office/drawing/2014/main" id="{FDC4BA69-C55D-4F9C-65D8-F9A369434239}"/>
-              </a:ext>
-            </a:extLst>
-          </p:cNvPr>
-          <p:cNvSpPr>
-            <a:spLocks noGrp="1"/>
-          </p:cNvSpPr>
-          <p:nvPr>
-            <p:ph idx="1"/>
-          </p:nvPr>
-        </p:nvSpPr>
-        <p:spPr>
-          <a:xfrm>
-            <a:off x="1451579" y="1853754"/>
-            <a:ext cx="9603275" cy="2632515"/>
-          </a:xfrm>
-        </p:spPr>
+              <a:t>Recurrent Neural Networks</a:t>
+            </a:r>
+          </a:p>
+        </p:txBody>
+      </p:sp>
+      <p:sp>
+        <p:nvSpPr>
+          <p:cNvPr id="3" name="Subtitle 2">
+            <a:extLst>
+              <a:ext uri="{FF2B5EF4-FFF2-40B4-BE49-F238E27FC236}">
+                <a16:creationId xmlns:a16="http://schemas.microsoft.com/office/drawing/2014/main" id="{1CCA9C71-8502-7843-90AB-E74B66C5450A}"/>
+              </a:ext>
+            </a:extLst>
+          </p:cNvPr>
+          <p:cNvSpPr>
+            <a:spLocks noGrp="1"/>
+          </p:cNvSpPr>
+          <p:nvPr>
+            <p:ph type="subTitle" idx="1"/>
+          </p:nvPr>
+        </p:nvSpPr>
+        <p:spPr/>
         <p:txBody>
           <a:bodyPr/>
           <a:lstStyle/>
           <a:p>
-            <a:r>
-              <a:rPr lang="en-US" dirty="0"/>
-              <a:t>The LSTM units have two different lanes for state – cell and hidden. </a:t>
-            </a:r>
-          </a:p>
-          <a:p>
-            <a:pPr lvl="1"/>
-            <a:r>
-              <a:rPr lang="en-US" dirty="0"/>
-              <a:t>The hidden state acts as a short-term memory – more impacted by recent events. </a:t>
-            </a:r>
-          </a:p>
-          <a:p>
-            <a:pPr lvl="1"/>
-            <a:r>
-              <a:rPr lang="en-US" dirty="0"/>
-              <a:t>The cell state acts as long-term memory – more able to hold things from earlier. </a:t>
-            </a:r>
-          </a:p>
-          <a:p>
-            <a:r>
-              <a:rPr lang="en-US" dirty="0"/>
-              <a:t>The cell state flows from itself, and new stuff is only added after passing a gate. </a:t>
-            </a:r>
-          </a:p>
-          <a:p>
-            <a:r>
-              <a:rPr lang="en-US" dirty="0"/>
-              <a:t>The hidden state flows from the last prediction and the new input. </a:t>
-            </a:r>
-          </a:p>
-        </p:txBody>
-      </p:sp>
-      <p:pic>
-        <p:nvPicPr>
-          <p:cNvPr id="13314" name="Picture 2" descr="Exploring the Potential of Long Short-Term Memory (LSTM) Networks in Time  Series Analysis">
-            <a:extLst>
-              <a:ext uri="{FF2B5EF4-FFF2-40B4-BE49-F238E27FC236}">
-                <a16:creationId xmlns:a16="http://schemas.microsoft.com/office/drawing/2014/main" id="{35EE4206-9152-AB45-61F4-EAA8D80B7AD9}"/>
-              </a:ext>
-            </a:extLst>
-          </p:cNvPr>
-          <p:cNvPicPr>
-            <a:picLocks noChangeAspect="1" noChangeArrowheads="1"/>
-          </p:cNvPicPr>
-          <p:nvPr/>
-        </p:nvPicPr>
-        <p:blipFill>
-          <a:blip r:embed="rId2">
-            <a:extLst>
-              <a:ext uri="{28A0092B-C50C-407E-A947-70E740481C1C}">
-                <a14:useLocalDpi xmlns:a14="http://schemas.microsoft.com/office/drawing/2010/main" val="0"/>
-              </a:ext>
-            </a:extLst>
-          </a:blip>
-          <a:srcRect/>
-          <a:stretch>
-            <a:fillRect/>
-          </a:stretch>
-        </p:blipFill>
-        <p:spPr bwMode="auto">
-          <a:xfrm>
-            <a:off x="3432048" y="4130808"/>
-            <a:ext cx="5327904" cy="2727192"/>
-          </a:xfrm>
-          <a:prstGeom prst="rect">
-            <a:avLst/>
-          </a:prstGeom>
-          <a:noFill/>
-          <a:extLst>
-            <a:ext uri="{909E8E84-426E-40DD-AFC4-6F175D3DCCD1}">
-              <a14:hiddenFill xmlns:a14="http://schemas.microsoft.com/office/drawing/2010/main">
-                <a:solidFill>
-                  <a:srgbClr val="FFFFFF"/>
-                </a:solidFill>
-              </a14:hiddenFill>
-            </a:ext>
-          </a:extLst>
-        </p:spPr>
-      </p:pic>
+            <a:endParaRPr lang="en-US"/>
+          </a:p>
+        </p:txBody>
+      </p:sp>
     </p:spTree>
     <p:extLst>
       <p:ext uri="{BB962C8B-B14F-4D97-AF65-F5344CB8AC3E}">
-        <p14:creationId xmlns:p14="http://schemas.microsoft.com/office/powerpoint/2010/main" val="2102280448"/>
+        <p14:creationId xmlns:p14="http://schemas.microsoft.com/office/powerpoint/2010/main" val="46846956"/>
       </p:ext>
     </p:extLst>
   </p:cSld>
@@ -5097,422 +5518,7 @@
 </p:sld>
 </file>
 
-<file path=ppt/slides/slide17.xml><?xml version="1.0" encoding="utf-8"?>
-<p:sld xmlns:a="http://schemas.openxmlformats.org/drawingml/2006/main" xmlns:r="http://schemas.openxmlformats.org/officeDocument/2006/relationships" xmlns:p="http://schemas.openxmlformats.org/presentationml/2006/main">
-  <p:cSld>
-    <p:spTree>
-      <p:nvGrpSpPr>
-        <p:cNvPr id="1" name=""/>
-        <p:cNvGrpSpPr/>
-        <p:nvPr/>
-      </p:nvGrpSpPr>
-      <p:grpSpPr>
-        <a:xfrm>
-          <a:off x="0" y="0"/>
-          <a:ext cx="0" cy="0"/>
-          <a:chOff x="0" y="0"/>
-          <a:chExt cx="0" cy="0"/>
-        </a:xfrm>
-      </p:grpSpPr>
-      <p:sp>
-        <p:nvSpPr>
-          <p:cNvPr id="2" name="Title 1">
-            <a:extLst>
-              <a:ext uri="{FF2B5EF4-FFF2-40B4-BE49-F238E27FC236}">
-                <a16:creationId xmlns:a16="http://schemas.microsoft.com/office/drawing/2014/main" id="{693D022F-6D28-0BAF-B661-834F0879861E}"/>
-              </a:ext>
-            </a:extLst>
-          </p:cNvPr>
-          <p:cNvSpPr>
-            <a:spLocks noGrp="1"/>
-          </p:cNvSpPr>
-          <p:nvPr>
-            <p:ph type="title"/>
-          </p:nvPr>
-        </p:nvSpPr>
-        <p:spPr/>
-        <p:txBody>
-          <a:bodyPr/>
-          <a:lstStyle/>
-          <a:p>
-            <a:r>
-              <a:rPr lang="en-US" dirty="0"/>
-              <a:t>Data flows through, in order…</a:t>
-            </a:r>
-          </a:p>
-        </p:txBody>
-      </p:sp>
-      <p:sp>
-        <p:nvSpPr>
-          <p:cNvPr id="3" name="Content Placeholder 2">
-            <a:extLst>
-              <a:ext uri="{FF2B5EF4-FFF2-40B4-BE49-F238E27FC236}">
-                <a16:creationId xmlns:a16="http://schemas.microsoft.com/office/drawing/2014/main" id="{CC773401-406D-4BFB-ABCE-9FD2C5A1FA19}"/>
-              </a:ext>
-            </a:extLst>
-          </p:cNvPr>
-          <p:cNvSpPr>
-            <a:spLocks noGrp="1"/>
-          </p:cNvSpPr>
-          <p:nvPr>
-            <p:ph idx="1"/>
-          </p:nvPr>
-        </p:nvSpPr>
-        <p:spPr/>
-        <p:txBody>
-          <a:bodyPr/>
-          <a:lstStyle/>
-          <a:p>
-            <a:endParaRPr lang="en-US"/>
-          </a:p>
-        </p:txBody>
-      </p:sp>
-      <p:pic>
-        <p:nvPicPr>
-          <p:cNvPr id="14338" name="Picture 2" descr="An Overview on Long Short Term Memory (LSTM) - Analytics Vidhya">
-            <a:extLst>
-              <a:ext uri="{FF2B5EF4-FFF2-40B4-BE49-F238E27FC236}">
-                <a16:creationId xmlns:a16="http://schemas.microsoft.com/office/drawing/2014/main" id="{D7DC8E18-073E-9573-1D4B-690CDCC87536}"/>
-              </a:ext>
-            </a:extLst>
-          </p:cNvPr>
-          <p:cNvPicPr>
-            <a:picLocks noChangeAspect="1" noChangeArrowheads="1"/>
-          </p:cNvPicPr>
-          <p:nvPr/>
-        </p:nvPicPr>
-        <p:blipFill rotWithShape="1">
-          <a:blip r:embed="rId2">
-            <a:extLst>
-              <a:ext uri="{28A0092B-C50C-407E-A947-70E740481C1C}">
-                <a14:useLocalDpi xmlns:a14="http://schemas.microsoft.com/office/drawing/2010/main" val="0"/>
-              </a:ext>
-            </a:extLst>
-          </a:blip>
-          <a:srcRect t="7468" b="8622"/>
-          <a:stretch/>
-        </p:blipFill>
-        <p:spPr bwMode="auto">
-          <a:xfrm>
-            <a:off x="877941" y="1329136"/>
-            <a:ext cx="10750550" cy="5754624"/>
-          </a:xfrm>
-          <a:prstGeom prst="rect">
-            <a:avLst/>
-          </a:prstGeom>
-          <a:noFill/>
-          <a:extLst>
-            <a:ext uri="{909E8E84-426E-40DD-AFC4-6F175D3DCCD1}">
-              <a14:hiddenFill xmlns:a14="http://schemas.microsoft.com/office/drawing/2010/main">
-                <a:solidFill>
-                  <a:srgbClr val="FFFFFF"/>
-                </a:solidFill>
-              </a14:hiddenFill>
-            </a:ext>
-          </a:extLst>
-        </p:spPr>
-      </p:pic>
-    </p:spTree>
-    <p:extLst>
-      <p:ext uri="{BB962C8B-B14F-4D97-AF65-F5344CB8AC3E}">
-        <p14:creationId xmlns:p14="http://schemas.microsoft.com/office/powerpoint/2010/main" val="2921892205"/>
-      </p:ext>
-    </p:extLst>
-  </p:cSld>
-  <p:clrMapOvr>
-    <a:masterClrMapping/>
-  </p:clrMapOvr>
-</p:sld>
-</file>
-
-<file path=ppt/slides/slide18.xml><?xml version="1.0" encoding="utf-8"?>
-<p:sld xmlns:a="http://schemas.openxmlformats.org/drawingml/2006/main" xmlns:r="http://schemas.openxmlformats.org/officeDocument/2006/relationships" xmlns:p="http://schemas.openxmlformats.org/presentationml/2006/main">
-  <p:cSld>
-    <p:spTree>
-      <p:nvGrpSpPr>
-        <p:cNvPr id="1" name=""/>
-        <p:cNvGrpSpPr/>
-        <p:nvPr/>
-      </p:nvGrpSpPr>
-      <p:grpSpPr>
-        <a:xfrm>
-          <a:off x="0" y="0"/>
-          <a:ext cx="0" cy="0"/>
-          <a:chOff x="0" y="0"/>
-          <a:chExt cx="0" cy="0"/>
-        </a:xfrm>
-      </p:grpSpPr>
-      <p:sp>
-        <p:nvSpPr>
-          <p:cNvPr id="2" name="Title 1">
-            <a:extLst>
-              <a:ext uri="{FF2B5EF4-FFF2-40B4-BE49-F238E27FC236}">
-                <a16:creationId xmlns:a16="http://schemas.microsoft.com/office/drawing/2014/main" id="{942F66E0-D8F4-AD47-CBB4-9F34166140C7}"/>
-              </a:ext>
-            </a:extLst>
-          </p:cNvPr>
-          <p:cNvSpPr>
-            <a:spLocks noGrp="1"/>
-          </p:cNvSpPr>
-          <p:nvPr>
-            <p:ph type="title"/>
-          </p:nvPr>
-        </p:nvSpPr>
-        <p:spPr/>
-        <p:txBody>
-          <a:bodyPr/>
-          <a:lstStyle/>
-          <a:p>
-            <a:r>
-              <a:rPr lang="en-US" dirty="0"/>
-              <a:t>LSTM in Parts</a:t>
-            </a:r>
-          </a:p>
-        </p:txBody>
-      </p:sp>
-      <p:sp>
-        <p:nvSpPr>
-          <p:cNvPr id="3" name="Content Placeholder 2">
-            <a:extLst>
-              <a:ext uri="{FF2B5EF4-FFF2-40B4-BE49-F238E27FC236}">
-                <a16:creationId xmlns:a16="http://schemas.microsoft.com/office/drawing/2014/main" id="{1A6992F3-8C06-5127-7620-D0BBD55D5D3F}"/>
-              </a:ext>
-            </a:extLst>
-          </p:cNvPr>
-          <p:cNvSpPr>
-            <a:spLocks noGrp="1"/>
-          </p:cNvSpPr>
-          <p:nvPr>
-            <p:ph idx="1"/>
-          </p:nvPr>
-        </p:nvSpPr>
-        <p:spPr>
-          <a:xfrm>
-            <a:off x="1451579" y="1853754"/>
-            <a:ext cx="9603275" cy="4199727"/>
-          </a:xfrm>
-        </p:spPr>
-        <p:txBody>
-          <a:bodyPr/>
-          <a:lstStyle/>
-          <a:p>
-            <a:r>
-              <a:rPr lang="en-US" dirty="0"/>
-              <a:t>The LSTM layers use this design to better deal with sequential data. </a:t>
-            </a:r>
-          </a:p>
-          <a:p>
-            <a:r>
-              <a:rPr lang="en-US" dirty="0"/>
-              <a:t>The state (top) part of the model remembers information from previously. </a:t>
-            </a:r>
-          </a:p>
-          <a:p>
-            <a:pPr lvl="1"/>
-            <a:r>
-              <a:rPr lang="en-US" dirty="0"/>
-              <a:t>The forget/memory gates try to keep the important stuff in the memory. </a:t>
-            </a:r>
-          </a:p>
-          <a:p>
-            <a:r>
-              <a:rPr lang="en-US" dirty="0"/>
-              <a:t>The output provides a prediction, as normal. </a:t>
-            </a:r>
-          </a:p>
-          <a:p>
-            <a:r>
-              <a:rPr lang="en-US" dirty="0"/>
-              <a:t>Each of those predictions depends on two things:</a:t>
-            </a:r>
-          </a:p>
-          <a:p>
-            <a:pPr lvl="1"/>
-            <a:r>
-              <a:rPr lang="en-US" dirty="0"/>
-              <a:t>The new data in this record - this is exactly what we are used to. </a:t>
-            </a:r>
-          </a:p>
-          <a:p>
-            <a:pPr lvl="1"/>
-            <a:r>
-              <a:rPr lang="en-US" dirty="0"/>
-              <a:t>The data from the state, what the model remembers – this is the new part. </a:t>
-            </a:r>
-          </a:p>
-          <a:p>
-            <a:r>
-              <a:rPr lang="en-US" dirty="0"/>
-              <a:t>The ‘features’ extracted in the top layers are made by combining info from different steps. </a:t>
-            </a:r>
-          </a:p>
-          <a:p>
-            <a:pPr lvl="1"/>
-            <a:r>
-              <a:rPr lang="en-US" dirty="0"/>
-              <a:t>Just as the ‘features’ extracted in a CNN are made by combining different pixels. </a:t>
-            </a:r>
-          </a:p>
-        </p:txBody>
-      </p:sp>
-    </p:spTree>
-    <p:extLst>
-      <p:ext uri="{BB962C8B-B14F-4D97-AF65-F5344CB8AC3E}">
-        <p14:creationId xmlns:p14="http://schemas.microsoft.com/office/powerpoint/2010/main" val="3580208078"/>
-      </p:ext>
-    </p:extLst>
-  </p:cSld>
-  <p:clrMapOvr>
-    <a:masterClrMapping/>
-  </p:clrMapOvr>
-</p:sld>
-</file>
-
-<file path=ppt/slides/slide19.xml><?xml version="1.0" encoding="utf-8"?>
-<p:sld xmlns:a="http://schemas.openxmlformats.org/drawingml/2006/main" xmlns:r="http://schemas.openxmlformats.org/officeDocument/2006/relationships" xmlns:p="http://schemas.openxmlformats.org/presentationml/2006/main">
-  <p:cSld>
-    <p:spTree>
-      <p:nvGrpSpPr>
-        <p:cNvPr id="1" name=""/>
-        <p:cNvGrpSpPr/>
-        <p:nvPr/>
-      </p:nvGrpSpPr>
-      <p:grpSpPr>
-        <a:xfrm>
-          <a:off x="0" y="0"/>
-          <a:ext cx="0" cy="0"/>
-          <a:chOff x="0" y="0"/>
-          <a:chExt cx="0" cy="0"/>
-        </a:xfrm>
-      </p:grpSpPr>
-      <p:sp>
-        <p:nvSpPr>
-          <p:cNvPr id="2" name="Title 1">
-            <a:extLst>
-              <a:ext uri="{FF2B5EF4-FFF2-40B4-BE49-F238E27FC236}">
-                <a16:creationId xmlns:a16="http://schemas.microsoft.com/office/drawing/2014/main" id="{86AABFA1-2A4F-9A43-A921-78EECCCD6017}"/>
-              </a:ext>
-            </a:extLst>
-          </p:cNvPr>
-          <p:cNvSpPr>
-            <a:spLocks noGrp="1"/>
-          </p:cNvSpPr>
-          <p:nvPr>
-            <p:ph type="title"/>
-          </p:nvPr>
-        </p:nvSpPr>
-        <p:spPr/>
-        <p:txBody>
-          <a:bodyPr/>
-          <a:lstStyle/>
-          <a:p>
-            <a:r>
-              <a:rPr lang="en-US" dirty="0"/>
-              <a:t>LSTM In Effect</a:t>
-            </a:r>
-          </a:p>
-        </p:txBody>
-      </p:sp>
-      <p:sp>
-        <p:nvSpPr>
-          <p:cNvPr id="3" name="Content Placeholder 2">
-            <a:extLst>
-              <a:ext uri="{FF2B5EF4-FFF2-40B4-BE49-F238E27FC236}">
-                <a16:creationId xmlns:a16="http://schemas.microsoft.com/office/drawing/2014/main" id="{C4644EED-8FB4-5443-A418-B1008BC3906E}"/>
-              </a:ext>
-            </a:extLst>
-          </p:cNvPr>
-          <p:cNvSpPr>
-            <a:spLocks noGrp="1"/>
-          </p:cNvSpPr>
-          <p:nvPr>
-            <p:ph idx="1"/>
-          </p:nvPr>
-        </p:nvSpPr>
-        <p:spPr>
-          <a:xfrm>
-            <a:off x="999744" y="1853754"/>
-            <a:ext cx="10667999" cy="4272726"/>
-          </a:xfrm>
-        </p:spPr>
-        <p:txBody>
-          <a:bodyPr/>
-          <a:lstStyle/>
-          <a:p>
-            <a:r>
-              <a:rPr lang="en-US" dirty="0"/>
-              <a:t>LSTM can “hold” information from the past. </a:t>
-            </a:r>
-          </a:p>
-          <a:p>
-            <a:r>
-              <a:rPr lang="en-US" dirty="0"/>
-              <a:t>During training, the model keeps things that are useful and forgets things less useful. </a:t>
-            </a:r>
-          </a:p>
-          <a:p>
-            <a:pPr lvl="1"/>
-            <a:r>
-              <a:rPr lang="en-US" dirty="0"/>
-              <a:t>Important previous information is held. </a:t>
-            </a:r>
-          </a:p>
-          <a:p>
-            <a:pPr lvl="1"/>
-            <a:r>
-              <a:rPr lang="en-US" dirty="0"/>
-              <a:t>Temporal awareness!</a:t>
-            </a:r>
-          </a:p>
-          <a:p>
-            <a:r>
-              <a:rPr lang="en-US" dirty="0"/>
-              <a:t>LSTMs are very good at many scenarios:</a:t>
-            </a:r>
-          </a:p>
-          <a:p>
-            <a:pPr lvl="1"/>
-            <a:r>
-              <a:rPr lang="en-US" dirty="0"/>
-              <a:t>Time series applications. </a:t>
-            </a:r>
-          </a:p>
-          <a:p>
-            <a:pPr lvl="1"/>
-            <a:r>
-              <a:rPr lang="en-US" dirty="0"/>
-              <a:t>Speech and NLP applications – e.g. translation, Google’s phone answer AI, chatbots. </a:t>
-            </a:r>
-          </a:p>
-          <a:p>
-            <a:pPr lvl="1"/>
-            <a:r>
-              <a:rPr lang="en-US" dirty="0"/>
-              <a:t>Generative models (think GMM) – creating text from a model. </a:t>
-            </a:r>
-          </a:p>
-          <a:p>
-            <a:r>
-              <a:rPr lang="en-US" dirty="0"/>
-              <a:t>Transformers have often surpassed these in practice – better able to manage state over time. </a:t>
-            </a:r>
-          </a:p>
-        </p:txBody>
-      </p:sp>
-    </p:spTree>
-    <p:extLst>
-      <p:ext uri="{BB962C8B-B14F-4D97-AF65-F5344CB8AC3E}">
-        <p14:creationId xmlns:p14="http://schemas.microsoft.com/office/powerpoint/2010/main" val="2664009584"/>
-      </p:ext>
-    </p:extLst>
-  </p:cSld>
-  <p:clrMapOvr>
-    <a:masterClrMapping/>
-  </p:clrMapOvr>
-</p:sld>
-</file>
-
-<file path=ppt/slides/slide2.xml><?xml version="1.0" encoding="utf-8"?>
+<file path=ppt/slides/slide20.xml><?xml version="1.0" encoding="utf-8"?>
 <p:sld xmlns:a="http://schemas.openxmlformats.org/drawingml/2006/main" xmlns:r="http://schemas.openxmlformats.org/officeDocument/2006/relationships" xmlns:p="http://schemas.openxmlformats.org/presentationml/2006/main">
   <p:cSld>
     <p:bg>
@@ -5558,7 +5564,7 @@
           <p:cNvPr id="2" name="Title 1">
             <a:extLst>
               <a:ext uri="{FF2B5EF4-FFF2-40B4-BE49-F238E27FC236}">
-                <a16:creationId xmlns:a16="http://schemas.microsoft.com/office/drawing/2014/main" id="{73D381DF-717A-5C44-9DCE-7C657A27216C}"/>
+                <a16:creationId xmlns:a16="http://schemas.microsoft.com/office/drawing/2014/main" id="{2E1F3B22-99AD-6C4F-9831-5CF3512BB3BB}"/>
               </a:ext>
             </a:extLst>
           </p:cNvPr>
@@ -5583,17 +5589,17 @@
           <a:p>
             <a:r>
               <a:rPr lang="en-US" dirty="0"/>
-              <a:t>RNN Basics</a:t>
+              <a:t>Input Gate</a:t>
             </a:r>
           </a:p>
         </p:txBody>
       </p:sp>
       <p:pic>
         <p:nvPicPr>
-          <p:cNvPr id="6146" name="Picture 2" descr="An unrolled recurrent neural network.">
-            <a:extLst>
-              <a:ext uri="{FF2B5EF4-FFF2-40B4-BE49-F238E27FC236}">
-                <a16:creationId xmlns:a16="http://schemas.microsoft.com/office/drawing/2014/main" id="{C15FF1CC-DF05-7241-99BC-153BCF7E10FA}"/>
+          <p:cNvPr id="3074" name="Picture 2">
+            <a:extLst>
+              <a:ext uri="{FF2B5EF4-FFF2-40B4-BE49-F238E27FC236}">
+                <a16:creationId xmlns:a16="http://schemas.microsoft.com/office/drawing/2014/main" id="{B379EDC6-315D-0C4F-83EF-48C2210ACD81}"/>
               </a:ext>
             </a:extLst>
           </p:cNvPr>
@@ -5616,8 +5622,8 @@
         </p:blipFill>
         <p:spPr bwMode="auto">
           <a:xfrm>
-            <a:off x="-3473" y="2708031"/>
-            <a:ext cx="6415495" cy="1684067"/>
+            <a:off x="-52472" y="1853754"/>
+            <a:ext cx="6727591" cy="3186753"/>
           </a:xfrm>
           <a:prstGeom prst="rect">
             <a:avLst/>
@@ -5639,7 +5645,7 @@
           <p:cNvPr id="3" name="Content Placeholder 2">
             <a:extLst>
               <a:ext uri="{FF2B5EF4-FFF2-40B4-BE49-F238E27FC236}">
-                <a16:creationId xmlns:a16="http://schemas.microsoft.com/office/drawing/2014/main" id="{7E4E162C-59E8-E448-98A2-CE217074E078}"/>
+                <a16:creationId xmlns:a16="http://schemas.microsoft.com/office/drawing/2014/main" id="{CFE5F14A-379D-F143-9FD2-E0F41282014C}"/>
               </a:ext>
             </a:extLst>
           </p:cNvPr>
@@ -5652,42 +5658,100 @@
         </p:nvSpPr>
         <p:spPr>
           <a:xfrm>
-            <a:off x="6892299" y="2015734"/>
-            <a:ext cx="5299701" cy="3450613"/>
+            <a:off x="6675119" y="2015734"/>
+            <a:ext cx="5516881" cy="4220474"/>
           </a:xfrm>
         </p:spPr>
         <p:txBody>
           <a:bodyPr>
-            <a:normAutofit/>
+            <a:normAutofit fontScale="92500" lnSpcReduction="10000"/>
           </a:bodyPr>
           <a:lstStyle/>
           <a:p>
             <a:r>
-              <a:rPr lang="en-US" dirty="0"/>
-              <a:t>In looking at a CNN we saw a neural network that can deal with spatial relationships.</a:t>
-            </a:r>
-          </a:p>
-          <a:p>
-            <a:r>
-              <a:rPr lang="en-US" dirty="0"/>
-              <a:t>RNNs can handle temporal relationships – looking through time. </a:t>
-            </a:r>
-          </a:p>
-          <a:p>
-            <a:r>
-              <a:rPr lang="en-US" dirty="0"/>
-              <a:t>Time-series and text are well suited to this structure of model.</a:t>
-            </a:r>
-          </a:p>
-          <a:p>
+              <a:rPr lang="en-CA" dirty="0"/>
+              <a:t>To update the cell state, we have the input gate.</a:t>
+            </a:r>
+          </a:p>
+          <a:p>
+            <a:r>
+              <a:rPr lang="en-CA" dirty="0"/>
+              <a:t>We pass the previous hidden state and current input into a sigmoid function. </a:t>
+            </a:r>
+          </a:p>
+          <a:p>
+            <a:pPr lvl="1"/>
+            <a:r>
+              <a:rPr lang="en-CA" dirty="0"/>
+              <a:t>Decides which values will be updated by transforming the values to be between 0 and 1.</a:t>
+            </a:r>
+          </a:p>
+          <a:p>
+            <a:r>
+              <a:rPr lang="en-CA" dirty="0"/>
+              <a:t>Also pass the hidden state and current input into the tanh function to squish values between -1 and 1 to help regulate the network. </a:t>
+            </a:r>
+          </a:p>
+          <a:p>
+            <a:r>
+              <a:rPr lang="en-CA" dirty="0"/>
+              <a:t>Multiply the tanh output with the sigmoid output. The sigmoid output will decide which information is important to keep from the tanh output.</a:t>
+            </a:r>
             <a:endParaRPr lang="en-US" dirty="0"/>
           </a:p>
         </p:txBody>
       </p:sp>
+      <p:pic>
+        <p:nvPicPr>
+          <p:cNvPr id="7170" name="Picture 2">
+            <a:extLst>
+              <a:ext uri="{FF2B5EF4-FFF2-40B4-BE49-F238E27FC236}">
+                <a16:creationId xmlns:a16="http://schemas.microsoft.com/office/drawing/2014/main" id="{D7C52022-390D-E03E-E513-9DBAB021C431}"/>
+              </a:ext>
+            </a:extLst>
+          </p:cNvPr>
+          <p:cNvPicPr>
+            <a:picLocks noChangeAspect="1" noChangeArrowheads="1"/>
+          </p:cNvPicPr>
+          <p:nvPr/>
+        </p:nvPicPr>
+        <p:blipFill>
+          <a:blip r:embed="rId3">
+            <a:extLst>
+              <a:ext uri="{28A0092B-C50C-407E-A947-70E740481C1C}">
+                <a14:useLocalDpi xmlns:a14="http://schemas.microsoft.com/office/drawing/2010/main" val="0"/>
+              </a:ext>
+            </a:extLst>
+          </a:blip>
+          <a:srcRect/>
+          <a:stretch>
+            <a:fillRect/>
+          </a:stretch>
+        </p:blipFill>
+        <p:spPr bwMode="auto">
+          <a:xfrm>
+            <a:off x="7790687" y="54644"/>
+            <a:ext cx="3296799" cy="1799110"/>
+          </a:xfrm>
+          <a:prstGeom prst="rect">
+            <a:avLst/>
+          </a:prstGeom>
+          <a:noFill/>
+          <a:extLst>
+            <a:ext uri="{909E8E84-426E-40DD-AFC4-6F175D3DCCD1}">
+              <a14:hiddenFill xmlns:a14="http://schemas.microsoft.com/office/drawing/2010/main">
+                <a:solidFill>
+                  <a:srgbClr val="FFFFFF"/>
+                </a:solidFill>
+              </a14:hiddenFill>
+            </a:ext>
+          </a:extLst>
+        </p:spPr>
+      </p:pic>
     </p:spTree>
     <p:extLst>
       <p:ext uri="{BB962C8B-B14F-4D97-AF65-F5344CB8AC3E}">
-        <p14:creationId xmlns:p14="http://schemas.microsoft.com/office/powerpoint/2010/main" val="2761745506"/>
+        <p14:creationId xmlns:p14="http://schemas.microsoft.com/office/powerpoint/2010/main" val="2074351286"/>
       </p:ext>
     </p:extLst>
   </p:cSld>
@@ -5697,9 +5761,33 @@
 </p:sld>
 </file>
 
-<file path=ppt/slides/slide20.xml><?xml version="1.0" encoding="utf-8"?>
-<p:sld xmlns:a="http://schemas.openxmlformats.org/drawingml/2006/main" xmlns:r="http://schemas.openxmlformats.org/officeDocument/2006/relationships" xmlns:p="http://schemas.openxmlformats.org/presentationml/2006/main" show="0">
+<file path=ppt/slides/slide21.xml><?xml version="1.0" encoding="utf-8"?>
+<p:sld xmlns:a="http://schemas.openxmlformats.org/drawingml/2006/main" xmlns:r="http://schemas.openxmlformats.org/officeDocument/2006/relationships" xmlns:p="http://schemas.openxmlformats.org/presentationml/2006/main">
   <p:cSld>
+    <p:bg>
+      <p:bgPr>
+        <a:gradFill rotWithShape="1">
+          <a:gsLst>
+            <a:gs pos="0">
+              <a:schemeClr val="bg2">
+                <a:tint val="94000"/>
+                <a:satMod val="80000"/>
+                <a:lumMod val="106000"/>
+              </a:schemeClr>
+            </a:gs>
+            <a:gs pos="100000">
+              <a:schemeClr val="bg2">
+                <a:shade val="80000"/>
+              </a:schemeClr>
+            </a:gs>
+          </a:gsLst>
+          <a:path path="circle">
+            <a:fillToRect l="43000" r="43000" b="100000"/>
+          </a:path>
+        </a:gradFill>
+        <a:effectLst/>
+      </p:bgPr>
+    </p:bg>
     <p:spTree>
       <p:nvGrpSpPr>
         <p:cNvPr id="1" name=""/>
@@ -5719,7 +5807,7 @@
           <p:cNvPr id="2" name="Title 1">
             <a:extLst>
               <a:ext uri="{FF2B5EF4-FFF2-40B4-BE49-F238E27FC236}">
-                <a16:creationId xmlns:a16="http://schemas.microsoft.com/office/drawing/2014/main" id="{42315EB7-5B70-6544-9207-05FB14CC584C}"/>
+                <a16:creationId xmlns:a16="http://schemas.microsoft.com/office/drawing/2014/main" id="{B4DC7BC2-D536-0D49-B4FE-051A551FEFCD}"/>
               </a:ext>
             </a:extLst>
           </p:cNvPr>
@@ -5730,46 +5818,31 @@
             <p:ph type="title"/>
           </p:nvPr>
         </p:nvSpPr>
-        <p:spPr/>
-        <p:txBody>
-          <a:bodyPr/>
-          <a:lstStyle/>
-          <a:p>
-            <a:endParaRPr lang="en-US"/>
-          </a:p>
-        </p:txBody>
-      </p:sp>
-      <p:sp>
-        <p:nvSpPr>
-          <p:cNvPr id="3" name="Content Placeholder 2">
-            <a:extLst>
-              <a:ext uri="{FF2B5EF4-FFF2-40B4-BE49-F238E27FC236}">
-                <a16:creationId xmlns:a16="http://schemas.microsoft.com/office/drawing/2014/main" id="{FE6C7172-3AFD-B844-8099-EC85CE0F94E4}"/>
-              </a:ext>
-            </a:extLst>
-          </p:cNvPr>
-          <p:cNvSpPr>
-            <a:spLocks noGrp="1"/>
-          </p:cNvSpPr>
-          <p:nvPr>
-            <p:ph idx="1"/>
-          </p:nvPr>
-        </p:nvSpPr>
-        <p:spPr/>
-        <p:txBody>
-          <a:bodyPr/>
-          <a:lstStyle/>
-          <a:p>
-            <a:endParaRPr lang="en-US"/>
+        <p:spPr>
+          <a:xfrm>
+            <a:off x="1451579" y="804519"/>
+            <a:ext cx="9603275" cy="1049235"/>
+          </a:xfrm>
+        </p:spPr>
+        <p:txBody>
+          <a:bodyPr>
+            <a:normAutofit/>
+          </a:bodyPr>
+          <a:lstStyle/>
+          <a:p>
+            <a:r>
+              <a:rPr lang="en-US" dirty="0"/>
+              <a:t>Output Gate</a:t>
+            </a:r>
           </a:p>
         </p:txBody>
       </p:sp>
       <p:pic>
         <p:nvPicPr>
-          <p:cNvPr id="1026" name="Picture 2" descr="Long Short Term Memory: Deep Dive | by Anantech.ai | FAUN Publication">
-            <a:extLst>
-              <a:ext uri="{FF2B5EF4-FFF2-40B4-BE49-F238E27FC236}">
-                <a16:creationId xmlns:a16="http://schemas.microsoft.com/office/drawing/2014/main" id="{5AA00350-0C4E-614B-8A9D-75501702023C}"/>
+          <p:cNvPr id="5122" name="Picture 2">
+            <a:extLst>
+              <a:ext uri="{FF2B5EF4-FFF2-40B4-BE49-F238E27FC236}">
+                <a16:creationId xmlns:a16="http://schemas.microsoft.com/office/drawing/2014/main" id="{98E57864-9357-F44B-9C4D-E53505FB4D1E}"/>
               </a:ext>
             </a:extLst>
           </p:cNvPr>
@@ -5786,15 +5859,14 @@
               </a:ext>
             </a:extLst>
           </a:blip>
-          <a:srcRect/>
           <a:stretch>
             <a:fillRect/>
           </a:stretch>
         </p:blipFill>
         <p:spPr bwMode="auto">
           <a:xfrm>
-            <a:off x="1137146" y="-7531"/>
-            <a:ext cx="9917708" cy="6873062"/>
+            <a:off x="-52472" y="1853754"/>
+            <a:ext cx="7767913" cy="3679537"/>
           </a:xfrm>
           <a:prstGeom prst="rect">
             <a:avLst/>
@@ -5811,70 +5883,12 @@
           </a:extLst>
         </p:spPr>
       </p:pic>
-    </p:spTree>
-    <p:extLst>
-      <p:ext uri="{BB962C8B-B14F-4D97-AF65-F5344CB8AC3E}">
-        <p14:creationId xmlns:p14="http://schemas.microsoft.com/office/powerpoint/2010/main" val="3752399771"/>
-      </p:ext>
-    </p:extLst>
-  </p:cSld>
-  <p:clrMapOvr>
-    <a:masterClrMapping/>
-  </p:clrMapOvr>
-</p:sld>
-</file>
-
-<file path=ppt/slides/slide21.xml><?xml version="1.0" encoding="utf-8"?>
-<p:sld xmlns:a="http://schemas.openxmlformats.org/drawingml/2006/main" xmlns:r="http://schemas.openxmlformats.org/officeDocument/2006/relationships" xmlns:p="http://schemas.openxmlformats.org/presentationml/2006/main">
-  <p:cSld>
-    <p:spTree>
-      <p:nvGrpSpPr>
-        <p:cNvPr id="1" name=""/>
-        <p:cNvGrpSpPr/>
-        <p:nvPr/>
-      </p:nvGrpSpPr>
-      <p:grpSpPr>
-        <a:xfrm>
-          <a:off x="0" y="0"/>
-          <a:ext cx="0" cy="0"/>
-          <a:chOff x="0" y="0"/>
-          <a:chExt cx="0" cy="0"/>
-        </a:xfrm>
-      </p:grpSpPr>
-      <p:sp>
-        <p:nvSpPr>
-          <p:cNvPr id="2" name="Title 1">
-            <a:extLst>
-              <a:ext uri="{FF2B5EF4-FFF2-40B4-BE49-F238E27FC236}">
-                <a16:creationId xmlns:a16="http://schemas.microsoft.com/office/drawing/2014/main" id="{01B0476E-305A-DD3F-E0F9-DE354438E6DA}"/>
-              </a:ext>
-            </a:extLst>
-          </p:cNvPr>
-          <p:cNvSpPr>
-            <a:spLocks noGrp="1"/>
-          </p:cNvSpPr>
-          <p:nvPr>
-            <p:ph type="title"/>
-          </p:nvPr>
-        </p:nvSpPr>
-        <p:spPr/>
-        <p:txBody>
-          <a:bodyPr/>
-          <a:lstStyle/>
-          <a:p>
-            <a:r>
-              <a:rPr lang="en-US" dirty="0"/>
-              <a:t>LSTM Data</a:t>
-            </a:r>
-          </a:p>
-        </p:txBody>
-      </p:sp>
       <p:sp>
         <p:nvSpPr>
           <p:cNvPr id="3" name="Content Placeholder 2">
             <a:extLst>
               <a:ext uri="{FF2B5EF4-FFF2-40B4-BE49-F238E27FC236}">
-                <a16:creationId xmlns:a16="http://schemas.microsoft.com/office/drawing/2014/main" id="{07A3367A-475E-EF51-2887-DB0E810709A1}"/>
+                <a16:creationId xmlns:a16="http://schemas.microsoft.com/office/drawing/2014/main" id="{F7B0AFC8-D06B-9B45-8BCA-F6AA1773FFF9}"/>
               </a:ext>
             </a:extLst>
           </p:cNvPr>
@@ -5887,126 +5901,98 @@
         </p:nvSpPr>
         <p:spPr>
           <a:xfrm>
-            <a:off x="146305" y="1928192"/>
-            <a:ext cx="10908550" cy="4125290"/>
-          </a:xfrm>
-        </p:spPr>
-        <p:txBody>
-          <a:bodyPr/>
-          <a:lstStyle/>
-          <a:p>
-            <a:r>
-              <a:rPr lang="en-US" dirty="0"/>
-              <a:t>Using an LSTM model requires that we deal with some complex shapes in our data. </a:t>
-            </a:r>
-          </a:p>
-          <a:p>
-            <a:pPr lvl="1"/>
-            <a:r>
-              <a:rPr lang="en-US" dirty="0"/>
-              <a:t>Using “normal models”, each instance is one row of data. </a:t>
-            </a:r>
-          </a:p>
-          <a:p>
-            <a:pPr lvl="1"/>
-            <a:r>
-              <a:rPr lang="en-US" dirty="0"/>
-              <a:t>In an LSTM, each instance contains several past features and several future inputs. </a:t>
-            </a:r>
-          </a:p>
-          <a:p>
-            <a:r>
-              <a:rPr lang="en-US" dirty="0"/>
-              <a:t>The shape of the data going into the model will generally be:</a:t>
-            </a:r>
-          </a:p>
-          <a:p>
-            <a:pPr lvl="1"/>
-            <a:r>
-              <a:rPr lang="en-US" dirty="0"/>
-              <a:t>X data - (</a:t>
-            </a:r>
-            <a:r>
-              <a:rPr lang="en-US" dirty="0" err="1"/>
-              <a:t>Batch_size</a:t>
-            </a:r>
-            <a:r>
-              <a:rPr lang="en-US" dirty="0"/>
-              <a:t>, </a:t>
-            </a:r>
-            <a:r>
-              <a:rPr lang="en-US" dirty="0" err="1"/>
-              <a:t>length_of_lookback</a:t>
-            </a:r>
-            <a:r>
-              <a:rPr lang="en-US" dirty="0"/>
-              <a:t>, </a:t>
-            </a:r>
-            <a:r>
-              <a:rPr lang="en-US" dirty="0" err="1"/>
-              <a:t>number_of_features</a:t>
-            </a:r>
-            <a:r>
-              <a:rPr lang="en-US" dirty="0"/>
-              <a:t>). </a:t>
-            </a:r>
-          </a:p>
-          <a:p>
-            <a:pPr lvl="1"/>
-            <a:r>
-              <a:rPr lang="en-US" dirty="0"/>
-              <a:t>Y data – number of predictions ahead. </a:t>
-            </a:r>
-          </a:p>
-          <a:p>
-            <a:r>
-              <a:rPr lang="en-US" dirty="0"/>
-              <a:t>For most data, we’ll need to construct a dataset to look like this. </a:t>
-            </a:r>
-          </a:p>
-          <a:p>
-            <a:pPr lvl="1"/>
-            <a:r>
-              <a:rPr lang="en-US" dirty="0"/>
-              <a:t>We’ll probably need a function to take our data, loop through the rows, and assemble all values from different rows into multi-dimensional data for us. </a:t>
+            <a:off x="7784123" y="1853755"/>
+            <a:ext cx="4407877" cy="4406368"/>
+          </a:xfrm>
+        </p:spPr>
+        <p:txBody>
+          <a:bodyPr>
+            <a:normAutofit lnSpcReduction="10000"/>
+          </a:bodyPr>
+          <a:lstStyle/>
+          <a:p>
+            <a:r>
+              <a:rPr lang="en-CA" dirty="0"/>
+              <a:t>Output gate decides what the next hidden state should be. </a:t>
+            </a:r>
+          </a:p>
+          <a:p>
+            <a:r>
+              <a:rPr lang="en-CA" dirty="0"/>
+              <a:t>Pass the previous hidden state and the current input into a sigmoid function.</a:t>
+            </a:r>
+          </a:p>
+          <a:p>
+            <a:r>
+              <a:rPr lang="en-CA" dirty="0"/>
+              <a:t>Pass the newly modified cell state to the tanh function.</a:t>
+            </a:r>
+          </a:p>
+          <a:p>
+            <a:r>
+              <a:rPr lang="en-CA" dirty="0"/>
+              <a:t>Multiply the tanh output with the sigmoid output to decide what information the hidden state should carry. </a:t>
+            </a:r>
+          </a:p>
+          <a:p>
+            <a:r>
+              <a:rPr lang="en-CA" dirty="0"/>
+              <a:t>The output is the hidden state. </a:t>
             </a:r>
           </a:p>
         </p:txBody>
       </p:sp>
       <p:pic>
         <p:nvPicPr>
-          <p:cNvPr id="4" name="Picture 3">
-            <a:extLst>
-              <a:ext uri="{FF2B5EF4-FFF2-40B4-BE49-F238E27FC236}">
-                <a16:creationId xmlns:a16="http://schemas.microsoft.com/office/drawing/2014/main" id="{71AAD8F2-03BE-BF7E-01CB-747D955602BF}"/>
+          <p:cNvPr id="9218" name="Picture 2">
+            <a:extLst>
+              <a:ext uri="{FF2B5EF4-FFF2-40B4-BE49-F238E27FC236}">
+                <a16:creationId xmlns:a16="http://schemas.microsoft.com/office/drawing/2014/main" id="{A80CAAEE-22F5-2266-A33A-9114C1AA2AC3}"/>
               </a:ext>
             </a:extLst>
           </p:cNvPr>
           <p:cNvPicPr>
-            <a:picLocks noChangeAspect="1"/>
+            <a:picLocks noChangeAspect="1" noChangeArrowheads="1"/>
           </p:cNvPicPr>
           <p:nvPr/>
         </p:nvPicPr>
         <p:blipFill>
-          <a:blip r:embed="rId2"/>
+          <a:blip r:embed="rId3">
+            <a:extLst>
+              <a:ext uri="{28A0092B-C50C-407E-A947-70E740481C1C}">
+                <a14:useLocalDpi xmlns:a14="http://schemas.microsoft.com/office/drawing/2010/main" val="0"/>
+              </a:ext>
+            </a:extLst>
+          </a:blip>
+          <a:srcRect/>
           <a:stretch>
             <a:fillRect/>
           </a:stretch>
         </p:blipFill>
-        <p:spPr>
-          <a:xfrm>
-            <a:off x="8585628" y="2450592"/>
-            <a:ext cx="3606372" cy="2389632"/>
+        <p:spPr bwMode="auto">
+          <a:xfrm>
+            <a:off x="5559552" y="7597"/>
+            <a:ext cx="3408680" cy="1860165"/>
           </a:xfrm>
           <a:prstGeom prst="rect">
             <a:avLst/>
           </a:prstGeom>
+          <a:noFill/>
+          <a:extLst>
+            <a:ext uri="{909E8E84-426E-40DD-AFC4-6F175D3DCCD1}">
+              <a14:hiddenFill xmlns:a14="http://schemas.microsoft.com/office/drawing/2010/main">
+                <a:solidFill>
+                  <a:srgbClr val="FFFFFF"/>
+                </a:solidFill>
+              </a14:hiddenFill>
+            </a:ext>
+          </a:extLst>
         </p:spPr>
       </p:pic>
     </p:spTree>
     <p:extLst>
       <p:ext uri="{BB962C8B-B14F-4D97-AF65-F5344CB8AC3E}">
-        <p14:creationId xmlns:p14="http://schemas.microsoft.com/office/powerpoint/2010/main" val="4152605430"/>
+        <p14:creationId xmlns:p14="http://schemas.microsoft.com/office/powerpoint/2010/main" val="1295863029"/>
       </p:ext>
     </p:extLst>
   </p:cSld>
@@ -6038,7 +6024,7 @@
           <p:cNvPr id="2" name="Title 1">
             <a:extLst>
               <a:ext uri="{FF2B5EF4-FFF2-40B4-BE49-F238E27FC236}">
-                <a16:creationId xmlns:a16="http://schemas.microsoft.com/office/drawing/2014/main" id="{48427187-82E3-75C6-62F7-C45EE7E597E8}"/>
+                <a16:creationId xmlns:a16="http://schemas.microsoft.com/office/drawing/2014/main" id="{B9ABE953-B1C2-63C0-43E4-D9E9A2F0BB8E}"/>
               </a:ext>
             </a:extLst>
           </p:cNvPr>
@@ -6054,7 +6040,10 @@
           <a:bodyPr/>
           <a:lstStyle/>
           <a:p>
-            <a:endParaRPr lang="en-US"/>
+            <a:r>
+              <a:rPr lang="en-US" dirty="0"/>
+              <a:t>State it Clearly</a:t>
+            </a:r>
           </a:p>
         </p:txBody>
       </p:sp>
@@ -6063,7 +6052,7 @@
           <p:cNvPr id="3" name="Content Placeholder 2">
             <a:extLst>
               <a:ext uri="{FF2B5EF4-FFF2-40B4-BE49-F238E27FC236}">
-                <a16:creationId xmlns:a16="http://schemas.microsoft.com/office/drawing/2014/main" id="{894BAB4C-C3A4-7859-C9BE-F7DA0B3EB2BD}"/>
+                <a16:creationId xmlns:a16="http://schemas.microsoft.com/office/drawing/2014/main" id="{FDC4BA69-C55D-4F9C-65D8-F9A369434239}"/>
               </a:ext>
             </a:extLst>
           </p:cNvPr>
@@ -6074,21 +6063,55 @@
             <p:ph idx="1"/>
           </p:nvPr>
         </p:nvSpPr>
-        <p:spPr/>
+        <p:spPr>
+          <a:xfrm>
+            <a:off x="1451579" y="1853754"/>
+            <a:ext cx="9603275" cy="2632515"/>
+          </a:xfrm>
+        </p:spPr>
         <p:txBody>
           <a:bodyPr/>
           <a:lstStyle/>
           <a:p>
-            <a:endParaRPr lang="en-US"/>
+            <a:r>
+              <a:rPr lang="en-US" dirty="0"/>
+              <a:t>The LSTM units have two different lanes for state – cell and hidden. </a:t>
+            </a:r>
+          </a:p>
+          <a:p>
+            <a:pPr lvl="1"/>
+            <a:r>
+              <a:rPr lang="en-US" dirty="0"/>
+              <a:t>The hidden state acts as a short-term memory – more impacted by recent events. </a:t>
+            </a:r>
+          </a:p>
+          <a:p>
+            <a:pPr lvl="1"/>
+            <a:r>
+              <a:rPr lang="en-US" dirty="0"/>
+              <a:t>The cell state acts as long-term memory – more able to hold things from earlier. </a:t>
+            </a:r>
+          </a:p>
+          <a:p>
+            <a:r>
+              <a:rPr lang="en-US" dirty="0"/>
+              <a:t>The cell state flows from itself, and new stuff is only added after passing a gate. </a:t>
+            </a:r>
+          </a:p>
+          <a:p>
+            <a:r>
+              <a:rPr lang="en-US" dirty="0"/>
+              <a:t>The hidden state flows from the last prediction and the new input. </a:t>
+            </a:r>
           </a:p>
         </p:txBody>
       </p:sp>
       <p:pic>
         <p:nvPicPr>
-          <p:cNvPr id="4098" name="Picture 2" descr="Using Recurrent Neural Networks in DL4J - Deeplearning4j: Open-source,  Distributed Deep Learning for the JVM">
-            <a:extLst>
-              <a:ext uri="{FF2B5EF4-FFF2-40B4-BE49-F238E27FC236}">
-                <a16:creationId xmlns:a16="http://schemas.microsoft.com/office/drawing/2014/main" id="{95D2A691-A70A-5847-D5CE-88AA544C4E0D}"/>
+          <p:cNvPr id="13314" name="Picture 2" descr="Exploring the Potential of Long Short-Term Memory (LSTM) Networks in Time  Series Analysis">
+            <a:extLst>
+              <a:ext uri="{FF2B5EF4-FFF2-40B4-BE49-F238E27FC236}">
+                <a16:creationId xmlns:a16="http://schemas.microsoft.com/office/drawing/2014/main" id="{35EE4206-9152-AB45-61F4-EAA8D80B7AD9}"/>
               </a:ext>
             </a:extLst>
           </p:cNvPr>
@@ -6112,8 +6135,8 @@
         </p:blipFill>
         <p:spPr bwMode="auto">
           <a:xfrm>
-            <a:off x="42619" y="417443"/>
-            <a:ext cx="12146718" cy="6042992"/>
+            <a:off x="3432048" y="4130808"/>
+            <a:ext cx="5327904" cy="2727192"/>
           </a:xfrm>
           <a:prstGeom prst="rect">
             <a:avLst/>
@@ -6133,7 +6156,7 @@
     </p:spTree>
     <p:extLst>
       <p:ext uri="{BB962C8B-B14F-4D97-AF65-F5344CB8AC3E}">
-        <p14:creationId xmlns:p14="http://schemas.microsoft.com/office/powerpoint/2010/main" val="3529324004"/>
+        <p14:creationId xmlns:p14="http://schemas.microsoft.com/office/powerpoint/2010/main" val="2102280448"/>
       </p:ext>
     </p:extLst>
   </p:cSld>
@@ -6165,7 +6188,7 @@
           <p:cNvPr id="2" name="Title 1">
             <a:extLst>
               <a:ext uri="{FF2B5EF4-FFF2-40B4-BE49-F238E27FC236}">
-                <a16:creationId xmlns:a16="http://schemas.microsoft.com/office/drawing/2014/main" id="{A332A7A8-F413-FD2C-185E-9B0663671132}"/>
+                <a16:creationId xmlns:a16="http://schemas.microsoft.com/office/drawing/2014/main" id="{693D022F-6D28-0BAF-B661-834F0879861E}"/>
               </a:ext>
             </a:extLst>
           </p:cNvPr>
@@ -6181,7 +6204,10 @@
           <a:bodyPr/>
           <a:lstStyle/>
           <a:p>
-            <a:endParaRPr lang="en-US"/>
+            <a:r>
+              <a:rPr lang="en-US" dirty="0"/>
+              <a:t>Data flows through, in order…</a:t>
+            </a:r>
           </a:p>
         </p:txBody>
       </p:sp>
@@ -6190,7 +6216,7 @@
           <p:cNvPr id="3" name="Content Placeholder 2">
             <a:extLst>
               <a:ext uri="{FF2B5EF4-FFF2-40B4-BE49-F238E27FC236}">
-                <a16:creationId xmlns:a16="http://schemas.microsoft.com/office/drawing/2014/main" id="{591F4518-83BA-3072-0EDD-B7EC0EAC71BF}"/>
+                <a16:creationId xmlns:a16="http://schemas.microsoft.com/office/drawing/2014/main" id="{CC773401-406D-4BFB-ABCE-9FD2C5A1FA19}"/>
               </a:ext>
             </a:extLst>
           </p:cNvPr>
@@ -6212,10 +6238,10 @@
       </p:sp>
       <p:pic>
         <p:nvPicPr>
-          <p:cNvPr id="5122" name="Picture 2" descr="LSTM 의 Input Shape정리 | HK Playground">
-            <a:extLst>
-              <a:ext uri="{FF2B5EF4-FFF2-40B4-BE49-F238E27FC236}">
-                <a16:creationId xmlns:a16="http://schemas.microsoft.com/office/drawing/2014/main" id="{FC2573BC-F6CC-4D53-56B4-EB623D5297D9}"/>
+          <p:cNvPr id="14338" name="Picture 2" descr="An Overview on Long Short Term Memory (LSTM) - Analytics Vidhya">
+            <a:extLst>
+              <a:ext uri="{FF2B5EF4-FFF2-40B4-BE49-F238E27FC236}">
+                <a16:creationId xmlns:a16="http://schemas.microsoft.com/office/drawing/2014/main" id="{D7DC8E18-073E-9573-1D4B-690CDCC87536}"/>
               </a:ext>
             </a:extLst>
           </p:cNvPr>
@@ -6224,7 +6250,7 @@
           </p:cNvPicPr>
           <p:nvPr/>
         </p:nvPicPr>
-        <p:blipFill>
+        <p:blipFill rotWithShape="1">
           <a:blip r:embed="rId2">
             <a:extLst>
               <a:ext uri="{28A0092B-C50C-407E-A947-70E740481C1C}">
@@ -6232,15 +6258,13 @@
               </a:ext>
             </a:extLst>
           </a:blip>
-          <a:srcRect/>
-          <a:stretch>
-            <a:fillRect/>
-          </a:stretch>
+          <a:srcRect t="7468" b="8622"/>
+          <a:stretch/>
         </p:blipFill>
         <p:spPr bwMode="auto">
           <a:xfrm>
-            <a:off x="1520825" y="0"/>
-            <a:ext cx="9148763" cy="6858000"/>
+            <a:off x="877941" y="1329136"/>
+            <a:ext cx="10750550" cy="5754624"/>
           </a:xfrm>
           <a:prstGeom prst="rect">
             <a:avLst/>
@@ -6260,7 +6284,7 @@
     </p:spTree>
     <p:extLst>
       <p:ext uri="{BB962C8B-B14F-4D97-AF65-F5344CB8AC3E}">
-        <p14:creationId xmlns:p14="http://schemas.microsoft.com/office/powerpoint/2010/main" val="3473695901"/>
+        <p14:creationId xmlns:p14="http://schemas.microsoft.com/office/powerpoint/2010/main" val="2921892205"/>
       </p:ext>
     </p:extLst>
   </p:cSld>
@@ -6292,7 +6316,7 @@
           <p:cNvPr id="2" name="Title 1">
             <a:extLst>
               <a:ext uri="{FF2B5EF4-FFF2-40B4-BE49-F238E27FC236}">
-                <a16:creationId xmlns:a16="http://schemas.microsoft.com/office/drawing/2014/main" id="{12DD7079-E5A6-8B4B-2E3A-6A256485AE3A}"/>
+                <a16:creationId xmlns:a16="http://schemas.microsoft.com/office/drawing/2014/main" id="{9C3BCB24-40E5-885D-F792-E323A360C6A8}"/>
               </a:ext>
             </a:extLst>
           </p:cNvPr>
@@ -6310,13 +6334,8 @@
           <a:p>
             <a:r>
               <a:rPr lang="en-US" dirty="0"/>
-              <a:t>LSTM in </a:t>
-            </a:r>
-            <a:r>
-              <a:rPr lang="en-US" dirty="0" err="1"/>
-              <a:t>Keras</a:t>
-            </a:r>
-            <a:endParaRPr lang="en-US" dirty="0"/>
+              <a:t>Training and Activation</a:t>
+            </a:r>
           </a:p>
         </p:txBody>
       </p:sp>
@@ -6325,7 +6344,7 @@
           <p:cNvPr id="3" name="Content Placeholder 2">
             <a:extLst>
               <a:ext uri="{FF2B5EF4-FFF2-40B4-BE49-F238E27FC236}">
-                <a16:creationId xmlns:a16="http://schemas.microsoft.com/office/drawing/2014/main" id="{726A5917-F007-5AAD-8DC6-F1C390315EF7}"/>
+                <a16:creationId xmlns:a16="http://schemas.microsoft.com/office/drawing/2014/main" id="{11D87D48-157B-BB15-0A3E-31097429D6A7}"/>
               </a:ext>
             </a:extLst>
           </p:cNvPr>
@@ -6338,8 +6357,8 @@
         </p:nvSpPr>
         <p:spPr>
           <a:xfrm>
-            <a:off x="1451579" y="2015732"/>
-            <a:ext cx="9603275" cy="4037749"/>
+            <a:off x="198783" y="2021522"/>
+            <a:ext cx="6519010" cy="3922077"/>
           </a:xfrm>
         </p:spPr>
         <p:txBody>
@@ -6348,71 +6367,106 @@
           <a:p>
             <a:r>
               <a:rPr lang="en-US" dirty="0"/>
-              <a:t>LSTM layers can be added just like any other layer. </a:t>
-            </a:r>
-          </a:p>
-          <a:p>
-            <a:r>
-              <a:rPr lang="en-US" dirty="0"/>
-              <a:t>When there’s more than one LSTM layer, we need to enable ‘</a:t>
-            </a:r>
-            <a:r>
-              <a:rPr lang="en-US" dirty="0" err="1"/>
-              <a:t>return_sequences</a:t>
-            </a:r>
-            <a:r>
-              <a:rPr lang="en-US" dirty="0"/>
-              <a:t>’. </a:t>
-            </a:r>
-          </a:p>
-          <a:p>
-            <a:r>
-              <a:rPr lang="en-US" dirty="0"/>
-              <a:t>The output normally has one node per prediction, no activation. </a:t>
-            </a:r>
-          </a:p>
-          <a:p>
-            <a:r>
-              <a:rPr lang="en-US" dirty="0"/>
-              <a:t>Making multiple predictions into the future is one place where custom loss is useful. </a:t>
+              <a:t>LSTM models us 2 activations – sigmoid and tanh.</a:t>
+            </a:r>
+          </a:p>
+          <a:p>
+            <a:r>
+              <a:rPr lang="en-US" dirty="0"/>
+              <a:t>Sigmoid is bounded [0,1] – keep/forget here. </a:t>
+            </a:r>
+          </a:p>
+          <a:p>
+            <a:r>
+              <a:rPr lang="en-US" dirty="0"/>
+              <a:t>Tanh is bounded [-1,1] – emphasize/deemphasize.</a:t>
             </a:r>
           </a:p>
           <a:p>
             <a:pPr lvl="1"/>
             <a:r>
               <a:rPr lang="en-US" dirty="0"/>
-              <a:t>Could weight the value of errors for the next prediction vs the one 10 instances later. </a:t>
+              <a:t>Tanh has a steeper gradient, it helps to not vanish.</a:t>
+            </a:r>
+          </a:p>
+          <a:p>
+            <a:r>
+              <a:rPr lang="en-US" dirty="0"/>
+              <a:t>As the weights are set in training, they learn this. </a:t>
             </a:r>
           </a:p>
           <a:p>
             <a:pPr lvl="1"/>
             <a:r>
               <a:rPr lang="en-US" dirty="0"/>
-              <a:t>Differing considerations could make accuracy at different time steps matter more. </a:t>
-            </a:r>
-          </a:p>
-          <a:p>
-            <a:r>
-              <a:rPr lang="en-US" dirty="0"/>
-              <a:t>LSTM layers are often/usually paired with a dropout. </a:t>
+              <a:t>What to keep in each subset of data/states. </a:t>
             </a:r>
           </a:p>
           <a:p>
             <a:pPr lvl="1"/>
             <a:r>
               <a:rPr lang="en-US" dirty="0"/>
-              <a:t>We can add it as a parameter to the layer directly. </a:t>
-            </a:r>
-          </a:p>
-          <a:p>
-            <a:endParaRPr lang="en-US" dirty="0"/>
-          </a:p>
-        </p:txBody>
-      </p:sp>
+              <a:t>What to ditch. </a:t>
+            </a:r>
+          </a:p>
+          <a:p>
+            <a:pPr lvl="1"/>
+            <a:r>
+              <a:rPr lang="en-US" dirty="0"/>
+              <a:t>These can differ because of the ‘multiple memories’.</a:t>
+            </a:r>
+          </a:p>
+        </p:txBody>
+      </p:sp>
+      <p:pic>
+        <p:nvPicPr>
+          <p:cNvPr id="6146" name="Picture 2" descr="Ronny Restrepo">
+            <a:extLst>
+              <a:ext uri="{FF2B5EF4-FFF2-40B4-BE49-F238E27FC236}">
+                <a16:creationId xmlns:a16="http://schemas.microsoft.com/office/drawing/2014/main" id="{4F6E8541-C113-2997-12CF-3162C1756AFD}"/>
+              </a:ext>
+            </a:extLst>
+          </p:cNvPr>
+          <p:cNvPicPr>
+            <a:picLocks noChangeAspect="1" noChangeArrowheads="1"/>
+          </p:cNvPicPr>
+          <p:nvPr/>
+        </p:nvPicPr>
+        <p:blipFill rotWithShape="1">
+          <a:blip r:embed="rId2">
+            <a:extLst>
+              <a:ext uri="{28A0092B-C50C-407E-A947-70E740481C1C}">
+                <a14:useLocalDpi xmlns:a14="http://schemas.microsoft.com/office/drawing/2010/main" val="0"/>
+              </a:ext>
+            </a:extLst>
+          </a:blip>
+          <a:srcRect l="8875" r="6937"/>
+          <a:stretch/>
+        </p:blipFill>
+        <p:spPr bwMode="auto">
+          <a:xfrm>
+            <a:off x="6717792" y="2021523"/>
+            <a:ext cx="5474208" cy="3606800"/>
+          </a:xfrm>
+          <a:prstGeom prst="rect">
+            <a:avLst/>
+          </a:prstGeom>
+          <a:noFill/>
+          <a:extLst>
+            <a:ext uri="{909E8E84-426E-40DD-AFC4-6F175D3DCCD1}">
+              <a14:hiddenFill xmlns:a14="http://schemas.microsoft.com/office/drawing/2010/main">
+                <a:solidFill>
+                  <a:srgbClr val="FFFFFF"/>
+                </a:solidFill>
+              </a14:hiddenFill>
+            </a:ext>
+          </a:extLst>
+        </p:spPr>
+      </p:pic>
     </p:spTree>
     <p:extLst>
       <p:ext uri="{BB962C8B-B14F-4D97-AF65-F5344CB8AC3E}">
-        <p14:creationId xmlns:p14="http://schemas.microsoft.com/office/powerpoint/2010/main" val="2048138297"/>
+        <p14:creationId xmlns:p14="http://schemas.microsoft.com/office/powerpoint/2010/main" val="3690390391"/>
       </p:ext>
     </p:extLst>
   </p:cSld>
@@ -6444,7 +6498,7 @@
           <p:cNvPr id="2" name="Title 1">
             <a:extLst>
               <a:ext uri="{FF2B5EF4-FFF2-40B4-BE49-F238E27FC236}">
-                <a16:creationId xmlns:a16="http://schemas.microsoft.com/office/drawing/2014/main" id="{B513A983-1BC8-44D9-F818-1A4BB2795E1D}"/>
+                <a16:creationId xmlns:a16="http://schemas.microsoft.com/office/drawing/2014/main" id="{942F66E0-D8F4-AD47-CBB4-9F34166140C7}"/>
               </a:ext>
             </a:extLst>
           </p:cNvPr>
@@ -6462,7 +6516,7 @@
           <a:p>
             <a:r>
               <a:rPr lang="en-US" dirty="0"/>
-              <a:t>Tuning LSTM Models</a:t>
+              <a:t>LSTM in Parts</a:t>
             </a:r>
           </a:p>
         </p:txBody>
@@ -6472,7 +6526,7 @@
           <p:cNvPr id="3" name="Content Placeholder 2">
             <a:extLst>
               <a:ext uri="{FF2B5EF4-FFF2-40B4-BE49-F238E27FC236}">
-                <a16:creationId xmlns:a16="http://schemas.microsoft.com/office/drawing/2014/main" id="{F3E514EB-A4D9-7797-8DF4-F086374E3729}"/>
+                <a16:creationId xmlns:a16="http://schemas.microsoft.com/office/drawing/2014/main" id="{1A6992F3-8C06-5127-7620-D0BBD55D5D3F}"/>
               </a:ext>
             </a:extLst>
           </p:cNvPr>
@@ -6495,90 +6549,67 @@
           <a:p>
             <a:r>
               <a:rPr lang="en-US" dirty="0"/>
-              <a:t>Like other models, we generally want to have a larger model for a larger problem. </a:t>
+              <a:t>The LSTM layers use this design to better deal with sequential data. </a:t>
+            </a:r>
+          </a:p>
+          <a:p>
+            <a:r>
+              <a:rPr lang="en-US" dirty="0"/>
+              <a:t>The state (top) part of the model remembers information from previously. </a:t>
             </a:r>
           </a:p>
           <a:p>
             <a:pPr lvl="1"/>
             <a:r>
               <a:rPr lang="en-US" dirty="0"/>
-              <a:t>Estimate - Units = samples in training data / ((# input neurons + # output neurons) * alpha)</a:t>
+              <a:t>The forget/memory gates try to keep the important stuff in the memory. </a:t>
+            </a:r>
+          </a:p>
+          <a:p>
+            <a:r>
+              <a:rPr lang="en-US" dirty="0"/>
+              <a:t>The output provides a prediction, as normal. </a:t>
+            </a:r>
+          </a:p>
+          <a:p>
+            <a:r>
+              <a:rPr lang="en-US" dirty="0"/>
+              <a:t>Each of those predictions depends on two things:</a:t>
             </a:r>
           </a:p>
           <a:p>
             <a:pPr lvl="1"/>
             <a:r>
               <a:rPr lang="en-US" dirty="0"/>
-              <a:t>Unstructured problems are more likely to benefit from more layers, each with fewer units. </a:t>
+              <a:t>The new data in this record - this is exactly what we are used to. </a:t>
             </a:r>
           </a:p>
           <a:p>
             <a:pPr lvl="1"/>
             <a:r>
               <a:rPr lang="en-US" dirty="0"/>
-              <a:t>Structured problems (sales or stock prices) may benefit from fewer, larger layers. </a:t>
-            </a:r>
-          </a:p>
-          <a:p>
-            <a:r>
-              <a:rPr lang="en-US" dirty="0"/>
-              <a:t>Hyperparameter tuning is back on the menu, boys!</a:t>
+              <a:t>The data from the state, what the model remembers – this is the new part. </a:t>
+            </a:r>
+          </a:p>
+          <a:p>
+            <a:r>
+              <a:rPr lang="en-US" dirty="0"/>
+              <a:t>The ‘features’ extracted in the top layers are made by combining info from different steps. </a:t>
             </a:r>
           </a:p>
           <a:p>
             <a:pPr lvl="1"/>
             <a:r>
               <a:rPr lang="en-US" dirty="0"/>
-              <a:t>LSTM models can be determined via the </a:t>
-            </a:r>
-            <a:r>
-              <a:rPr lang="en-US" dirty="0" err="1"/>
-              <a:t>Keras</a:t>
-            </a:r>
-            <a:r>
-              <a:rPr lang="en-US" dirty="0"/>
-              <a:t> Tuner – layers, units, drop, other options… </a:t>
-            </a:r>
-          </a:p>
-          <a:p>
-            <a:pPr lvl="1"/>
-            <a:r>
-              <a:rPr lang="en-US" dirty="0"/>
-              <a:t>Bayesian or Hyperband may help with time, as might sampling (smartly) the data. </a:t>
-            </a:r>
-          </a:p>
-          <a:p>
-            <a:pPr lvl="1"/>
-            <a:r>
-              <a:rPr lang="en-US" dirty="0"/>
-              <a:t>LSTM models often employ a dropout for regularization, it performs well. </a:t>
-            </a:r>
-          </a:p>
-          <a:p>
-            <a:pPr lvl="1"/>
-            <a:r>
-              <a:rPr lang="en-US" dirty="0"/>
-              <a:t>Large numbers of epochs are often helpful, possibly with small batches (~8-96). </a:t>
-            </a:r>
-          </a:p>
-          <a:p>
-            <a:pPr lvl="2"/>
-            <a:r>
-              <a:rPr lang="en-US" dirty="0"/>
-              <a:t>Think – update model every day vs every </a:t>
-            </a:r>
-            <a:r>
-              <a:rPr lang="en-US"/>
-              <a:t>100 days. </a:t>
-            </a:r>
-            <a:endParaRPr lang="en-US" dirty="0"/>
+              <a:t>Just as the ‘features’ extracted in a CNN are made by combining different pixels. </a:t>
+            </a:r>
           </a:p>
         </p:txBody>
       </p:sp>
     </p:spTree>
     <p:extLst>
       <p:ext uri="{BB962C8B-B14F-4D97-AF65-F5344CB8AC3E}">
-        <p14:creationId xmlns:p14="http://schemas.microsoft.com/office/powerpoint/2010/main" val="3420062599"/>
+        <p14:creationId xmlns:p14="http://schemas.microsoft.com/office/powerpoint/2010/main" val="3580208078"/>
       </p:ext>
     </p:extLst>
   </p:cSld>
@@ -6589,7 +6620,7 @@
 </file>
 
 <file path=ppt/slides/slide26.xml><?xml version="1.0" encoding="utf-8"?>
-<p:sld xmlns:a="http://schemas.openxmlformats.org/drawingml/2006/main" xmlns:r="http://schemas.openxmlformats.org/officeDocument/2006/relationships" xmlns:p="http://schemas.openxmlformats.org/presentationml/2006/main" show="0">
+<p:sld xmlns:a="http://schemas.openxmlformats.org/drawingml/2006/main" xmlns:r="http://schemas.openxmlformats.org/officeDocument/2006/relationships" xmlns:p="http://schemas.openxmlformats.org/presentationml/2006/main">
   <p:cSld>
     <p:spTree>
       <p:nvGrpSpPr>
@@ -6610,7 +6641,7 @@
           <p:cNvPr id="2" name="Title 1">
             <a:extLst>
               <a:ext uri="{FF2B5EF4-FFF2-40B4-BE49-F238E27FC236}">
-                <a16:creationId xmlns:a16="http://schemas.microsoft.com/office/drawing/2014/main" id="{E5F0A867-99E2-904B-62B6-7C2A0C6D8D25}"/>
+                <a16:creationId xmlns:a16="http://schemas.microsoft.com/office/drawing/2014/main" id="{86AABFA1-2A4F-9A43-A921-78EECCCD6017}"/>
               </a:ext>
             </a:extLst>
           </p:cNvPr>
@@ -6628,7 +6659,7 @@
           <a:p>
             <a:r>
               <a:rPr lang="en-US" dirty="0"/>
-              <a:t>Being BI is in… if it Performs better</a:t>
+              <a:t>LSTM In Effect</a:t>
             </a:r>
           </a:p>
         </p:txBody>
@@ -6638,7 +6669,7 @@
           <p:cNvPr id="3" name="Content Placeholder 2">
             <a:extLst>
               <a:ext uri="{FF2B5EF4-FFF2-40B4-BE49-F238E27FC236}">
-                <a16:creationId xmlns:a16="http://schemas.microsoft.com/office/drawing/2014/main" id="{1A9B5499-96C7-43AF-E68F-D8040AB79ECD}"/>
+                <a16:creationId xmlns:a16="http://schemas.microsoft.com/office/drawing/2014/main" id="{C4644EED-8FB4-5443-A418-B1008BC3906E}"/>
               </a:ext>
             </a:extLst>
           </p:cNvPr>
@@ -6649,20 +6680,72 @@
             <p:ph idx="1"/>
           </p:nvPr>
         </p:nvSpPr>
-        <p:spPr/>
+        <p:spPr>
+          <a:xfrm>
+            <a:off x="999744" y="1853754"/>
+            <a:ext cx="10667999" cy="4272726"/>
+          </a:xfrm>
+        </p:spPr>
         <p:txBody>
           <a:bodyPr/>
           <a:lstStyle/>
           <a:p>
             <a:r>
               <a:rPr lang="en-US" dirty="0"/>
-              <a:t>Bidirectional LSTM layers feed the previous sequence bot forwards and backwards. </a:t>
-            </a:r>
-          </a:p>
-          <a:p>
-            <a:r>
-              <a:rPr lang="en-US" dirty="0"/>
-              <a:t>Common in NLP applications. </a:t>
+              <a:t>LSTM can “hold” information from the past. </a:t>
+            </a:r>
+          </a:p>
+          <a:p>
+            <a:r>
+              <a:rPr lang="en-US" dirty="0"/>
+              <a:t>During training, the model keeps things that are useful and forgets things less useful. </a:t>
+            </a:r>
+          </a:p>
+          <a:p>
+            <a:pPr lvl="1"/>
+            <a:r>
+              <a:rPr lang="en-US" dirty="0"/>
+              <a:t>Important previous information is held. </a:t>
+            </a:r>
+          </a:p>
+          <a:p>
+            <a:pPr lvl="1"/>
+            <a:r>
+              <a:rPr lang="en-US" dirty="0"/>
+              <a:t>Temporal awareness!</a:t>
+            </a:r>
+          </a:p>
+          <a:p>
+            <a:r>
+              <a:rPr lang="en-US" dirty="0"/>
+              <a:t>LSTMs are very good at many scenarios:</a:t>
+            </a:r>
+          </a:p>
+          <a:p>
+            <a:pPr lvl="1"/>
+            <a:r>
+              <a:rPr lang="en-US" dirty="0"/>
+              <a:t>Time series applications. </a:t>
+            </a:r>
+          </a:p>
+          <a:p>
+            <a:pPr lvl="1"/>
+            <a:r>
+              <a:rPr lang="en-US" dirty="0"/>
+              <a:t>Speech and NLP applications – e.g. translation, Google’s phone answer AI, chatbots. </a:t>
+            </a:r>
+          </a:p>
+          <a:p>
+            <a:pPr lvl="1"/>
+            <a:r>
+              <a:rPr lang="en-US" dirty="0"/>
+              <a:t>Generative models (think GMM) – creating text from a model. </a:t>
+            </a:r>
+          </a:p>
+          <a:p>
+            <a:r>
+              <a:rPr lang="en-US" dirty="0"/>
+              <a:t>Transformers have often surpassed these in practice – better able to manage state over time. </a:t>
             </a:r>
           </a:p>
         </p:txBody>
@@ -6670,7 +6753,7 @@
     </p:spTree>
     <p:extLst>
       <p:ext uri="{BB962C8B-B14F-4D97-AF65-F5344CB8AC3E}">
-        <p14:creationId xmlns:p14="http://schemas.microsoft.com/office/powerpoint/2010/main" val="904097236"/>
+        <p14:creationId xmlns:p14="http://schemas.microsoft.com/office/powerpoint/2010/main" val="2664009584"/>
       </p:ext>
     </p:extLst>
   </p:cSld>
@@ -6702,7 +6785,7 @@
           <p:cNvPr id="2" name="Title 1">
             <a:extLst>
               <a:ext uri="{FF2B5EF4-FFF2-40B4-BE49-F238E27FC236}">
-                <a16:creationId xmlns:a16="http://schemas.microsoft.com/office/drawing/2014/main" id="{120A5EE1-4AAC-0801-3067-67CFEA11C12A}"/>
+                <a16:creationId xmlns:a16="http://schemas.microsoft.com/office/drawing/2014/main" id="{42315EB7-5B70-6544-9207-05FB14CC584C}"/>
               </a:ext>
             </a:extLst>
           </p:cNvPr>
@@ -6718,10 +6801,7 @@
           <a:bodyPr/>
           <a:lstStyle/>
           <a:p>
-            <a:r>
-              <a:rPr lang="en-US" dirty="0"/>
-              <a:t>Generative Models</a:t>
-            </a:r>
+            <a:endParaRPr lang="en-US"/>
           </a:p>
         </p:txBody>
       </p:sp>
@@ -6730,7 +6810,7 @@
           <p:cNvPr id="3" name="Content Placeholder 2">
             <a:extLst>
               <a:ext uri="{FF2B5EF4-FFF2-40B4-BE49-F238E27FC236}">
-                <a16:creationId xmlns:a16="http://schemas.microsoft.com/office/drawing/2014/main" id="{18B47CC8-CAB3-0B63-7176-21FD7965C010}"/>
+                <a16:creationId xmlns:a16="http://schemas.microsoft.com/office/drawing/2014/main" id="{FE6C7172-3AFD-B844-8099-EC85CE0F94E4}"/>
               </a:ext>
             </a:extLst>
           </p:cNvPr>
@@ -6741,74 +6821,66 @@
             <p:ph idx="1"/>
           </p:nvPr>
         </p:nvSpPr>
-        <p:spPr>
-          <a:xfrm>
-            <a:off x="1451579" y="2015732"/>
-            <a:ext cx="9603275" cy="4037749"/>
-          </a:xfrm>
-        </p:spPr>
+        <p:spPr/>
         <p:txBody>
           <a:bodyPr/>
           <a:lstStyle/>
           <a:p>
-            <a:r>
-              <a:rPr lang="en-US" dirty="0"/>
-              <a:t>LSTMs can be used to generate things, like text. </a:t>
-            </a:r>
-          </a:p>
-          <a:p>
-            <a:r>
-              <a:rPr lang="en-US" dirty="0"/>
-              <a:t>Text generation is simpler than it sounds at first glance. </a:t>
-            </a:r>
-          </a:p>
-          <a:p>
-            <a:pPr lvl="1"/>
-            <a:r>
-              <a:rPr lang="en-US" dirty="0"/>
-              <a:t>Train a model to be able to predict the next word (or token) from text. </a:t>
-            </a:r>
-          </a:p>
-          <a:p>
-            <a:pPr lvl="1"/>
-            <a:r>
-              <a:rPr lang="en-US" dirty="0"/>
-              <a:t>Generate text by taking in the previous text, and predict the next word.</a:t>
-            </a:r>
-          </a:p>
-          <a:p>
-            <a:pPr lvl="1"/>
-            <a:r>
-              <a:rPr lang="en-US" dirty="0"/>
-              <a:t>The ‘previous text’ + ‘predicted word’ is then the source for the next prediction. </a:t>
-            </a:r>
-          </a:p>
-          <a:p>
-            <a:r>
-              <a:rPr lang="en-US" dirty="0"/>
-              <a:t>We can treat it as 1 word tokens, large LLMs may have different splits – it varies. </a:t>
-            </a:r>
-          </a:p>
-          <a:p>
-            <a:pPr lvl="1"/>
-            <a:r>
-              <a:rPr lang="en-US" dirty="0"/>
-              <a:t>E.g. predict a root word, then the correct suffix: run to running or runner. </a:t>
-            </a:r>
-          </a:p>
-          <a:p>
-            <a:pPr lvl="1"/>
-            <a:r>
-              <a:rPr lang="en-US" dirty="0"/>
-              <a:t>2+ grams for thinks like ‘downhill skiing’ and ‘oven glove’. </a:t>
-            </a:r>
-          </a:p>
-        </p:txBody>
-      </p:sp>
+            <a:endParaRPr lang="en-US"/>
+          </a:p>
+        </p:txBody>
+      </p:sp>
+      <p:pic>
+        <p:nvPicPr>
+          <p:cNvPr id="1026" name="Picture 2" descr="Long Short Term Memory: Deep Dive | by Anantech.ai | FAUN Publication">
+            <a:extLst>
+              <a:ext uri="{FF2B5EF4-FFF2-40B4-BE49-F238E27FC236}">
+                <a16:creationId xmlns:a16="http://schemas.microsoft.com/office/drawing/2014/main" id="{5AA00350-0C4E-614B-8A9D-75501702023C}"/>
+              </a:ext>
+            </a:extLst>
+          </p:cNvPr>
+          <p:cNvPicPr>
+            <a:picLocks noChangeAspect="1" noChangeArrowheads="1"/>
+          </p:cNvPicPr>
+          <p:nvPr/>
+        </p:nvPicPr>
+        <p:blipFill>
+          <a:blip r:embed="rId2">
+            <a:extLst>
+              <a:ext uri="{28A0092B-C50C-407E-A947-70E740481C1C}">
+                <a14:useLocalDpi xmlns:a14="http://schemas.microsoft.com/office/drawing/2010/main" val="0"/>
+              </a:ext>
+            </a:extLst>
+          </a:blip>
+          <a:srcRect/>
+          <a:stretch>
+            <a:fillRect/>
+          </a:stretch>
+        </p:blipFill>
+        <p:spPr bwMode="auto">
+          <a:xfrm>
+            <a:off x="1137146" y="-7531"/>
+            <a:ext cx="9917708" cy="6873062"/>
+          </a:xfrm>
+          <a:prstGeom prst="rect">
+            <a:avLst/>
+          </a:prstGeom>
+          <a:noFill/>
+          <a:extLst>
+            <a:ext uri="{909E8E84-426E-40DD-AFC4-6F175D3DCCD1}">
+              <a14:hiddenFill xmlns:a14="http://schemas.microsoft.com/office/drawing/2010/main">
+                <a:solidFill>
+                  <a:srgbClr val="FFFFFF"/>
+                </a:solidFill>
+              </a14:hiddenFill>
+            </a:ext>
+          </a:extLst>
+        </p:spPr>
+      </p:pic>
     </p:spTree>
     <p:extLst>
       <p:ext uri="{BB962C8B-B14F-4D97-AF65-F5344CB8AC3E}">
-        <p14:creationId xmlns:p14="http://schemas.microsoft.com/office/powerpoint/2010/main" val="185559048"/>
+        <p14:creationId xmlns:p14="http://schemas.microsoft.com/office/powerpoint/2010/main" val="3752399771"/>
       </p:ext>
     </p:extLst>
   </p:cSld>
@@ -6819,7 +6891,7 @@
 </file>
 
 <file path=ppt/slides/slide28.xml><?xml version="1.0" encoding="utf-8"?>
-<p:sld xmlns:a="http://schemas.openxmlformats.org/drawingml/2006/main" xmlns:r="http://schemas.openxmlformats.org/officeDocument/2006/relationships" xmlns:p="http://schemas.openxmlformats.org/presentationml/2006/main" show="0">
+<p:sld xmlns:a="http://schemas.openxmlformats.org/drawingml/2006/main" xmlns:r="http://schemas.openxmlformats.org/officeDocument/2006/relationships" xmlns:p="http://schemas.openxmlformats.org/presentationml/2006/main">
   <p:cSld>
     <p:spTree>
       <p:nvGrpSpPr>
@@ -6840,7 +6912,7 @@
           <p:cNvPr id="2" name="Title 1">
             <a:extLst>
               <a:ext uri="{FF2B5EF4-FFF2-40B4-BE49-F238E27FC236}">
-                <a16:creationId xmlns:a16="http://schemas.microsoft.com/office/drawing/2014/main" id="{2F1078A6-AE76-455E-16FF-DBE689E24AC9}"/>
+                <a16:creationId xmlns:a16="http://schemas.microsoft.com/office/drawing/2014/main" id="{E61498BA-8ED5-FE94-206B-485412178062}"/>
               </a:ext>
             </a:extLst>
           </p:cNvPr>
@@ -6858,7 +6930,7 @@
           <a:p>
             <a:r>
               <a:rPr lang="en-US" dirty="0"/>
-              <a:t>Got the Right Temperature</a:t>
+              <a:t>Let’s Go Bi</a:t>
             </a:r>
           </a:p>
         </p:txBody>
@@ -6868,7 +6940,7 @@
           <p:cNvPr id="3" name="Content Placeholder 2">
             <a:extLst>
               <a:ext uri="{FF2B5EF4-FFF2-40B4-BE49-F238E27FC236}">
-                <a16:creationId xmlns:a16="http://schemas.microsoft.com/office/drawing/2014/main" id="{FE858B8B-5A13-1308-9D5C-91BCB28ADF46}"/>
+                <a16:creationId xmlns:a16="http://schemas.microsoft.com/office/drawing/2014/main" id="{564A87BD-514D-318E-25CF-CC020DF0ECA7}"/>
               </a:ext>
             </a:extLst>
           </p:cNvPr>
@@ -6881,8 +6953,8 @@
         </p:nvSpPr>
         <p:spPr>
           <a:xfrm>
-            <a:off x="1451579" y="1853754"/>
-            <a:ext cx="9603275" cy="4199727"/>
+            <a:off x="6657349" y="2015732"/>
+            <a:ext cx="5534651" cy="4037749"/>
           </a:xfrm>
         </p:spPr>
         <p:txBody>
@@ -6891,76 +6963,107 @@
           <a:p>
             <a:r>
               <a:rPr lang="en-US" dirty="0"/>
-              <a:t>Generative models usually utilize a parameter called temperature. </a:t>
-            </a:r>
-          </a:p>
-          <a:p>
-            <a:r>
-              <a:rPr lang="en-US" dirty="0"/>
-              <a:t>Temperature basically introduces randomness to a prediction. </a:t>
+              <a:t>There are LSTM variations like bidirectional. </a:t>
+            </a:r>
+          </a:p>
+          <a:p>
+            <a:r>
+              <a:rPr lang="en-US" dirty="0"/>
+              <a:t>Bidirectional models have a ‘backwards’ layer. </a:t>
             </a:r>
           </a:p>
           <a:p>
             <a:pPr lvl="1"/>
             <a:r>
               <a:rPr lang="en-US" dirty="0"/>
-              <a:t>A model will default to try to predict the correct (most likely) next token. </a:t>
+              <a:t>Data is fed through here in reverse. </a:t>
+            </a:r>
+          </a:p>
+          <a:p>
+            <a:r>
+              <a:rPr lang="en-US" dirty="0"/>
+              <a:t>Helps capture longer dependencies. </a:t>
+            </a:r>
+          </a:p>
+          <a:p>
+            <a:r>
+              <a:rPr lang="en-US" dirty="0"/>
+              <a:t>For/back are merged with some math (option). </a:t>
+            </a:r>
+          </a:p>
+          <a:p>
+            <a:r>
+              <a:rPr lang="en-US" dirty="0"/>
+              <a:t>Can help performance in many cases. </a:t>
             </a:r>
           </a:p>
           <a:p>
             <a:pPr lvl="1"/>
             <a:r>
               <a:rPr lang="en-US" dirty="0"/>
-              <a:t>People don’t really speak like that, especially if writing one piece of prose. </a:t>
+              <a:t>Can be much slower. </a:t>
             </a:r>
           </a:p>
           <a:p>
             <a:pPr lvl="1"/>
             <a:r>
               <a:rPr lang="en-US" dirty="0"/>
-              <a:t>Normal sounding text will use synonyms an alternate terms to avoid sounding robotic. </a:t>
-            </a:r>
-          </a:p>
-          <a:p>
-            <a:r>
-              <a:rPr lang="en-US" dirty="0"/>
-              <a:t>Temperature makes the actual prediction probabilistic. </a:t>
-            </a:r>
-          </a:p>
-          <a:p>
-            <a:pPr lvl="1"/>
-            <a:r>
-              <a:rPr lang="en-US" dirty="0"/>
-              <a:t>The ‘correct’ answer is most likely, but we are choosing from all likely predictions. </a:t>
-            </a:r>
-          </a:p>
-          <a:p>
-            <a:pPr lvl="1"/>
-            <a:r>
-              <a:rPr lang="en-US" dirty="0"/>
-              <a:t>Sometimes we want to return a word that is not optimal, but reasonably likely. </a:t>
-            </a:r>
-          </a:p>
-          <a:p>
-            <a:pPr lvl="1"/>
-            <a:r>
-              <a:rPr lang="en-US" dirty="0"/>
-              <a:t>The higher the temperature is, the more likely we are to choose an imperfect option. </a:t>
-            </a:r>
-          </a:p>
-          <a:p>
-            <a:pPr lvl="1"/>
-            <a:r>
-              <a:rPr lang="en-US" dirty="0"/>
-              <a:t>Multiple implementations of this idea can exist. </a:t>
-            </a:r>
-          </a:p>
-        </p:txBody>
-      </p:sp>
+              <a:t>Data requirements increase. </a:t>
+            </a:r>
+          </a:p>
+        </p:txBody>
+      </p:sp>
+      <p:pic>
+        <p:nvPicPr>
+          <p:cNvPr id="2050" name="Picture 2">
+            <a:extLst>
+              <a:ext uri="{FF2B5EF4-FFF2-40B4-BE49-F238E27FC236}">
+                <a16:creationId xmlns:a16="http://schemas.microsoft.com/office/drawing/2014/main" id="{0CB02BDA-9379-1452-F23C-AE98AAE68AE3}"/>
+              </a:ext>
+            </a:extLst>
+          </p:cNvPr>
+          <p:cNvPicPr>
+            <a:picLocks noChangeAspect="1" noChangeArrowheads="1"/>
+          </p:cNvPicPr>
+          <p:nvPr/>
+        </p:nvPicPr>
+        <p:blipFill>
+          <a:blip r:embed="rId2">
+            <a:extLst>
+              <a:ext uri="{28A0092B-C50C-407E-A947-70E740481C1C}">
+                <a14:useLocalDpi xmlns:a14="http://schemas.microsoft.com/office/drawing/2010/main" val="0"/>
+              </a:ext>
+            </a:extLst>
+          </a:blip>
+          <a:srcRect/>
+          <a:stretch>
+            <a:fillRect/>
+          </a:stretch>
+        </p:blipFill>
+        <p:spPr bwMode="auto">
+          <a:xfrm>
+            <a:off x="0" y="1853754"/>
+            <a:ext cx="6657349" cy="3612591"/>
+          </a:xfrm>
+          <a:prstGeom prst="rect">
+            <a:avLst/>
+          </a:prstGeom>
+          <a:noFill/>
+          <a:extLst>
+            <a:ext uri="{909E8E84-426E-40DD-AFC4-6F175D3DCCD1}">
+              <a14:hiddenFill xmlns:a14="http://schemas.microsoft.com/office/drawing/2010/main">
+                <a:solidFill>
+                  <a:srgbClr val="FFFFFF"/>
+                </a:solidFill>
+              </a14:hiddenFill>
+            </a:ext>
+          </a:extLst>
+        </p:spPr>
+      </p:pic>
     </p:spTree>
     <p:extLst>
       <p:ext uri="{BB962C8B-B14F-4D97-AF65-F5344CB8AC3E}">
-        <p14:creationId xmlns:p14="http://schemas.microsoft.com/office/powerpoint/2010/main" val="1889635206"/>
+        <p14:creationId xmlns:p14="http://schemas.microsoft.com/office/powerpoint/2010/main" val="1298140473"/>
       </p:ext>
     </p:extLst>
   </p:cSld>
@@ -6992,7 +7095,7 @@
           <p:cNvPr id="2" name="Title 1">
             <a:extLst>
               <a:ext uri="{FF2B5EF4-FFF2-40B4-BE49-F238E27FC236}">
-                <a16:creationId xmlns:a16="http://schemas.microsoft.com/office/drawing/2014/main" id="{56DBD4AB-1131-C7BB-2DCF-1D6BF9FC4987}"/>
+                <a16:creationId xmlns:a16="http://schemas.microsoft.com/office/drawing/2014/main" id="{15B5C77A-E8E2-9246-9369-F3FC32C19679}"/>
               </a:ext>
             </a:extLst>
           </p:cNvPr>
@@ -7010,7 +7113,7 @@
           <a:p>
             <a:r>
               <a:rPr lang="en-US" dirty="0"/>
-              <a:t>Conclusion</a:t>
+              <a:t>Recall Word2Vec…</a:t>
             </a:r>
           </a:p>
         </p:txBody>
@@ -7020,7 +7123,7 @@
           <p:cNvPr id="3" name="Content Placeholder 2">
             <a:extLst>
               <a:ext uri="{FF2B5EF4-FFF2-40B4-BE49-F238E27FC236}">
-                <a16:creationId xmlns:a16="http://schemas.microsoft.com/office/drawing/2014/main" id="{13443069-FA3D-B363-3351-CFE53FEEFEFD}"/>
+                <a16:creationId xmlns:a16="http://schemas.microsoft.com/office/drawing/2014/main" id="{FCA8D46B-96D5-7A72-A5AF-9E1A51321083}"/>
               </a:ext>
             </a:extLst>
           </p:cNvPr>
@@ -7033,90 +7136,326 @@
         </p:nvSpPr>
         <p:spPr>
           <a:xfrm>
-            <a:off x="1451579" y="1853754"/>
-            <a:ext cx="10117569" cy="4278689"/>
-          </a:xfrm>
-        </p:spPr>
-        <p:txBody>
-          <a:bodyPr>
+            <a:off x="149087" y="1853754"/>
+            <a:ext cx="4308614" cy="4199727"/>
+          </a:xfrm>
+        </p:spPr>
+        <p:txBody>
+          <a:bodyPr/>
+          <a:lstStyle/>
+          <a:p>
+            <a:r>
+              <a:rPr lang="en-US" dirty="0"/>
+              <a:t>In the top example, the model has no idea what happens after Teddy. </a:t>
+            </a:r>
+          </a:p>
+          <a:p>
+            <a:r>
+              <a:rPr lang="en-US" dirty="0"/>
+              <a:t>In the bottom example, the backwards part of the model sees Roosevelt, so it can capture that relationship. </a:t>
+            </a:r>
+          </a:p>
+          <a:p>
+            <a:r>
+              <a:rPr lang="en-US" dirty="0"/>
+              <a:t>Parts of speech are often not one word after another. </a:t>
+            </a:r>
+          </a:p>
+          <a:p>
+            <a:r>
+              <a:rPr lang="en-US" dirty="0"/>
+              <a:t>Can understand the sequence in both directions. </a:t>
+            </a:r>
+          </a:p>
+        </p:txBody>
+      </p:sp>
+      <p:pic>
+        <p:nvPicPr>
+          <p:cNvPr id="3074" name="Picture 2">
+            <a:extLst>
+              <a:ext uri="{FF2B5EF4-FFF2-40B4-BE49-F238E27FC236}">
+                <a16:creationId xmlns:a16="http://schemas.microsoft.com/office/drawing/2014/main" id="{B3633685-81B0-DCE4-D0A2-F7468B84E8BD}"/>
+              </a:ext>
+            </a:extLst>
+          </p:cNvPr>
+          <p:cNvPicPr>
+            <a:picLocks noChangeAspect="1" noChangeArrowheads="1"/>
+          </p:cNvPicPr>
+          <p:nvPr/>
+        </p:nvPicPr>
+        <p:blipFill>
+          <a:blip r:embed="rId2">
+            <a:extLst>
+              <a:ext uri="{28A0092B-C50C-407E-A947-70E740481C1C}">
+                <a14:useLocalDpi xmlns:a14="http://schemas.microsoft.com/office/drawing/2010/main" val="0"/>
+              </a:ext>
+            </a:extLst>
+          </a:blip>
+          <a:srcRect/>
+          <a:stretch>
+            <a:fillRect/>
+          </a:stretch>
+        </p:blipFill>
+        <p:spPr bwMode="auto">
+          <a:xfrm>
+            <a:off x="4457700" y="2184847"/>
+            <a:ext cx="7734300" cy="2819400"/>
+          </a:xfrm>
+          <a:prstGeom prst="rect">
+            <a:avLst/>
+          </a:prstGeom>
+          <a:noFill/>
+          <a:extLst>
+            <a:ext uri="{909E8E84-426E-40DD-AFC4-6F175D3DCCD1}">
+              <a14:hiddenFill xmlns:a14="http://schemas.microsoft.com/office/drawing/2010/main">
+                <a:solidFill>
+                  <a:srgbClr val="FFFFFF"/>
+                </a:solidFill>
+              </a14:hiddenFill>
+            </a:ext>
+          </a:extLst>
+        </p:spPr>
+      </p:pic>
+      <p:sp>
+        <p:nvSpPr>
+          <p:cNvPr id="4" name="Content Placeholder 2">
+            <a:extLst>
+              <a:ext uri="{FF2B5EF4-FFF2-40B4-BE49-F238E27FC236}">
+                <a16:creationId xmlns:a16="http://schemas.microsoft.com/office/drawing/2014/main" id="{ECA7BF79-2477-E353-AF46-29ECA41CF282}"/>
+              </a:ext>
+            </a:extLst>
+          </p:cNvPr>
+          <p:cNvSpPr txBox="1">
+            <a:spLocks/>
+          </p:cNvSpPr>
+          <p:nvPr/>
+        </p:nvSpPr>
+        <p:spPr>
+          <a:xfrm>
+            <a:off x="4457698" y="5004248"/>
+            <a:ext cx="7734299" cy="1049234"/>
+          </a:xfrm>
+          <a:prstGeom prst="rect">
+            <a:avLst/>
+          </a:prstGeom>
+        </p:spPr>
+        <p:txBody>
+          <a:bodyPr vert="horz" lIns="91440" tIns="45720" rIns="91440" bIns="45720" rtlCol="0" anchor="t">
             <a:normAutofit/>
           </a:bodyPr>
-          <a:lstStyle/>
-          <a:p>
-            <a:r>
-              <a:rPr lang="en-US" dirty="0"/>
-              <a:t>Sequential problems are common – prices of anything traded, weather, “life stuff”, </a:t>
-            </a:r>
-            <a:r>
-              <a:rPr lang="en-US" dirty="0" err="1"/>
-              <a:t>etc</a:t>
-            </a:r>
-            <a:r>
-              <a:rPr lang="en-US" dirty="0"/>
-              <a:t>…</a:t>
-            </a:r>
-          </a:p>
-          <a:p>
-            <a:r>
-              <a:rPr lang="en-US" dirty="0"/>
-              <a:t>Highlight an example of real-world challenge for analysts – defining the </a:t>
-            </a:r>
-            <a:r>
-              <a:rPr lang="en-US" i="1" dirty="0"/>
-              <a:t>type</a:t>
-            </a:r>
-            <a:r>
-              <a:rPr lang="en-US" dirty="0"/>
-              <a:t> of solution. </a:t>
-            </a:r>
-          </a:p>
-          <a:p>
-            <a:pPr lvl="1"/>
-            <a:r>
-              <a:rPr lang="en-US" dirty="0"/>
-              <a:t>Classification/regression are relatively simple in their structure, or they can be. </a:t>
-            </a:r>
-          </a:p>
-          <a:p>
-            <a:pPr lvl="1"/>
-            <a:r>
-              <a:rPr lang="en-US" dirty="0"/>
-              <a:t>We have a target to predict, features we can use, and we can make a model to predict y from X. </a:t>
-            </a:r>
-          </a:p>
-          <a:p>
-            <a:pPr lvl="1"/>
-            <a:r>
-              <a:rPr lang="en-US" dirty="0"/>
-              <a:t>Sequential models bring ambiguity to the forefront more – how far in advance can we predict? Should we use </a:t>
-            </a:r>
-            <a:r>
-              <a:rPr lang="en-US" i="1" dirty="0"/>
-              <a:t>any</a:t>
-            </a:r>
-            <a:r>
-              <a:rPr lang="en-US" dirty="0"/>
-              <a:t> other features? Can we use our predictions to feed other predictions?</a:t>
-            </a:r>
-          </a:p>
-          <a:p>
-            <a:r>
-              <a:rPr lang="en-US" dirty="0"/>
-              <a:t>Many time series (esp. long term) problems inherently involve ‘features’ we (likely) don’t have. </a:t>
-            </a:r>
-          </a:p>
-          <a:p>
-            <a:pPr lvl="1"/>
-            <a:r>
-              <a:rPr lang="en-US" dirty="0"/>
-              <a:t>Commodity prices, climate trends, or product sales are often highly impacted by things like laws, regulations, or decisions from other actors that are hard or impossible to capture in data. </a:t>
-            </a:r>
-          </a:p>
-          <a:p>
-            <a:pPr lvl="1"/>
-            <a:r>
-              <a:rPr lang="en-US" dirty="0"/>
-              <a:t>Large and complex models can ‘learn around’ this, but with limits. ‘More data’ often not as useful. </a:t>
+          <a:lstStyle>
+            <a:lvl1pPr marL="228600" indent="-228600" algn="l" defTabSz="914400" rtl="0" eaLnBrk="1" latinLnBrk="0" hangingPunct="1">
+              <a:lnSpc>
+                <a:spcPct val="120000"/>
+              </a:lnSpc>
+              <a:spcBef>
+                <a:spcPts val="1000"/>
+              </a:spcBef>
+              <a:buClr>
+                <a:schemeClr val="accent1"/>
+              </a:buClr>
+              <a:buSzPct val="100000"/>
+              <a:buFont typeface="Arial" panose="020B0604020202020204" pitchFamily="34" charset="0"/>
+              <a:buChar char="•"/>
+              <a:defRPr sz="2000" kern="1200">
+                <a:solidFill>
+                  <a:schemeClr val="tx1"/>
+                </a:solidFill>
+                <a:effectLst/>
+                <a:latin typeface="+mn-lt"/>
+                <a:ea typeface="+mn-ea"/>
+                <a:cs typeface="+mn-cs"/>
+              </a:defRPr>
+            </a:lvl1pPr>
+            <a:lvl2pPr marL="685800" indent="-228600" algn="l" defTabSz="914400" rtl="0" eaLnBrk="1" latinLnBrk="0" hangingPunct="1">
+              <a:lnSpc>
+                <a:spcPct val="120000"/>
+              </a:lnSpc>
+              <a:spcBef>
+                <a:spcPts val="500"/>
+              </a:spcBef>
+              <a:buClr>
+                <a:schemeClr val="accent1"/>
+              </a:buClr>
+              <a:buSzPct val="100000"/>
+              <a:buFont typeface="Arial" panose="020B0604020202020204" pitchFamily="34" charset="0"/>
+              <a:buChar char="•"/>
+              <a:defRPr sz="1800" kern="1200" cap="none" baseline="0">
+                <a:solidFill>
+                  <a:schemeClr val="tx1"/>
+                </a:solidFill>
+                <a:effectLst/>
+                <a:latin typeface="+mn-lt"/>
+                <a:ea typeface="+mn-ea"/>
+                <a:cs typeface="+mn-cs"/>
+              </a:defRPr>
+            </a:lvl2pPr>
+            <a:lvl3pPr marL="1143000" indent="-228600" algn="l" defTabSz="914400" rtl="0" eaLnBrk="1" latinLnBrk="0" hangingPunct="1">
+              <a:lnSpc>
+                <a:spcPct val="120000"/>
+              </a:lnSpc>
+              <a:spcBef>
+                <a:spcPts val="500"/>
+              </a:spcBef>
+              <a:buClr>
+                <a:schemeClr val="accent1"/>
+              </a:buClr>
+              <a:buSzPct val="100000"/>
+              <a:buFont typeface="Arial" panose="020B0604020202020204" pitchFamily="34" charset="0"/>
+              <a:buChar char="•"/>
+              <a:defRPr sz="1600" kern="1200">
+                <a:solidFill>
+                  <a:schemeClr val="tx1"/>
+                </a:solidFill>
+                <a:effectLst/>
+                <a:latin typeface="+mn-lt"/>
+                <a:ea typeface="+mn-ea"/>
+                <a:cs typeface="+mn-cs"/>
+              </a:defRPr>
+            </a:lvl3pPr>
+            <a:lvl4pPr marL="1600200" indent="-228600" algn="l" defTabSz="914400" rtl="0" eaLnBrk="1" latinLnBrk="0" hangingPunct="1">
+              <a:lnSpc>
+                <a:spcPct val="120000"/>
+              </a:lnSpc>
+              <a:spcBef>
+                <a:spcPts val="500"/>
+              </a:spcBef>
+              <a:buClr>
+                <a:schemeClr val="accent1"/>
+              </a:buClr>
+              <a:buSzPct val="100000"/>
+              <a:buFont typeface="Arial" panose="020B0604020202020204" pitchFamily="34" charset="0"/>
+              <a:buChar char="•"/>
+              <a:defRPr sz="1400" kern="1200" cap="none" baseline="0">
+                <a:solidFill>
+                  <a:schemeClr val="tx1"/>
+                </a:solidFill>
+                <a:effectLst/>
+                <a:latin typeface="+mn-lt"/>
+                <a:ea typeface="+mn-ea"/>
+                <a:cs typeface="+mn-cs"/>
+              </a:defRPr>
+            </a:lvl4pPr>
+            <a:lvl5pPr marL="2057400" indent="-228600" algn="l" defTabSz="914400" rtl="0" eaLnBrk="1" latinLnBrk="0" hangingPunct="1">
+              <a:lnSpc>
+                <a:spcPct val="120000"/>
+              </a:lnSpc>
+              <a:spcBef>
+                <a:spcPts val="500"/>
+              </a:spcBef>
+              <a:buClr>
+                <a:schemeClr val="accent1"/>
+              </a:buClr>
+              <a:buSzPct val="100000"/>
+              <a:buFont typeface="Arial" panose="020B0604020202020204" pitchFamily="34" charset="0"/>
+              <a:buChar char="•"/>
+              <a:defRPr sz="1200" kern="1200">
+                <a:solidFill>
+                  <a:schemeClr val="tx1"/>
+                </a:solidFill>
+                <a:effectLst/>
+                <a:latin typeface="+mn-lt"/>
+                <a:ea typeface="+mn-ea"/>
+                <a:cs typeface="+mn-cs"/>
+              </a:defRPr>
+            </a:lvl5pPr>
+            <a:lvl6pPr marL="2514600" indent="-228600" algn="l" defTabSz="914400" rtl="0" eaLnBrk="1" latinLnBrk="0" hangingPunct="1">
+              <a:lnSpc>
+                <a:spcPct val="120000"/>
+              </a:lnSpc>
+              <a:spcBef>
+                <a:spcPts val="500"/>
+              </a:spcBef>
+              <a:buClr>
+                <a:schemeClr val="accent1"/>
+              </a:buClr>
+              <a:buSzPct val="100000"/>
+              <a:buFont typeface="Arial" panose="020B0604020202020204" pitchFamily="34" charset="0"/>
+              <a:buChar char="•"/>
+              <a:defRPr sz="1200" kern="1200">
+                <a:solidFill>
+                  <a:schemeClr val="tx1"/>
+                </a:solidFill>
+                <a:effectLst/>
+                <a:latin typeface="+mn-lt"/>
+                <a:ea typeface="+mn-ea"/>
+                <a:cs typeface="+mn-cs"/>
+              </a:defRPr>
+            </a:lvl6pPr>
+            <a:lvl7pPr marL="2971800" indent="-228600" algn="l" defTabSz="914400" rtl="0" eaLnBrk="1" latinLnBrk="0" hangingPunct="1">
+              <a:lnSpc>
+                <a:spcPct val="120000"/>
+              </a:lnSpc>
+              <a:spcBef>
+                <a:spcPts val="500"/>
+              </a:spcBef>
+              <a:buClr>
+                <a:schemeClr val="accent1"/>
+              </a:buClr>
+              <a:buSzPct val="100000"/>
+              <a:buFont typeface="Arial" panose="020B0604020202020204" pitchFamily="34" charset="0"/>
+              <a:buChar char="•"/>
+              <a:defRPr sz="1200" kern="1200">
+                <a:solidFill>
+                  <a:schemeClr val="tx1"/>
+                </a:solidFill>
+                <a:effectLst/>
+                <a:latin typeface="+mn-lt"/>
+                <a:ea typeface="+mn-ea"/>
+                <a:cs typeface="+mn-cs"/>
+              </a:defRPr>
+            </a:lvl7pPr>
+            <a:lvl8pPr marL="3429000" indent="-228600" algn="l" defTabSz="914400" rtl="0" eaLnBrk="1" latinLnBrk="0" hangingPunct="1">
+              <a:lnSpc>
+                <a:spcPct val="120000"/>
+              </a:lnSpc>
+              <a:spcBef>
+                <a:spcPts val="500"/>
+              </a:spcBef>
+              <a:buClr>
+                <a:schemeClr val="accent1"/>
+              </a:buClr>
+              <a:buSzPct val="100000"/>
+              <a:buFont typeface="Arial" panose="020B0604020202020204" pitchFamily="34" charset="0"/>
+              <a:buChar char="•"/>
+              <a:defRPr sz="1200" kern="1200" baseline="0">
+                <a:solidFill>
+                  <a:schemeClr val="tx1"/>
+                </a:solidFill>
+                <a:effectLst/>
+                <a:latin typeface="+mn-lt"/>
+                <a:ea typeface="+mn-ea"/>
+                <a:cs typeface="+mn-cs"/>
+              </a:defRPr>
+            </a:lvl8pPr>
+            <a:lvl9pPr marL="3886200" indent="-228600" algn="l" defTabSz="914400" rtl="0" eaLnBrk="1" latinLnBrk="0" hangingPunct="1">
+              <a:lnSpc>
+                <a:spcPct val="120000"/>
+              </a:lnSpc>
+              <a:spcBef>
+                <a:spcPts val="500"/>
+              </a:spcBef>
+              <a:buClr>
+                <a:schemeClr val="accent1"/>
+              </a:buClr>
+              <a:buSzPct val="100000"/>
+              <a:buFont typeface="Arial" panose="020B0604020202020204" pitchFamily="34" charset="0"/>
+              <a:buChar char="•"/>
+              <a:defRPr sz="1200" kern="1200" baseline="0">
+                <a:solidFill>
+                  <a:schemeClr val="tx1"/>
+                </a:solidFill>
+                <a:effectLst/>
+                <a:latin typeface="+mn-lt"/>
+                <a:ea typeface="+mn-ea"/>
+                <a:cs typeface="+mn-cs"/>
+              </a:defRPr>
+            </a:lvl9pPr>
+          </a:lstStyle>
+          <a:p>
+            <a:r>
+              <a:rPr lang="en-US" dirty="0"/>
+              <a:t>“If I know this thing is coming, what do I expect to see before it” vs. ”If I know what happened before, what do I expect next.”</a:t>
             </a:r>
           </a:p>
         </p:txBody>
@@ -7124,7 +7463,7 @@
     </p:spTree>
     <p:extLst>
       <p:ext uri="{BB962C8B-B14F-4D97-AF65-F5344CB8AC3E}">
-        <p14:creationId xmlns:p14="http://schemas.microsoft.com/office/powerpoint/2010/main" val="2454114799"/>
+        <p14:creationId xmlns:p14="http://schemas.microsoft.com/office/powerpoint/2010/main" val="259955400"/>
       </p:ext>
     </p:extLst>
   </p:cSld>
@@ -7135,6 +7474,191 @@
 </file>
 
 <file path=ppt/slides/slide3.xml><?xml version="1.0" encoding="utf-8"?>
+<p:sld xmlns:a="http://schemas.openxmlformats.org/drawingml/2006/main" xmlns:r="http://schemas.openxmlformats.org/officeDocument/2006/relationships" xmlns:p="http://schemas.openxmlformats.org/presentationml/2006/main">
+  <p:cSld>
+    <p:bg>
+      <p:bgPr>
+        <a:gradFill rotWithShape="1">
+          <a:gsLst>
+            <a:gs pos="0">
+              <a:schemeClr val="bg2">
+                <a:tint val="94000"/>
+                <a:satMod val="80000"/>
+                <a:lumMod val="106000"/>
+              </a:schemeClr>
+            </a:gs>
+            <a:gs pos="100000">
+              <a:schemeClr val="bg2">
+                <a:shade val="80000"/>
+              </a:schemeClr>
+            </a:gs>
+          </a:gsLst>
+          <a:path path="circle">
+            <a:fillToRect l="43000" r="43000" b="100000"/>
+          </a:path>
+        </a:gradFill>
+        <a:effectLst/>
+      </p:bgPr>
+    </p:bg>
+    <p:spTree>
+      <p:nvGrpSpPr>
+        <p:cNvPr id="1" name=""/>
+        <p:cNvGrpSpPr/>
+        <p:nvPr/>
+      </p:nvGrpSpPr>
+      <p:grpSpPr>
+        <a:xfrm>
+          <a:off x="0" y="0"/>
+          <a:ext cx="0" cy="0"/>
+          <a:chOff x="0" y="0"/>
+          <a:chExt cx="0" cy="0"/>
+        </a:xfrm>
+      </p:grpSpPr>
+      <p:sp>
+        <p:nvSpPr>
+          <p:cNvPr id="2" name="Title 1">
+            <a:extLst>
+              <a:ext uri="{FF2B5EF4-FFF2-40B4-BE49-F238E27FC236}">
+                <a16:creationId xmlns:a16="http://schemas.microsoft.com/office/drawing/2014/main" id="{73D381DF-717A-5C44-9DCE-7C657A27216C}"/>
+              </a:ext>
+            </a:extLst>
+          </p:cNvPr>
+          <p:cNvSpPr>
+            <a:spLocks noGrp="1"/>
+          </p:cNvSpPr>
+          <p:nvPr>
+            <p:ph type="title"/>
+          </p:nvPr>
+        </p:nvSpPr>
+        <p:spPr>
+          <a:xfrm>
+            <a:off x="1451579" y="804519"/>
+            <a:ext cx="9603275" cy="1049235"/>
+          </a:xfrm>
+        </p:spPr>
+        <p:txBody>
+          <a:bodyPr>
+            <a:normAutofit/>
+          </a:bodyPr>
+          <a:lstStyle/>
+          <a:p>
+            <a:r>
+              <a:rPr lang="en-US" dirty="0"/>
+              <a:t>RNN Basics</a:t>
+            </a:r>
+          </a:p>
+        </p:txBody>
+      </p:sp>
+      <p:pic>
+        <p:nvPicPr>
+          <p:cNvPr id="6146" name="Picture 2" descr="An unrolled recurrent neural network.">
+            <a:extLst>
+              <a:ext uri="{FF2B5EF4-FFF2-40B4-BE49-F238E27FC236}">
+                <a16:creationId xmlns:a16="http://schemas.microsoft.com/office/drawing/2014/main" id="{C15FF1CC-DF05-7241-99BC-153BCF7E10FA}"/>
+              </a:ext>
+            </a:extLst>
+          </p:cNvPr>
+          <p:cNvPicPr>
+            <a:picLocks noChangeAspect="1" noChangeArrowheads="1"/>
+          </p:cNvPicPr>
+          <p:nvPr/>
+        </p:nvPicPr>
+        <p:blipFill>
+          <a:blip r:embed="rId2">
+            <a:extLst>
+              <a:ext uri="{28A0092B-C50C-407E-A947-70E740481C1C}">
+                <a14:useLocalDpi xmlns:a14="http://schemas.microsoft.com/office/drawing/2010/main" val="0"/>
+              </a:ext>
+            </a:extLst>
+          </a:blip>
+          <a:stretch>
+            <a:fillRect/>
+          </a:stretch>
+        </p:blipFill>
+        <p:spPr bwMode="auto">
+          <a:xfrm>
+            <a:off x="-3473" y="2708031"/>
+            <a:ext cx="6415495" cy="1684067"/>
+          </a:xfrm>
+          <a:prstGeom prst="rect">
+            <a:avLst/>
+          </a:prstGeom>
+          <a:noFill/>
+          <a:extLst>
+            <a:ext uri="{909E8E84-426E-40DD-AFC4-6F175D3DCCD1}">
+              <a14:hiddenFill xmlns:a14="http://schemas.microsoft.com/office/drawing/2010/main">
+                <a:solidFill>
+                  <a:srgbClr val="FFFFFF"/>
+                </a:solidFill>
+              </a14:hiddenFill>
+            </a:ext>
+          </a:extLst>
+        </p:spPr>
+      </p:pic>
+      <p:sp>
+        <p:nvSpPr>
+          <p:cNvPr id="3" name="Content Placeholder 2">
+            <a:extLst>
+              <a:ext uri="{FF2B5EF4-FFF2-40B4-BE49-F238E27FC236}">
+                <a16:creationId xmlns:a16="http://schemas.microsoft.com/office/drawing/2014/main" id="{7E4E162C-59E8-E448-98A2-CE217074E078}"/>
+              </a:ext>
+            </a:extLst>
+          </p:cNvPr>
+          <p:cNvSpPr>
+            <a:spLocks noGrp="1"/>
+          </p:cNvSpPr>
+          <p:nvPr>
+            <p:ph idx="1"/>
+          </p:nvPr>
+        </p:nvSpPr>
+        <p:spPr>
+          <a:xfrm>
+            <a:off x="6892299" y="2015734"/>
+            <a:ext cx="5299701" cy="3450613"/>
+          </a:xfrm>
+        </p:spPr>
+        <p:txBody>
+          <a:bodyPr>
+            <a:normAutofit/>
+          </a:bodyPr>
+          <a:lstStyle/>
+          <a:p>
+            <a:r>
+              <a:rPr lang="en-US" dirty="0"/>
+              <a:t>In looking at a CNN we saw a neural network that can deal with spatial relationships.</a:t>
+            </a:r>
+          </a:p>
+          <a:p>
+            <a:r>
+              <a:rPr lang="en-US" dirty="0"/>
+              <a:t>RNNs can handle temporal relationships – looking through time. </a:t>
+            </a:r>
+          </a:p>
+          <a:p>
+            <a:r>
+              <a:rPr lang="en-US" dirty="0"/>
+              <a:t>Time-series and text are well suited to this structure of model.</a:t>
+            </a:r>
+          </a:p>
+          <a:p>
+            <a:endParaRPr lang="en-US" dirty="0"/>
+          </a:p>
+        </p:txBody>
+      </p:sp>
+    </p:spTree>
+    <p:extLst>
+      <p:ext uri="{BB962C8B-B14F-4D97-AF65-F5344CB8AC3E}">
+        <p14:creationId xmlns:p14="http://schemas.microsoft.com/office/powerpoint/2010/main" val="2761745506"/>
+      </p:ext>
+    </p:extLst>
+  </p:cSld>
+  <p:clrMapOvr>
+    <a:masterClrMapping/>
+  </p:clrMapOvr>
+</p:sld>
+</file>
+
+<file path=ppt/slides/slide30.xml><?xml version="1.0" encoding="utf-8"?>
 <p:sld xmlns:a="http://schemas.openxmlformats.org/drawingml/2006/main" xmlns:r="http://schemas.openxmlformats.org/officeDocument/2006/relationships" xmlns:p="http://schemas.openxmlformats.org/presentationml/2006/main">
   <p:cSld>
     <p:spTree>
@@ -7156,6 +7680,1964 @@
           <p:cNvPr id="2" name="Title 1">
             <a:extLst>
               <a:ext uri="{FF2B5EF4-FFF2-40B4-BE49-F238E27FC236}">
+                <a16:creationId xmlns:a16="http://schemas.microsoft.com/office/drawing/2014/main" id="{E22104F4-7D39-6904-6E1C-6D5A6B2F42ED}"/>
+              </a:ext>
+            </a:extLst>
+          </p:cNvPr>
+          <p:cNvSpPr>
+            <a:spLocks noGrp="1"/>
+          </p:cNvSpPr>
+          <p:nvPr>
+            <p:ph type="title"/>
+          </p:nvPr>
+        </p:nvSpPr>
+        <p:spPr/>
+        <p:txBody>
+          <a:bodyPr/>
+          <a:lstStyle/>
+          <a:p>
+            <a:r>
+              <a:rPr lang="en-US" dirty="0"/>
+              <a:t>Building LSTM Data</a:t>
+            </a:r>
+          </a:p>
+        </p:txBody>
+      </p:sp>
+      <p:sp>
+        <p:nvSpPr>
+          <p:cNvPr id="3" name="Content Placeholder 2">
+            <a:extLst>
+              <a:ext uri="{FF2B5EF4-FFF2-40B4-BE49-F238E27FC236}">
+                <a16:creationId xmlns:a16="http://schemas.microsoft.com/office/drawing/2014/main" id="{21BDA7B0-F84E-F375-4A2A-0FD38E4162D7}"/>
+              </a:ext>
+            </a:extLst>
+          </p:cNvPr>
+          <p:cNvSpPr>
+            <a:spLocks noGrp="1"/>
+          </p:cNvSpPr>
+          <p:nvPr>
+            <p:ph idx="1"/>
+          </p:nvPr>
+        </p:nvSpPr>
+        <p:spPr/>
+        <p:txBody>
+          <a:bodyPr/>
+          <a:lstStyle/>
+          <a:p>
+            <a:endParaRPr lang="en-US"/>
+          </a:p>
+        </p:txBody>
+      </p:sp>
+      <p:pic>
+        <p:nvPicPr>
+          <p:cNvPr id="7170" name="Picture 2" descr="A schematic diagram of a 3D array for LSTM | Download Scientific Diagram">
+            <a:extLst>
+              <a:ext uri="{FF2B5EF4-FFF2-40B4-BE49-F238E27FC236}">
+                <a16:creationId xmlns:a16="http://schemas.microsoft.com/office/drawing/2014/main" id="{E58B50F4-628D-C125-C37D-2E52F0EE762F}"/>
+              </a:ext>
+            </a:extLst>
+          </p:cNvPr>
+          <p:cNvPicPr>
+            <a:picLocks noChangeAspect="1" noChangeArrowheads="1"/>
+          </p:cNvPicPr>
+          <p:nvPr/>
+        </p:nvPicPr>
+        <p:blipFill>
+          <a:blip r:embed="rId2">
+            <a:extLst>
+              <a:ext uri="{28A0092B-C50C-407E-A947-70E740481C1C}">
+                <a14:useLocalDpi xmlns:a14="http://schemas.microsoft.com/office/drawing/2010/main" val="0"/>
+              </a:ext>
+            </a:extLst>
+          </a:blip>
+          <a:srcRect/>
+          <a:stretch>
+            <a:fillRect/>
+          </a:stretch>
+        </p:blipFill>
+        <p:spPr bwMode="auto">
+          <a:xfrm>
+            <a:off x="698500" y="2015732"/>
+            <a:ext cx="10795000" cy="4737100"/>
+          </a:xfrm>
+          <a:prstGeom prst="rect">
+            <a:avLst/>
+          </a:prstGeom>
+          <a:noFill/>
+          <a:extLst>
+            <a:ext uri="{909E8E84-426E-40DD-AFC4-6F175D3DCCD1}">
+              <a14:hiddenFill xmlns:a14="http://schemas.microsoft.com/office/drawing/2010/main">
+                <a:solidFill>
+                  <a:srgbClr val="FFFFFF"/>
+                </a:solidFill>
+              </a14:hiddenFill>
+            </a:ext>
+          </a:extLst>
+        </p:spPr>
+      </p:pic>
+    </p:spTree>
+    <p:extLst>
+      <p:ext uri="{BB962C8B-B14F-4D97-AF65-F5344CB8AC3E}">
+        <p14:creationId xmlns:p14="http://schemas.microsoft.com/office/powerpoint/2010/main" val="3582464879"/>
+      </p:ext>
+    </p:extLst>
+  </p:cSld>
+  <p:clrMapOvr>
+    <a:masterClrMapping/>
+  </p:clrMapOvr>
+</p:sld>
+</file>
+
+<file path=ppt/slides/slide31.xml><?xml version="1.0" encoding="utf-8"?>
+<p:sld xmlns:a="http://schemas.openxmlformats.org/drawingml/2006/main" xmlns:r="http://schemas.openxmlformats.org/officeDocument/2006/relationships" xmlns:p="http://schemas.openxmlformats.org/presentationml/2006/main">
+  <p:cSld>
+    <p:spTree>
+      <p:nvGrpSpPr>
+        <p:cNvPr id="1" name=""/>
+        <p:cNvGrpSpPr/>
+        <p:nvPr/>
+      </p:nvGrpSpPr>
+      <p:grpSpPr>
+        <a:xfrm>
+          <a:off x="0" y="0"/>
+          <a:ext cx="0" cy="0"/>
+          <a:chOff x="0" y="0"/>
+          <a:chExt cx="0" cy="0"/>
+        </a:xfrm>
+      </p:grpSpPr>
+      <p:sp>
+        <p:nvSpPr>
+          <p:cNvPr id="2" name="Title 1">
+            <a:extLst>
+              <a:ext uri="{FF2B5EF4-FFF2-40B4-BE49-F238E27FC236}">
+                <a16:creationId xmlns:a16="http://schemas.microsoft.com/office/drawing/2014/main" id="{01B0476E-305A-DD3F-E0F9-DE354438E6DA}"/>
+              </a:ext>
+            </a:extLst>
+          </p:cNvPr>
+          <p:cNvSpPr>
+            <a:spLocks noGrp="1"/>
+          </p:cNvSpPr>
+          <p:nvPr>
+            <p:ph type="title"/>
+          </p:nvPr>
+        </p:nvSpPr>
+        <p:spPr/>
+        <p:txBody>
+          <a:bodyPr/>
+          <a:lstStyle/>
+          <a:p>
+            <a:r>
+              <a:rPr lang="en-US" dirty="0"/>
+              <a:t>LSTM Data</a:t>
+            </a:r>
+          </a:p>
+        </p:txBody>
+      </p:sp>
+      <p:sp>
+        <p:nvSpPr>
+          <p:cNvPr id="3" name="Content Placeholder 2">
+            <a:extLst>
+              <a:ext uri="{FF2B5EF4-FFF2-40B4-BE49-F238E27FC236}">
+                <a16:creationId xmlns:a16="http://schemas.microsoft.com/office/drawing/2014/main" id="{07A3367A-475E-EF51-2887-DB0E810709A1}"/>
+              </a:ext>
+            </a:extLst>
+          </p:cNvPr>
+          <p:cNvSpPr>
+            <a:spLocks noGrp="1"/>
+          </p:cNvSpPr>
+          <p:nvPr>
+            <p:ph idx="1"/>
+          </p:nvPr>
+        </p:nvSpPr>
+        <p:spPr>
+          <a:xfrm>
+            <a:off x="146305" y="1853754"/>
+            <a:ext cx="10908550" cy="4199728"/>
+          </a:xfrm>
+        </p:spPr>
+        <p:txBody>
+          <a:bodyPr/>
+          <a:lstStyle/>
+          <a:p>
+            <a:r>
+              <a:rPr lang="en-US" dirty="0"/>
+              <a:t>Using an LSTM model requires that we deal with some complex shapes in our data. </a:t>
+            </a:r>
+          </a:p>
+          <a:p>
+            <a:pPr lvl="1"/>
+            <a:r>
+              <a:rPr lang="en-US" dirty="0"/>
+              <a:t>Using “normal models”, each instance is one row of data. </a:t>
+            </a:r>
+          </a:p>
+          <a:p>
+            <a:pPr lvl="1"/>
+            <a:r>
+              <a:rPr lang="en-US" dirty="0"/>
+              <a:t>In an LSTM, each instance contains several past features and several future inputs. </a:t>
+            </a:r>
+          </a:p>
+          <a:p>
+            <a:r>
+              <a:rPr lang="en-US" dirty="0"/>
+              <a:t>The shape of the data going into the model will generally be:</a:t>
+            </a:r>
+          </a:p>
+          <a:p>
+            <a:pPr lvl="1"/>
+            <a:r>
+              <a:rPr lang="en-US" dirty="0"/>
+              <a:t>X data - (</a:t>
+            </a:r>
+            <a:r>
+              <a:rPr lang="en-US" dirty="0" err="1"/>
+              <a:t>Batch_size</a:t>
+            </a:r>
+            <a:r>
+              <a:rPr lang="en-US" dirty="0"/>
+              <a:t>, </a:t>
+            </a:r>
+            <a:r>
+              <a:rPr lang="en-US" dirty="0" err="1"/>
+              <a:t>length_of_lookback</a:t>
+            </a:r>
+            <a:r>
+              <a:rPr lang="en-US" dirty="0"/>
+              <a:t>, </a:t>
+            </a:r>
+            <a:r>
+              <a:rPr lang="en-US" dirty="0" err="1"/>
+              <a:t>number_of_features</a:t>
+            </a:r>
+            <a:r>
+              <a:rPr lang="en-US" dirty="0"/>
+              <a:t>). </a:t>
+            </a:r>
+          </a:p>
+          <a:p>
+            <a:pPr lvl="1"/>
+            <a:r>
+              <a:rPr lang="en-US" dirty="0"/>
+              <a:t>Y data – number of predictions ahead. </a:t>
+            </a:r>
+          </a:p>
+          <a:p>
+            <a:r>
+              <a:rPr lang="en-US" dirty="0"/>
+              <a:t>For most data, we’ll need to construct a dataset to look like this. </a:t>
+            </a:r>
+          </a:p>
+          <a:p>
+            <a:pPr lvl="1"/>
+            <a:r>
+              <a:rPr lang="en-US" dirty="0"/>
+              <a:t>We’ll probably need a function to take our data, loop through the rows, and assemble all values from different rows into multi-dimensional data for us. </a:t>
+            </a:r>
+          </a:p>
+          <a:p>
+            <a:r>
+              <a:rPr lang="en-US" dirty="0"/>
+              <a:t>This can be a bit annoying and easy to make a mistake on – be careful. </a:t>
+            </a:r>
+          </a:p>
+        </p:txBody>
+      </p:sp>
+      <p:pic>
+        <p:nvPicPr>
+          <p:cNvPr id="4" name="Picture 3">
+            <a:extLst>
+              <a:ext uri="{FF2B5EF4-FFF2-40B4-BE49-F238E27FC236}">
+                <a16:creationId xmlns:a16="http://schemas.microsoft.com/office/drawing/2014/main" id="{71AAD8F2-03BE-BF7E-01CB-747D955602BF}"/>
+              </a:ext>
+            </a:extLst>
+          </p:cNvPr>
+          <p:cNvPicPr>
+            <a:picLocks noChangeAspect="1"/>
+          </p:cNvPicPr>
+          <p:nvPr/>
+        </p:nvPicPr>
+        <p:blipFill>
+          <a:blip r:embed="rId2"/>
+          <a:stretch>
+            <a:fillRect/>
+          </a:stretch>
+        </p:blipFill>
+        <p:spPr>
+          <a:xfrm>
+            <a:off x="8585628" y="2450592"/>
+            <a:ext cx="3606372" cy="2389632"/>
+          </a:xfrm>
+          <a:prstGeom prst="rect">
+            <a:avLst/>
+          </a:prstGeom>
+        </p:spPr>
+      </p:pic>
+    </p:spTree>
+    <p:extLst>
+      <p:ext uri="{BB962C8B-B14F-4D97-AF65-F5344CB8AC3E}">
+        <p14:creationId xmlns:p14="http://schemas.microsoft.com/office/powerpoint/2010/main" val="4152605430"/>
+      </p:ext>
+    </p:extLst>
+  </p:cSld>
+  <p:clrMapOvr>
+    <a:masterClrMapping/>
+  </p:clrMapOvr>
+</p:sld>
+</file>
+
+<file path=ppt/slides/slide32.xml><?xml version="1.0" encoding="utf-8"?>
+<p:sld xmlns:a="http://schemas.openxmlformats.org/drawingml/2006/main" xmlns:r="http://schemas.openxmlformats.org/officeDocument/2006/relationships" xmlns:p="http://schemas.openxmlformats.org/presentationml/2006/main">
+  <p:cSld>
+    <p:spTree>
+      <p:nvGrpSpPr>
+        <p:cNvPr id="1" name=""/>
+        <p:cNvGrpSpPr/>
+        <p:nvPr/>
+      </p:nvGrpSpPr>
+      <p:grpSpPr>
+        <a:xfrm>
+          <a:off x="0" y="0"/>
+          <a:ext cx="0" cy="0"/>
+          <a:chOff x="0" y="0"/>
+          <a:chExt cx="0" cy="0"/>
+        </a:xfrm>
+      </p:grpSpPr>
+      <p:sp>
+        <p:nvSpPr>
+          <p:cNvPr id="2" name="Title 1">
+            <a:extLst>
+              <a:ext uri="{FF2B5EF4-FFF2-40B4-BE49-F238E27FC236}">
+                <a16:creationId xmlns:a16="http://schemas.microsoft.com/office/drawing/2014/main" id="{48427187-82E3-75C6-62F7-C45EE7E597E8}"/>
+              </a:ext>
+            </a:extLst>
+          </p:cNvPr>
+          <p:cNvSpPr>
+            <a:spLocks noGrp="1"/>
+          </p:cNvSpPr>
+          <p:nvPr>
+            <p:ph type="title"/>
+          </p:nvPr>
+        </p:nvSpPr>
+        <p:spPr/>
+        <p:txBody>
+          <a:bodyPr/>
+          <a:lstStyle/>
+          <a:p>
+            <a:endParaRPr lang="en-US"/>
+          </a:p>
+        </p:txBody>
+      </p:sp>
+      <p:sp>
+        <p:nvSpPr>
+          <p:cNvPr id="3" name="Content Placeholder 2">
+            <a:extLst>
+              <a:ext uri="{FF2B5EF4-FFF2-40B4-BE49-F238E27FC236}">
+                <a16:creationId xmlns:a16="http://schemas.microsoft.com/office/drawing/2014/main" id="{894BAB4C-C3A4-7859-C9BE-F7DA0B3EB2BD}"/>
+              </a:ext>
+            </a:extLst>
+          </p:cNvPr>
+          <p:cNvSpPr>
+            <a:spLocks noGrp="1"/>
+          </p:cNvSpPr>
+          <p:nvPr>
+            <p:ph idx="1"/>
+          </p:nvPr>
+        </p:nvSpPr>
+        <p:spPr/>
+        <p:txBody>
+          <a:bodyPr/>
+          <a:lstStyle/>
+          <a:p>
+            <a:endParaRPr lang="en-US"/>
+          </a:p>
+        </p:txBody>
+      </p:sp>
+      <p:pic>
+        <p:nvPicPr>
+          <p:cNvPr id="4098" name="Picture 2" descr="Using Recurrent Neural Networks in DL4J - Deeplearning4j: Open-source,  Distributed Deep Learning for the JVM">
+            <a:extLst>
+              <a:ext uri="{FF2B5EF4-FFF2-40B4-BE49-F238E27FC236}">
+                <a16:creationId xmlns:a16="http://schemas.microsoft.com/office/drawing/2014/main" id="{95D2A691-A70A-5847-D5CE-88AA544C4E0D}"/>
+              </a:ext>
+            </a:extLst>
+          </p:cNvPr>
+          <p:cNvPicPr>
+            <a:picLocks noChangeAspect="1" noChangeArrowheads="1"/>
+          </p:cNvPicPr>
+          <p:nvPr/>
+        </p:nvPicPr>
+        <p:blipFill>
+          <a:blip r:embed="rId2">
+            <a:extLst>
+              <a:ext uri="{28A0092B-C50C-407E-A947-70E740481C1C}">
+                <a14:useLocalDpi xmlns:a14="http://schemas.microsoft.com/office/drawing/2010/main" val="0"/>
+              </a:ext>
+            </a:extLst>
+          </a:blip>
+          <a:srcRect/>
+          <a:stretch>
+            <a:fillRect/>
+          </a:stretch>
+        </p:blipFill>
+        <p:spPr bwMode="auto">
+          <a:xfrm>
+            <a:off x="42619" y="417443"/>
+            <a:ext cx="12146718" cy="6042992"/>
+          </a:xfrm>
+          <a:prstGeom prst="rect">
+            <a:avLst/>
+          </a:prstGeom>
+          <a:noFill/>
+          <a:extLst>
+            <a:ext uri="{909E8E84-426E-40DD-AFC4-6F175D3DCCD1}">
+              <a14:hiddenFill xmlns:a14="http://schemas.microsoft.com/office/drawing/2010/main">
+                <a:solidFill>
+                  <a:srgbClr val="FFFFFF"/>
+                </a:solidFill>
+              </a14:hiddenFill>
+            </a:ext>
+          </a:extLst>
+        </p:spPr>
+      </p:pic>
+    </p:spTree>
+    <p:extLst>
+      <p:ext uri="{BB962C8B-B14F-4D97-AF65-F5344CB8AC3E}">
+        <p14:creationId xmlns:p14="http://schemas.microsoft.com/office/powerpoint/2010/main" val="3529324004"/>
+      </p:ext>
+    </p:extLst>
+  </p:cSld>
+  <p:clrMapOvr>
+    <a:masterClrMapping/>
+  </p:clrMapOvr>
+</p:sld>
+</file>
+
+<file path=ppt/slides/slide33.xml><?xml version="1.0" encoding="utf-8"?>
+<p:sld xmlns:a="http://schemas.openxmlformats.org/drawingml/2006/main" xmlns:r="http://schemas.openxmlformats.org/officeDocument/2006/relationships" xmlns:p="http://schemas.openxmlformats.org/presentationml/2006/main" show="0">
+  <p:cSld>
+    <p:spTree>
+      <p:nvGrpSpPr>
+        <p:cNvPr id="1" name=""/>
+        <p:cNvGrpSpPr/>
+        <p:nvPr/>
+      </p:nvGrpSpPr>
+      <p:grpSpPr>
+        <a:xfrm>
+          <a:off x="0" y="0"/>
+          <a:ext cx="0" cy="0"/>
+          <a:chOff x="0" y="0"/>
+          <a:chExt cx="0" cy="0"/>
+        </a:xfrm>
+      </p:grpSpPr>
+      <p:sp>
+        <p:nvSpPr>
+          <p:cNvPr id="2" name="Title 1">
+            <a:extLst>
+              <a:ext uri="{FF2B5EF4-FFF2-40B4-BE49-F238E27FC236}">
+                <a16:creationId xmlns:a16="http://schemas.microsoft.com/office/drawing/2014/main" id="{A332A7A8-F413-FD2C-185E-9B0663671132}"/>
+              </a:ext>
+            </a:extLst>
+          </p:cNvPr>
+          <p:cNvSpPr>
+            <a:spLocks noGrp="1"/>
+          </p:cNvSpPr>
+          <p:nvPr>
+            <p:ph type="title"/>
+          </p:nvPr>
+        </p:nvSpPr>
+        <p:spPr/>
+        <p:txBody>
+          <a:bodyPr/>
+          <a:lstStyle/>
+          <a:p>
+            <a:endParaRPr lang="en-US"/>
+          </a:p>
+        </p:txBody>
+      </p:sp>
+      <p:sp>
+        <p:nvSpPr>
+          <p:cNvPr id="3" name="Content Placeholder 2">
+            <a:extLst>
+              <a:ext uri="{FF2B5EF4-FFF2-40B4-BE49-F238E27FC236}">
+                <a16:creationId xmlns:a16="http://schemas.microsoft.com/office/drawing/2014/main" id="{591F4518-83BA-3072-0EDD-B7EC0EAC71BF}"/>
+              </a:ext>
+            </a:extLst>
+          </p:cNvPr>
+          <p:cNvSpPr>
+            <a:spLocks noGrp="1"/>
+          </p:cNvSpPr>
+          <p:nvPr>
+            <p:ph idx="1"/>
+          </p:nvPr>
+        </p:nvSpPr>
+        <p:spPr/>
+        <p:txBody>
+          <a:bodyPr/>
+          <a:lstStyle/>
+          <a:p>
+            <a:endParaRPr lang="en-US"/>
+          </a:p>
+        </p:txBody>
+      </p:sp>
+      <p:pic>
+        <p:nvPicPr>
+          <p:cNvPr id="5122" name="Picture 2" descr="LSTM 의 Input Shape정리 | HK Playground">
+            <a:extLst>
+              <a:ext uri="{FF2B5EF4-FFF2-40B4-BE49-F238E27FC236}">
+                <a16:creationId xmlns:a16="http://schemas.microsoft.com/office/drawing/2014/main" id="{FC2573BC-F6CC-4D53-56B4-EB623D5297D9}"/>
+              </a:ext>
+            </a:extLst>
+          </p:cNvPr>
+          <p:cNvPicPr>
+            <a:picLocks noChangeAspect="1" noChangeArrowheads="1"/>
+          </p:cNvPicPr>
+          <p:nvPr/>
+        </p:nvPicPr>
+        <p:blipFill>
+          <a:blip r:embed="rId2">
+            <a:extLst>
+              <a:ext uri="{28A0092B-C50C-407E-A947-70E740481C1C}">
+                <a14:useLocalDpi xmlns:a14="http://schemas.microsoft.com/office/drawing/2010/main" val="0"/>
+              </a:ext>
+            </a:extLst>
+          </a:blip>
+          <a:srcRect/>
+          <a:stretch>
+            <a:fillRect/>
+          </a:stretch>
+        </p:blipFill>
+        <p:spPr bwMode="auto">
+          <a:xfrm>
+            <a:off x="1520825" y="0"/>
+            <a:ext cx="9148763" cy="6858000"/>
+          </a:xfrm>
+          <a:prstGeom prst="rect">
+            <a:avLst/>
+          </a:prstGeom>
+          <a:noFill/>
+          <a:extLst>
+            <a:ext uri="{909E8E84-426E-40DD-AFC4-6F175D3DCCD1}">
+              <a14:hiddenFill xmlns:a14="http://schemas.microsoft.com/office/drawing/2010/main">
+                <a:solidFill>
+                  <a:srgbClr val="FFFFFF"/>
+                </a:solidFill>
+              </a14:hiddenFill>
+            </a:ext>
+          </a:extLst>
+        </p:spPr>
+      </p:pic>
+    </p:spTree>
+    <p:extLst>
+      <p:ext uri="{BB962C8B-B14F-4D97-AF65-F5344CB8AC3E}">
+        <p14:creationId xmlns:p14="http://schemas.microsoft.com/office/powerpoint/2010/main" val="3473695901"/>
+      </p:ext>
+    </p:extLst>
+  </p:cSld>
+  <p:clrMapOvr>
+    <a:masterClrMapping/>
+  </p:clrMapOvr>
+</p:sld>
+</file>
+
+<file path=ppt/slides/slide34.xml><?xml version="1.0" encoding="utf-8"?>
+<p:sld xmlns:a="http://schemas.openxmlformats.org/drawingml/2006/main" xmlns:r="http://schemas.openxmlformats.org/officeDocument/2006/relationships" xmlns:p="http://schemas.openxmlformats.org/presentationml/2006/main">
+  <p:cSld>
+    <p:spTree>
+      <p:nvGrpSpPr>
+        <p:cNvPr id="1" name=""/>
+        <p:cNvGrpSpPr/>
+        <p:nvPr/>
+      </p:nvGrpSpPr>
+      <p:grpSpPr>
+        <a:xfrm>
+          <a:off x="0" y="0"/>
+          <a:ext cx="0" cy="0"/>
+          <a:chOff x="0" y="0"/>
+          <a:chExt cx="0" cy="0"/>
+        </a:xfrm>
+      </p:grpSpPr>
+      <p:sp>
+        <p:nvSpPr>
+          <p:cNvPr id="2" name="Title 1">
+            <a:extLst>
+              <a:ext uri="{FF2B5EF4-FFF2-40B4-BE49-F238E27FC236}">
+                <a16:creationId xmlns:a16="http://schemas.microsoft.com/office/drawing/2014/main" id="{DB49D556-F036-B311-60DD-F83B2706C5DA}"/>
+              </a:ext>
+            </a:extLst>
+          </p:cNvPr>
+          <p:cNvSpPr>
+            <a:spLocks noGrp="1"/>
+          </p:cNvSpPr>
+          <p:nvPr>
+            <p:ph type="title"/>
+          </p:nvPr>
+        </p:nvSpPr>
+        <p:spPr/>
+        <p:txBody>
+          <a:bodyPr/>
+          <a:lstStyle/>
+          <a:p>
+            <a:r>
+              <a:rPr lang="en-US" dirty="0"/>
+              <a:t>Time Series Data</a:t>
+            </a:r>
+          </a:p>
+        </p:txBody>
+      </p:sp>
+      <p:sp>
+        <p:nvSpPr>
+          <p:cNvPr id="3" name="Content Placeholder 2">
+            <a:extLst>
+              <a:ext uri="{FF2B5EF4-FFF2-40B4-BE49-F238E27FC236}">
+                <a16:creationId xmlns:a16="http://schemas.microsoft.com/office/drawing/2014/main" id="{E9B21334-32FB-2909-3380-59BE2D351E1E}"/>
+              </a:ext>
+            </a:extLst>
+          </p:cNvPr>
+          <p:cNvSpPr>
+            <a:spLocks noGrp="1"/>
+          </p:cNvSpPr>
+          <p:nvPr>
+            <p:ph idx="1"/>
+          </p:nvPr>
+        </p:nvSpPr>
+        <p:spPr>
+          <a:xfrm>
+            <a:off x="1451579" y="1853754"/>
+            <a:ext cx="9603275" cy="4199727"/>
+          </a:xfrm>
+        </p:spPr>
+        <p:txBody>
+          <a:bodyPr/>
+          <a:lstStyle/>
+          <a:p>
+            <a:r>
+              <a:rPr lang="en-US" dirty="0"/>
+              <a:t>Data usually needs to be reshaped to be useful. </a:t>
+            </a:r>
+          </a:p>
+          <a:p>
+            <a:r>
+              <a:rPr lang="en-US" dirty="0"/>
+              <a:t>The shape of our output can differ here.</a:t>
+            </a:r>
+          </a:p>
+          <a:p>
+            <a:pPr lvl="1"/>
+            <a:r>
+              <a:rPr lang="en-US" dirty="0"/>
+              <a:t>One node is the next prediction – the next day/week/year </a:t>
+            </a:r>
+            <a:r>
+              <a:rPr lang="en-US" dirty="0" err="1"/>
+              <a:t>etc</a:t>
+            </a:r>
+            <a:r>
+              <a:rPr lang="en-US" dirty="0"/>
+              <a:t>…</a:t>
+            </a:r>
+          </a:p>
+          <a:p>
+            <a:pPr lvl="1"/>
+            <a:r>
+              <a:rPr lang="en-US" dirty="0"/>
+              <a:t>We can create a multiple node output for several predictions at once. </a:t>
+            </a:r>
+          </a:p>
+          <a:p>
+            <a:r>
+              <a:rPr lang="en-US" dirty="0"/>
+              <a:t>I’d generally recommend deciding the data size and making a function to construct it from your data – if you have changes, set things like #records to be parameters. </a:t>
+            </a:r>
+          </a:p>
+          <a:p>
+            <a:pPr lvl="1"/>
+            <a:r>
+              <a:rPr lang="en-US" dirty="0"/>
+              <a:t>Keep it as a separate goal form the modelling bits, and check it independently. </a:t>
+            </a:r>
+          </a:p>
+          <a:p>
+            <a:r>
+              <a:rPr lang="en-US" dirty="0"/>
+              <a:t>Note: there are functions to create datasets from time data in </a:t>
+            </a:r>
+            <a:r>
+              <a:rPr lang="en-US" dirty="0" err="1"/>
+              <a:t>tf</a:t>
+            </a:r>
+            <a:r>
+              <a:rPr lang="en-US" dirty="0"/>
+              <a:t>/</a:t>
+            </a:r>
+            <a:r>
+              <a:rPr lang="en-US" dirty="0" err="1"/>
+              <a:t>keras</a:t>
+            </a:r>
+            <a:r>
+              <a:rPr lang="en-US" dirty="0"/>
+              <a:t>, the examples mostly do it by hand so we can see the details. This is easy to make a mistake on. </a:t>
+            </a:r>
+          </a:p>
+        </p:txBody>
+      </p:sp>
+    </p:spTree>
+    <p:extLst>
+      <p:ext uri="{BB962C8B-B14F-4D97-AF65-F5344CB8AC3E}">
+        <p14:creationId xmlns:p14="http://schemas.microsoft.com/office/powerpoint/2010/main" val="2896251576"/>
+      </p:ext>
+    </p:extLst>
+  </p:cSld>
+  <p:clrMapOvr>
+    <a:masterClrMapping/>
+  </p:clrMapOvr>
+</p:sld>
+</file>
+
+<file path=ppt/slides/slide35.xml><?xml version="1.0" encoding="utf-8"?>
+<p:sld xmlns:a="http://schemas.openxmlformats.org/drawingml/2006/main" xmlns:r="http://schemas.openxmlformats.org/officeDocument/2006/relationships" xmlns:p="http://schemas.openxmlformats.org/presentationml/2006/main">
+  <p:cSld>
+    <p:spTree>
+      <p:nvGrpSpPr>
+        <p:cNvPr id="1" name=""/>
+        <p:cNvGrpSpPr/>
+        <p:nvPr/>
+      </p:nvGrpSpPr>
+      <p:grpSpPr>
+        <a:xfrm>
+          <a:off x="0" y="0"/>
+          <a:ext cx="0" cy="0"/>
+          <a:chOff x="0" y="0"/>
+          <a:chExt cx="0" cy="0"/>
+        </a:xfrm>
+      </p:grpSpPr>
+      <p:sp>
+        <p:nvSpPr>
+          <p:cNvPr id="2" name="Title 1">
+            <a:extLst>
+              <a:ext uri="{FF2B5EF4-FFF2-40B4-BE49-F238E27FC236}">
+                <a16:creationId xmlns:a16="http://schemas.microsoft.com/office/drawing/2014/main" id="{12DD7079-E5A6-8B4B-2E3A-6A256485AE3A}"/>
+              </a:ext>
+            </a:extLst>
+          </p:cNvPr>
+          <p:cNvSpPr>
+            <a:spLocks noGrp="1"/>
+          </p:cNvSpPr>
+          <p:nvPr>
+            <p:ph type="title"/>
+          </p:nvPr>
+        </p:nvSpPr>
+        <p:spPr/>
+        <p:txBody>
+          <a:bodyPr/>
+          <a:lstStyle/>
+          <a:p>
+            <a:r>
+              <a:rPr lang="en-US" dirty="0"/>
+              <a:t>LSTM in </a:t>
+            </a:r>
+            <a:r>
+              <a:rPr lang="en-US" dirty="0" err="1"/>
+              <a:t>Keras</a:t>
+            </a:r>
+            <a:endParaRPr lang="en-US" dirty="0"/>
+          </a:p>
+        </p:txBody>
+      </p:sp>
+      <p:sp>
+        <p:nvSpPr>
+          <p:cNvPr id="3" name="Content Placeholder 2">
+            <a:extLst>
+              <a:ext uri="{FF2B5EF4-FFF2-40B4-BE49-F238E27FC236}">
+                <a16:creationId xmlns:a16="http://schemas.microsoft.com/office/drawing/2014/main" id="{726A5917-F007-5AAD-8DC6-F1C390315EF7}"/>
+              </a:ext>
+            </a:extLst>
+          </p:cNvPr>
+          <p:cNvSpPr>
+            <a:spLocks noGrp="1"/>
+          </p:cNvSpPr>
+          <p:nvPr>
+            <p:ph idx="1"/>
+          </p:nvPr>
+        </p:nvSpPr>
+        <p:spPr>
+          <a:xfrm>
+            <a:off x="1451579" y="1853754"/>
+            <a:ext cx="9603275" cy="4199727"/>
+          </a:xfrm>
+        </p:spPr>
+        <p:txBody>
+          <a:bodyPr/>
+          <a:lstStyle/>
+          <a:p>
+            <a:r>
+              <a:rPr lang="en-US" dirty="0"/>
+              <a:t>LSTM (or RNN) layers can be added just like any other layer. </a:t>
+            </a:r>
+          </a:p>
+          <a:p>
+            <a:pPr lvl="1"/>
+            <a:r>
+              <a:rPr lang="en-US" dirty="0"/>
+              <a:t>The nodes param is roughly like the filters in a CNN model – layers have many. </a:t>
+            </a:r>
+          </a:p>
+          <a:p>
+            <a:r>
+              <a:rPr lang="en-US" dirty="0"/>
+              <a:t>When there’s more than one LSTM layer, we need to enable ‘</a:t>
+            </a:r>
+            <a:r>
+              <a:rPr lang="en-US" dirty="0" err="1"/>
+              <a:t>return_sequences</a:t>
+            </a:r>
+            <a:r>
+              <a:rPr lang="en-US" dirty="0"/>
+              <a:t>’. </a:t>
+            </a:r>
+          </a:p>
+          <a:p>
+            <a:r>
+              <a:rPr lang="en-US" dirty="0"/>
+              <a:t>The output layer normally has one node per prediction, no activation. </a:t>
+            </a:r>
+          </a:p>
+          <a:p>
+            <a:r>
+              <a:rPr lang="en-US" dirty="0"/>
+              <a:t>Making multiple predictions into the future is one place where custom loss is useful. </a:t>
+            </a:r>
+          </a:p>
+          <a:p>
+            <a:pPr lvl="1"/>
+            <a:r>
+              <a:rPr lang="en-US" dirty="0"/>
+              <a:t>Could weight the value of errors for the next prediction vs the one 10 instances later. </a:t>
+            </a:r>
+          </a:p>
+          <a:p>
+            <a:pPr lvl="1"/>
+            <a:r>
+              <a:rPr lang="en-US" dirty="0"/>
+              <a:t>Differing considerations could make accuracy at different time steps matter more. </a:t>
+            </a:r>
+          </a:p>
+          <a:p>
+            <a:r>
+              <a:rPr lang="en-US" dirty="0"/>
+              <a:t>LSTM layers are often/usually paired with a dropout (and/or regular regularization). </a:t>
+            </a:r>
+          </a:p>
+          <a:p>
+            <a:pPr lvl="1"/>
+            <a:r>
+              <a:rPr lang="en-US" dirty="0"/>
+              <a:t>We can add it as a parameter to the layer directly. </a:t>
+            </a:r>
+          </a:p>
+          <a:p>
+            <a:endParaRPr lang="en-US" dirty="0"/>
+          </a:p>
+        </p:txBody>
+      </p:sp>
+    </p:spTree>
+    <p:extLst>
+      <p:ext uri="{BB962C8B-B14F-4D97-AF65-F5344CB8AC3E}">
+        <p14:creationId xmlns:p14="http://schemas.microsoft.com/office/powerpoint/2010/main" val="2048138297"/>
+      </p:ext>
+    </p:extLst>
+  </p:cSld>
+  <p:clrMapOvr>
+    <a:masterClrMapping/>
+  </p:clrMapOvr>
+</p:sld>
+</file>
+
+<file path=ppt/slides/slide36.xml><?xml version="1.0" encoding="utf-8"?>
+<p:sld xmlns:a="http://schemas.openxmlformats.org/drawingml/2006/main" xmlns:r="http://schemas.openxmlformats.org/officeDocument/2006/relationships" xmlns:p="http://schemas.openxmlformats.org/presentationml/2006/main">
+  <p:cSld>
+    <p:spTree>
+      <p:nvGrpSpPr>
+        <p:cNvPr id="1" name=""/>
+        <p:cNvGrpSpPr/>
+        <p:nvPr/>
+      </p:nvGrpSpPr>
+      <p:grpSpPr>
+        <a:xfrm>
+          <a:off x="0" y="0"/>
+          <a:ext cx="0" cy="0"/>
+          <a:chOff x="0" y="0"/>
+          <a:chExt cx="0" cy="0"/>
+        </a:xfrm>
+      </p:grpSpPr>
+      <p:sp>
+        <p:nvSpPr>
+          <p:cNvPr id="2" name="Title 1">
+            <a:extLst>
+              <a:ext uri="{FF2B5EF4-FFF2-40B4-BE49-F238E27FC236}">
+                <a16:creationId xmlns:a16="http://schemas.microsoft.com/office/drawing/2014/main" id="{B513A983-1BC8-44D9-F818-1A4BB2795E1D}"/>
+              </a:ext>
+            </a:extLst>
+          </p:cNvPr>
+          <p:cNvSpPr>
+            <a:spLocks noGrp="1"/>
+          </p:cNvSpPr>
+          <p:nvPr>
+            <p:ph type="title"/>
+          </p:nvPr>
+        </p:nvSpPr>
+        <p:spPr/>
+        <p:txBody>
+          <a:bodyPr/>
+          <a:lstStyle/>
+          <a:p>
+            <a:r>
+              <a:rPr lang="en-US" dirty="0"/>
+              <a:t>Tuning LSTM Models</a:t>
+            </a:r>
+          </a:p>
+        </p:txBody>
+      </p:sp>
+      <p:sp>
+        <p:nvSpPr>
+          <p:cNvPr id="3" name="Content Placeholder 2">
+            <a:extLst>
+              <a:ext uri="{FF2B5EF4-FFF2-40B4-BE49-F238E27FC236}">
+                <a16:creationId xmlns:a16="http://schemas.microsoft.com/office/drawing/2014/main" id="{F3E514EB-A4D9-7797-8DF4-F086374E3729}"/>
+              </a:ext>
+            </a:extLst>
+          </p:cNvPr>
+          <p:cNvSpPr>
+            <a:spLocks noGrp="1"/>
+          </p:cNvSpPr>
+          <p:nvPr>
+            <p:ph idx="1"/>
+          </p:nvPr>
+        </p:nvSpPr>
+        <p:spPr>
+          <a:xfrm>
+            <a:off x="1451579" y="1853754"/>
+            <a:ext cx="9603275" cy="4199727"/>
+          </a:xfrm>
+        </p:spPr>
+        <p:txBody>
+          <a:bodyPr/>
+          <a:lstStyle/>
+          <a:p>
+            <a:r>
+              <a:rPr lang="en-US" dirty="0"/>
+              <a:t>Like other models, we generally want to have a larger model for a larger problem. </a:t>
+            </a:r>
+          </a:p>
+          <a:p>
+            <a:pPr lvl="1"/>
+            <a:r>
+              <a:rPr lang="en-US" dirty="0"/>
+              <a:t>Estimate - Units = samples in training data / ((# input neurons + # output neurons) * alpha)</a:t>
+            </a:r>
+          </a:p>
+          <a:p>
+            <a:pPr lvl="1"/>
+            <a:r>
+              <a:rPr lang="en-US" dirty="0"/>
+              <a:t>Unstructured problems are more likely to benefit from more layers, each with fewer units. </a:t>
+            </a:r>
+          </a:p>
+          <a:p>
+            <a:pPr lvl="1"/>
+            <a:r>
+              <a:rPr lang="en-US" dirty="0"/>
+              <a:t>Structured problems (sales or stock prices) may benefit from fewer, larger layers. </a:t>
+            </a:r>
+          </a:p>
+          <a:p>
+            <a:r>
+              <a:rPr lang="en-US" dirty="0"/>
+              <a:t>Hyperparameter tuning is back on the menu, boys!</a:t>
+            </a:r>
+          </a:p>
+          <a:p>
+            <a:pPr lvl="1"/>
+            <a:r>
+              <a:rPr lang="en-US" dirty="0"/>
+              <a:t>LSTM models can be determined via the </a:t>
+            </a:r>
+            <a:r>
+              <a:rPr lang="en-US" dirty="0" err="1"/>
+              <a:t>Keras</a:t>
+            </a:r>
+            <a:r>
+              <a:rPr lang="en-US" dirty="0"/>
+              <a:t> Tuner – layers, units, drop, other options… </a:t>
+            </a:r>
+          </a:p>
+          <a:p>
+            <a:pPr lvl="1"/>
+            <a:r>
+              <a:rPr lang="en-US" dirty="0"/>
+              <a:t>Bayesian or Hyperband may help with time, as might sampling (smartly) the data. </a:t>
+            </a:r>
+          </a:p>
+          <a:p>
+            <a:pPr lvl="1"/>
+            <a:r>
+              <a:rPr lang="en-US" dirty="0"/>
+              <a:t>LSTM models often employ a dropout for regularization, it performs well. </a:t>
+            </a:r>
+          </a:p>
+          <a:p>
+            <a:pPr lvl="1"/>
+            <a:r>
+              <a:rPr lang="en-US" dirty="0"/>
+              <a:t>Large numbers of epochs are often helpful, possibly with small batches (~8-96). </a:t>
+            </a:r>
+          </a:p>
+          <a:p>
+            <a:pPr lvl="2"/>
+            <a:r>
+              <a:rPr lang="en-US" dirty="0"/>
+              <a:t>Think – update model every day vs every </a:t>
+            </a:r>
+            <a:r>
+              <a:rPr lang="en-US"/>
+              <a:t>100 days. </a:t>
+            </a:r>
+            <a:endParaRPr lang="en-US" dirty="0"/>
+          </a:p>
+        </p:txBody>
+      </p:sp>
+    </p:spTree>
+    <p:extLst>
+      <p:ext uri="{BB962C8B-B14F-4D97-AF65-F5344CB8AC3E}">
+        <p14:creationId xmlns:p14="http://schemas.microsoft.com/office/powerpoint/2010/main" val="3420062599"/>
+      </p:ext>
+    </p:extLst>
+  </p:cSld>
+  <p:clrMapOvr>
+    <a:masterClrMapping/>
+  </p:clrMapOvr>
+</p:sld>
+</file>
+
+<file path=ppt/slides/slide37.xml><?xml version="1.0" encoding="utf-8"?>
+<p:sld xmlns:a="http://schemas.openxmlformats.org/drawingml/2006/main" xmlns:r="http://schemas.openxmlformats.org/officeDocument/2006/relationships" xmlns:p="http://schemas.openxmlformats.org/presentationml/2006/main">
+  <p:cSld>
+    <p:spTree>
+      <p:nvGrpSpPr>
+        <p:cNvPr id="1" name=""/>
+        <p:cNvGrpSpPr/>
+        <p:nvPr/>
+      </p:nvGrpSpPr>
+      <p:grpSpPr>
+        <a:xfrm>
+          <a:off x="0" y="0"/>
+          <a:ext cx="0" cy="0"/>
+          <a:chOff x="0" y="0"/>
+          <a:chExt cx="0" cy="0"/>
+        </a:xfrm>
+      </p:grpSpPr>
+      <p:sp>
+        <p:nvSpPr>
+          <p:cNvPr id="2" name="Title 1">
+            <a:extLst>
+              <a:ext uri="{FF2B5EF4-FFF2-40B4-BE49-F238E27FC236}">
+                <a16:creationId xmlns:a16="http://schemas.microsoft.com/office/drawing/2014/main" id="{871EB505-B6F3-29ED-A38F-2BCF36E0E2AB}"/>
+              </a:ext>
+            </a:extLst>
+          </p:cNvPr>
+          <p:cNvSpPr>
+            <a:spLocks noGrp="1"/>
+          </p:cNvSpPr>
+          <p:nvPr>
+            <p:ph type="title"/>
+          </p:nvPr>
+        </p:nvSpPr>
+        <p:spPr/>
+        <p:txBody>
+          <a:bodyPr/>
+          <a:lstStyle/>
+          <a:p>
+            <a:r>
+              <a:rPr lang="en-US" dirty="0"/>
+              <a:t>Text Notes</a:t>
+            </a:r>
+          </a:p>
+        </p:txBody>
+      </p:sp>
+      <p:sp>
+        <p:nvSpPr>
+          <p:cNvPr id="3" name="Content Placeholder 2">
+            <a:extLst>
+              <a:ext uri="{FF2B5EF4-FFF2-40B4-BE49-F238E27FC236}">
+                <a16:creationId xmlns:a16="http://schemas.microsoft.com/office/drawing/2014/main" id="{DBCE91F0-39FA-34CD-55F6-447104447DD5}"/>
+              </a:ext>
+            </a:extLst>
+          </p:cNvPr>
+          <p:cNvSpPr>
+            <a:spLocks noGrp="1"/>
+          </p:cNvSpPr>
+          <p:nvPr>
+            <p:ph idx="1"/>
+          </p:nvPr>
+        </p:nvSpPr>
+        <p:spPr>
+          <a:xfrm>
+            <a:off x="536448" y="1853754"/>
+            <a:ext cx="11655551" cy="4199727"/>
+          </a:xfrm>
+        </p:spPr>
+        <p:txBody>
+          <a:bodyPr>
+            <a:normAutofit/>
+          </a:bodyPr>
+          <a:lstStyle/>
+          <a:p>
+            <a:r>
+              <a:rPr lang="en-US" dirty="0"/>
+              <a:t>RNN based models are often used for text/NLP problems. </a:t>
+            </a:r>
+          </a:p>
+          <a:p>
+            <a:r>
+              <a:rPr lang="en-US" dirty="0"/>
+              <a:t>We need to generate embeddings to represent the value of the tokens. </a:t>
+            </a:r>
+          </a:p>
+          <a:p>
+            <a:pPr lvl="1"/>
+            <a:r>
+              <a:rPr lang="en-US" dirty="0"/>
+              <a:t>Recall – count, </a:t>
+            </a:r>
+            <a:r>
+              <a:rPr lang="en-US" dirty="0" err="1"/>
+              <a:t>tf-idf</a:t>
+            </a:r>
+            <a:r>
+              <a:rPr lang="en-US" dirty="0"/>
+              <a:t>, and their </a:t>
+            </a:r>
+            <a:r>
+              <a:rPr lang="en-US" dirty="0" err="1"/>
+              <a:t>tsvd</a:t>
+            </a:r>
+            <a:r>
+              <a:rPr lang="en-US" dirty="0"/>
+              <a:t> outputs are ‘simple’ ways to represent tokens. </a:t>
+            </a:r>
+          </a:p>
+          <a:p>
+            <a:pPr lvl="1"/>
+            <a:r>
+              <a:rPr lang="en-US" dirty="0"/>
+              <a:t>Word2Vec generated embeddings for tokens – multi-dimensional vectors to convey meaning.</a:t>
+            </a:r>
+          </a:p>
+          <a:p>
+            <a:r>
+              <a:rPr lang="en-US" dirty="0"/>
+              <a:t>In neural networks we can use an embedding layer to do it for us. </a:t>
+            </a:r>
+          </a:p>
+          <a:p>
+            <a:pPr lvl="1"/>
+            <a:r>
+              <a:rPr lang="en-US" dirty="0"/>
+              <a:t>If in the model, this would be done on GPU (this is what the examples do). </a:t>
+            </a:r>
+          </a:p>
+          <a:p>
+            <a:pPr lvl="1"/>
+            <a:r>
+              <a:rPr lang="en-US" dirty="0"/>
+              <a:t>You could also map it as part of the pipeline to get it on CPU. </a:t>
+            </a:r>
+          </a:p>
+          <a:p>
+            <a:pPr lvl="1"/>
+            <a:r>
+              <a:rPr lang="en-US" dirty="0"/>
+              <a:t>This could be a slow step if data is big – real NLP embedding spaces are massive and vocabs are larger.</a:t>
+            </a:r>
+          </a:p>
+          <a:p>
+            <a:r>
+              <a:rPr lang="en-US" dirty="0"/>
+              <a:t>In general, NN will perform well with massive data and large embedding spaces – NNs win with complexity. </a:t>
+            </a:r>
+          </a:p>
+        </p:txBody>
+      </p:sp>
+      <p:pic>
+        <p:nvPicPr>
+          <p:cNvPr id="4" name="Picture 3">
+            <a:extLst>
+              <a:ext uri="{FF2B5EF4-FFF2-40B4-BE49-F238E27FC236}">
+                <a16:creationId xmlns:a16="http://schemas.microsoft.com/office/drawing/2014/main" id="{171E92BB-50D6-8BF3-36F9-794F454DE7F2}"/>
+              </a:ext>
+            </a:extLst>
+          </p:cNvPr>
+          <p:cNvPicPr>
+            <a:picLocks noChangeAspect="1"/>
+          </p:cNvPicPr>
+          <p:nvPr/>
+        </p:nvPicPr>
+        <p:blipFill>
+          <a:blip r:embed="rId2"/>
+          <a:stretch>
+            <a:fillRect/>
+          </a:stretch>
+        </p:blipFill>
+        <p:spPr>
+          <a:xfrm>
+            <a:off x="8266176" y="-1"/>
+            <a:ext cx="3925824" cy="2758293"/>
+          </a:xfrm>
+          <a:prstGeom prst="rect">
+            <a:avLst/>
+          </a:prstGeom>
+        </p:spPr>
+      </p:pic>
+    </p:spTree>
+    <p:extLst>
+      <p:ext uri="{BB962C8B-B14F-4D97-AF65-F5344CB8AC3E}">
+        <p14:creationId xmlns:p14="http://schemas.microsoft.com/office/powerpoint/2010/main" val="3086171088"/>
+      </p:ext>
+    </p:extLst>
+  </p:cSld>
+  <p:clrMapOvr>
+    <a:masterClrMapping/>
+  </p:clrMapOvr>
+</p:sld>
+</file>
+
+<file path=ppt/slides/slide38.xml><?xml version="1.0" encoding="utf-8"?>
+<p:sld xmlns:a="http://schemas.openxmlformats.org/drawingml/2006/main" xmlns:r="http://schemas.openxmlformats.org/officeDocument/2006/relationships" xmlns:p="http://schemas.openxmlformats.org/presentationml/2006/main" show="0">
+  <p:cSld>
+    <p:spTree>
+      <p:nvGrpSpPr>
+        <p:cNvPr id="1" name=""/>
+        <p:cNvGrpSpPr/>
+        <p:nvPr/>
+      </p:nvGrpSpPr>
+      <p:grpSpPr>
+        <a:xfrm>
+          <a:off x="0" y="0"/>
+          <a:ext cx="0" cy="0"/>
+          <a:chOff x="0" y="0"/>
+          <a:chExt cx="0" cy="0"/>
+        </a:xfrm>
+      </p:grpSpPr>
+      <p:sp>
+        <p:nvSpPr>
+          <p:cNvPr id="2" name="Title 1">
+            <a:extLst>
+              <a:ext uri="{FF2B5EF4-FFF2-40B4-BE49-F238E27FC236}">
+                <a16:creationId xmlns:a16="http://schemas.microsoft.com/office/drawing/2014/main" id="{E5F0A867-99E2-904B-62B6-7C2A0C6D8D25}"/>
+              </a:ext>
+            </a:extLst>
+          </p:cNvPr>
+          <p:cNvSpPr>
+            <a:spLocks noGrp="1"/>
+          </p:cNvSpPr>
+          <p:nvPr>
+            <p:ph type="title"/>
+          </p:nvPr>
+        </p:nvSpPr>
+        <p:spPr/>
+        <p:txBody>
+          <a:bodyPr/>
+          <a:lstStyle/>
+          <a:p>
+            <a:r>
+              <a:rPr lang="en-US" dirty="0"/>
+              <a:t>Being BI is in… if it Performs better</a:t>
+            </a:r>
+          </a:p>
+        </p:txBody>
+      </p:sp>
+      <p:sp>
+        <p:nvSpPr>
+          <p:cNvPr id="3" name="Content Placeholder 2">
+            <a:extLst>
+              <a:ext uri="{FF2B5EF4-FFF2-40B4-BE49-F238E27FC236}">
+                <a16:creationId xmlns:a16="http://schemas.microsoft.com/office/drawing/2014/main" id="{1A9B5499-96C7-43AF-E68F-D8040AB79ECD}"/>
+              </a:ext>
+            </a:extLst>
+          </p:cNvPr>
+          <p:cNvSpPr>
+            <a:spLocks noGrp="1"/>
+          </p:cNvSpPr>
+          <p:nvPr>
+            <p:ph idx="1"/>
+          </p:nvPr>
+        </p:nvSpPr>
+        <p:spPr/>
+        <p:txBody>
+          <a:bodyPr/>
+          <a:lstStyle/>
+          <a:p>
+            <a:r>
+              <a:rPr lang="en-US" dirty="0"/>
+              <a:t>Bidirectional LSTM layers feed the previous sequence bot forwards and backwards. </a:t>
+            </a:r>
+          </a:p>
+          <a:p>
+            <a:r>
+              <a:rPr lang="en-US" dirty="0"/>
+              <a:t>Common in NLP applications. </a:t>
+            </a:r>
+          </a:p>
+        </p:txBody>
+      </p:sp>
+    </p:spTree>
+    <p:extLst>
+      <p:ext uri="{BB962C8B-B14F-4D97-AF65-F5344CB8AC3E}">
+        <p14:creationId xmlns:p14="http://schemas.microsoft.com/office/powerpoint/2010/main" val="904097236"/>
+      </p:ext>
+    </p:extLst>
+  </p:cSld>
+  <p:clrMapOvr>
+    <a:masterClrMapping/>
+  </p:clrMapOvr>
+</p:sld>
+</file>
+
+<file path=ppt/slides/slide39.xml><?xml version="1.0" encoding="utf-8"?>
+<p:sld xmlns:a="http://schemas.openxmlformats.org/drawingml/2006/main" xmlns:r="http://schemas.openxmlformats.org/officeDocument/2006/relationships" xmlns:p="http://schemas.openxmlformats.org/presentationml/2006/main" show="0">
+  <p:cSld>
+    <p:spTree>
+      <p:nvGrpSpPr>
+        <p:cNvPr id="1" name=""/>
+        <p:cNvGrpSpPr/>
+        <p:nvPr/>
+      </p:nvGrpSpPr>
+      <p:grpSpPr>
+        <a:xfrm>
+          <a:off x="0" y="0"/>
+          <a:ext cx="0" cy="0"/>
+          <a:chOff x="0" y="0"/>
+          <a:chExt cx="0" cy="0"/>
+        </a:xfrm>
+      </p:grpSpPr>
+      <p:sp>
+        <p:nvSpPr>
+          <p:cNvPr id="2" name="Title 1">
+            <a:extLst>
+              <a:ext uri="{FF2B5EF4-FFF2-40B4-BE49-F238E27FC236}">
+                <a16:creationId xmlns:a16="http://schemas.microsoft.com/office/drawing/2014/main" id="{120A5EE1-4AAC-0801-3067-67CFEA11C12A}"/>
+              </a:ext>
+            </a:extLst>
+          </p:cNvPr>
+          <p:cNvSpPr>
+            <a:spLocks noGrp="1"/>
+          </p:cNvSpPr>
+          <p:nvPr>
+            <p:ph type="title"/>
+          </p:nvPr>
+        </p:nvSpPr>
+        <p:spPr/>
+        <p:txBody>
+          <a:bodyPr/>
+          <a:lstStyle/>
+          <a:p>
+            <a:r>
+              <a:rPr lang="en-US" dirty="0"/>
+              <a:t>Generative Models</a:t>
+            </a:r>
+          </a:p>
+        </p:txBody>
+      </p:sp>
+      <p:sp>
+        <p:nvSpPr>
+          <p:cNvPr id="3" name="Content Placeholder 2">
+            <a:extLst>
+              <a:ext uri="{FF2B5EF4-FFF2-40B4-BE49-F238E27FC236}">
+                <a16:creationId xmlns:a16="http://schemas.microsoft.com/office/drawing/2014/main" id="{18B47CC8-CAB3-0B63-7176-21FD7965C010}"/>
+              </a:ext>
+            </a:extLst>
+          </p:cNvPr>
+          <p:cNvSpPr>
+            <a:spLocks noGrp="1"/>
+          </p:cNvSpPr>
+          <p:nvPr>
+            <p:ph idx="1"/>
+          </p:nvPr>
+        </p:nvSpPr>
+        <p:spPr>
+          <a:xfrm>
+            <a:off x="1451579" y="2015732"/>
+            <a:ext cx="9603275" cy="4037749"/>
+          </a:xfrm>
+        </p:spPr>
+        <p:txBody>
+          <a:bodyPr/>
+          <a:lstStyle/>
+          <a:p>
+            <a:r>
+              <a:rPr lang="en-US" dirty="0"/>
+              <a:t>LSTMs can be used to generate things, like text. </a:t>
+            </a:r>
+          </a:p>
+          <a:p>
+            <a:r>
+              <a:rPr lang="en-US" dirty="0"/>
+              <a:t>Text generation is simpler than it sounds at first glance. </a:t>
+            </a:r>
+          </a:p>
+          <a:p>
+            <a:pPr lvl="1"/>
+            <a:r>
+              <a:rPr lang="en-US" dirty="0"/>
+              <a:t>Train a model to be able to predict the next word (or token) from text. </a:t>
+            </a:r>
+          </a:p>
+          <a:p>
+            <a:pPr lvl="1"/>
+            <a:r>
+              <a:rPr lang="en-US" dirty="0"/>
+              <a:t>Generate text by taking in the previous text, and predict the next word.</a:t>
+            </a:r>
+          </a:p>
+          <a:p>
+            <a:pPr lvl="1"/>
+            <a:r>
+              <a:rPr lang="en-US" dirty="0"/>
+              <a:t>The ‘previous text’ + ‘predicted word’ is then the source for the next prediction. </a:t>
+            </a:r>
+          </a:p>
+          <a:p>
+            <a:r>
+              <a:rPr lang="en-US" dirty="0"/>
+              <a:t>We can treat it as 1 word tokens, large LLMs may have different splits – it varies. </a:t>
+            </a:r>
+          </a:p>
+          <a:p>
+            <a:pPr lvl="1"/>
+            <a:r>
+              <a:rPr lang="en-US" dirty="0"/>
+              <a:t>E.g. predict a root word, then the correct suffix: run to running or runner. </a:t>
+            </a:r>
+          </a:p>
+          <a:p>
+            <a:pPr lvl="1"/>
+            <a:r>
+              <a:rPr lang="en-US" dirty="0"/>
+              <a:t>2+ grams for thinks like ‘downhill skiing’ and ‘oven glove’. </a:t>
+            </a:r>
+          </a:p>
+        </p:txBody>
+      </p:sp>
+    </p:spTree>
+    <p:extLst>
+      <p:ext uri="{BB962C8B-B14F-4D97-AF65-F5344CB8AC3E}">
+        <p14:creationId xmlns:p14="http://schemas.microsoft.com/office/powerpoint/2010/main" val="185559048"/>
+      </p:ext>
+    </p:extLst>
+  </p:cSld>
+  <p:clrMapOvr>
+    <a:masterClrMapping/>
+  </p:clrMapOvr>
+</p:sld>
+</file>
+
+<file path=ppt/slides/slide4.xml><?xml version="1.0" encoding="utf-8"?>
+<p:sld xmlns:a="http://schemas.openxmlformats.org/drawingml/2006/main" xmlns:r="http://schemas.openxmlformats.org/officeDocument/2006/relationships" xmlns:p="http://schemas.openxmlformats.org/presentationml/2006/main">
+  <p:cSld>
+    <p:spTree>
+      <p:nvGrpSpPr>
+        <p:cNvPr id="1" name=""/>
+        <p:cNvGrpSpPr/>
+        <p:nvPr/>
+      </p:nvGrpSpPr>
+      <p:grpSpPr>
+        <a:xfrm>
+          <a:off x="0" y="0"/>
+          <a:ext cx="0" cy="0"/>
+          <a:chOff x="0" y="0"/>
+          <a:chExt cx="0" cy="0"/>
+        </a:xfrm>
+      </p:grpSpPr>
+      <p:sp>
+        <p:nvSpPr>
+          <p:cNvPr id="2" name="Title 1">
+            <a:extLst>
+              <a:ext uri="{FF2B5EF4-FFF2-40B4-BE49-F238E27FC236}">
+                <a16:creationId xmlns:a16="http://schemas.microsoft.com/office/drawing/2014/main" id="{3F53931F-9C4A-AFE4-7478-31F67C6C57D4}"/>
+              </a:ext>
+            </a:extLst>
+          </p:cNvPr>
+          <p:cNvSpPr>
+            <a:spLocks noGrp="1"/>
+          </p:cNvSpPr>
+          <p:nvPr>
+            <p:ph type="title"/>
+          </p:nvPr>
+        </p:nvSpPr>
+        <p:spPr/>
+        <p:txBody>
+          <a:bodyPr/>
+          <a:lstStyle/>
+          <a:p>
+            <a:r>
+              <a:rPr lang="en-US" dirty="0"/>
+              <a:t>Big Difference – ‘Looping’</a:t>
+            </a:r>
+          </a:p>
+        </p:txBody>
+      </p:sp>
+      <p:sp>
+        <p:nvSpPr>
+          <p:cNvPr id="3" name="Content Placeholder 2">
+            <a:extLst>
+              <a:ext uri="{FF2B5EF4-FFF2-40B4-BE49-F238E27FC236}">
+                <a16:creationId xmlns:a16="http://schemas.microsoft.com/office/drawing/2014/main" id="{801742A1-98DB-F6EB-45D2-0FDD21969753}"/>
+              </a:ext>
+            </a:extLst>
+          </p:cNvPr>
+          <p:cNvSpPr>
+            <a:spLocks noGrp="1"/>
+          </p:cNvSpPr>
+          <p:nvPr>
+            <p:ph idx="1"/>
+          </p:nvPr>
+        </p:nvSpPr>
+        <p:spPr>
+          <a:xfrm>
+            <a:off x="8382000" y="2015732"/>
+            <a:ext cx="3810000" cy="3937807"/>
+          </a:xfrm>
+        </p:spPr>
+        <p:txBody>
+          <a:bodyPr/>
+          <a:lstStyle/>
+          <a:p>
+            <a:r>
+              <a:rPr lang="en-US" dirty="0"/>
+              <a:t>RNN models have some looping in their structure. </a:t>
+            </a:r>
+          </a:p>
+          <a:p>
+            <a:r>
+              <a:rPr lang="en-US" dirty="0"/>
+              <a:t>Allows the model to ‘know’ something about previous records. </a:t>
+            </a:r>
+          </a:p>
+          <a:p>
+            <a:r>
+              <a:rPr lang="en-US" dirty="0"/>
+              <a:t>Regular models are 1 at a time.</a:t>
+            </a:r>
+          </a:p>
+          <a:p>
+            <a:r>
+              <a:rPr lang="en-US" dirty="0"/>
+              <a:t>We often refer to this as memory. </a:t>
+            </a:r>
+          </a:p>
+          <a:p>
+            <a:endParaRPr lang="en-US" dirty="0"/>
+          </a:p>
+        </p:txBody>
+      </p:sp>
+      <p:pic>
+        <p:nvPicPr>
+          <p:cNvPr id="1026" name="Picture 2" descr="Introduction to Recurrent Neural Networks | GeeksforGeeks">
+            <a:extLst>
+              <a:ext uri="{FF2B5EF4-FFF2-40B4-BE49-F238E27FC236}">
+                <a16:creationId xmlns:a16="http://schemas.microsoft.com/office/drawing/2014/main" id="{F0BE6436-70E5-F1AF-A8CA-2A3BB3B0EF54}"/>
+              </a:ext>
+            </a:extLst>
+          </p:cNvPr>
+          <p:cNvPicPr>
+            <a:picLocks noChangeAspect="1" noChangeArrowheads="1"/>
+          </p:cNvPicPr>
+          <p:nvPr/>
+        </p:nvPicPr>
+        <p:blipFill>
+          <a:blip r:embed="rId2">
+            <a:extLst>
+              <a:ext uri="{28A0092B-C50C-407E-A947-70E740481C1C}">
+                <a14:useLocalDpi xmlns:a14="http://schemas.microsoft.com/office/drawing/2010/main" val="0"/>
+              </a:ext>
+            </a:extLst>
+          </a:blip>
+          <a:srcRect/>
+          <a:stretch>
+            <a:fillRect/>
+          </a:stretch>
+        </p:blipFill>
+        <p:spPr bwMode="auto">
+          <a:xfrm>
+            <a:off x="0" y="1862481"/>
+            <a:ext cx="8382000" cy="4191000"/>
+          </a:xfrm>
+          <a:prstGeom prst="rect">
+            <a:avLst/>
+          </a:prstGeom>
+          <a:noFill/>
+          <a:extLst>
+            <a:ext uri="{909E8E84-426E-40DD-AFC4-6F175D3DCCD1}">
+              <a14:hiddenFill xmlns:a14="http://schemas.microsoft.com/office/drawing/2010/main">
+                <a:solidFill>
+                  <a:srgbClr val="FFFFFF"/>
+                </a:solidFill>
+              </a14:hiddenFill>
+            </a:ext>
+          </a:extLst>
+        </p:spPr>
+      </p:pic>
+    </p:spTree>
+    <p:extLst>
+      <p:ext uri="{BB962C8B-B14F-4D97-AF65-F5344CB8AC3E}">
+        <p14:creationId xmlns:p14="http://schemas.microsoft.com/office/powerpoint/2010/main" val="2313451814"/>
+      </p:ext>
+    </p:extLst>
+  </p:cSld>
+  <p:clrMapOvr>
+    <a:masterClrMapping/>
+  </p:clrMapOvr>
+</p:sld>
+</file>
+
+<file path=ppt/slides/slide40.xml><?xml version="1.0" encoding="utf-8"?>
+<p:sld xmlns:a="http://schemas.openxmlformats.org/drawingml/2006/main" xmlns:r="http://schemas.openxmlformats.org/officeDocument/2006/relationships" xmlns:p="http://schemas.openxmlformats.org/presentationml/2006/main" show="0">
+  <p:cSld>
+    <p:spTree>
+      <p:nvGrpSpPr>
+        <p:cNvPr id="1" name=""/>
+        <p:cNvGrpSpPr/>
+        <p:nvPr/>
+      </p:nvGrpSpPr>
+      <p:grpSpPr>
+        <a:xfrm>
+          <a:off x="0" y="0"/>
+          <a:ext cx="0" cy="0"/>
+          <a:chOff x="0" y="0"/>
+          <a:chExt cx="0" cy="0"/>
+        </a:xfrm>
+      </p:grpSpPr>
+      <p:sp>
+        <p:nvSpPr>
+          <p:cNvPr id="2" name="Title 1">
+            <a:extLst>
+              <a:ext uri="{FF2B5EF4-FFF2-40B4-BE49-F238E27FC236}">
+                <a16:creationId xmlns:a16="http://schemas.microsoft.com/office/drawing/2014/main" id="{2F1078A6-AE76-455E-16FF-DBE689E24AC9}"/>
+              </a:ext>
+            </a:extLst>
+          </p:cNvPr>
+          <p:cNvSpPr>
+            <a:spLocks noGrp="1"/>
+          </p:cNvSpPr>
+          <p:nvPr>
+            <p:ph type="title"/>
+          </p:nvPr>
+        </p:nvSpPr>
+        <p:spPr/>
+        <p:txBody>
+          <a:bodyPr/>
+          <a:lstStyle/>
+          <a:p>
+            <a:r>
+              <a:rPr lang="en-US" dirty="0"/>
+              <a:t>Got the Right Temperature</a:t>
+            </a:r>
+          </a:p>
+        </p:txBody>
+      </p:sp>
+      <p:sp>
+        <p:nvSpPr>
+          <p:cNvPr id="3" name="Content Placeholder 2">
+            <a:extLst>
+              <a:ext uri="{FF2B5EF4-FFF2-40B4-BE49-F238E27FC236}">
+                <a16:creationId xmlns:a16="http://schemas.microsoft.com/office/drawing/2014/main" id="{FE858B8B-5A13-1308-9D5C-91BCB28ADF46}"/>
+              </a:ext>
+            </a:extLst>
+          </p:cNvPr>
+          <p:cNvSpPr>
+            <a:spLocks noGrp="1"/>
+          </p:cNvSpPr>
+          <p:nvPr>
+            <p:ph idx="1"/>
+          </p:nvPr>
+        </p:nvSpPr>
+        <p:spPr>
+          <a:xfrm>
+            <a:off x="1451579" y="1853754"/>
+            <a:ext cx="9603275" cy="4199727"/>
+          </a:xfrm>
+        </p:spPr>
+        <p:txBody>
+          <a:bodyPr/>
+          <a:lstStyle/>
+          <a:p>
+            <a:r>
+              <a:rPr lang="en-US" dirty="0"/>
+              <a:t>Generative models usually utilize a parameter called temperature. </a:t>
+            </a:r>
+          </a:p>
+          <a:p>
+            <a:r>
+              <a:rPr lang="en-US" dirty="0"/>
+              <a:t>Temperature basically introduces randomness to a prediction. </a:t>
+            </a:r>
+          </a:p>
+          <a:p>
+            <a:pPr lvl="1"/>
+            <a:r>
+              <a:rPr lang="en-US" dirty="0"/>
+              <a:t>A model will default to try to predict the correct (most likely) next token. </a:t>
+            </a:r>
+          </a:p>
+          <a:p>
+            <a:pPr lvl="1"/>
+            <a:r>
+              <a:rPr lang="en-US" dirty="0"/>
+              <a:t>People don’t really speak like that, especially if writing one piece of prose. </a:t>
+            </a:r>
+          </a:p>
+          <a:p>
+            <a:pPr lvl="1"/>
+            <a:r>
+              <a:rPr lang="en-US" dirty="0"/>
+              <a:t>Normal sounding text will use synonyms an alternate terms to avoid sounding robotic. </a:t>
+            </a:r>
+          </a:p>
+          <a:p>
+            <a:r>
+              <a:rPr lang="en-US" dirty="0"/>
+              <a:t>Temperature makes the actual prediction probabilistic. </a:t>
+            </a:r>
+          </a:p>
+          <a:p>
+            <a:pPr lvl="1"/>
+            <a:r>
+              <a:rPr lang="en-US" dirty="0"/>
+              <a:t>The ‘correct’ answer is most likely, but we are choosing from all likely predictions. </a:t>
+            </a:r>
+          </a:p>
+          <a:p>
+            <a:pPr lvl="1"/>
+            <a:r>
+              <a:rPr lang="en-US" dirty="0"/>
+              <a:t>Sometimes we want to return a word that is not optimal, but reasonably likely. </a:t>
+            </a:r>
+          </a:p>
+          <a:p>
+            <a:pPr lvl="1"/>
+            <a:r>
+              <a:rPr lang="en-US" dirty="0"/>
+              <a:t>The higher the temperature is, the more likely we are to choose an imperfect option. </a:t>
+            </a:r>
+          </a:p>
+          <a:p>
+            <a:pPr lvl="1"/>
+            <a:r>
+              <a:rPr lang="en-US" dirty="0"/>
+              <a:t>Multiple implementations of this idea can exist. </a:t>
+            </a:r>
+          </a:p>
+        </p:txBody>
+      </p:sp>
+    </p:spTree>
+    <p:extLst>
+      <p:ext uri="{BB962C8B-B14F-4D97-AF65-F5344CB8AC3E}">
+        <p14:creationId xmlns:p14="http://schemas.microsoft.com/office/powerpoint/2010/main" val="1889635206"/>
+      </p:ext>
+    </p:extLst>
+  </p:cSld>
+  <p:clrMapOvr>
+    <a:masterClrMapping/>
+  </p:clrMapOvr>
+</p:sld>
+</file>
+
+<file path=ppt/slides/slide41.xml><?xml version="1.0" encoding="utf-8"?>
+<p:sld xmlns:a="http://schemas.openxmlformats.org/drawingml/2006/main" xmlns:r="http://schemas.openxmlformats.org/officeDocument/2006/relationships" xmlns:p="http://schemas.openxmlformats.org/presentationml/2006/main">
+  <p:cSld>
+    <p:spTree>
+      <p:nvGrpSpPr>
+        <p:cNvPr id="1" name=""/>
+        <p:cNvGrpSpPr/>
+        <p:nvPr/>
+      </p:nvGrpSpPr>
+      <p:grpSpPr>
+        <a:xfrm>
+          <a:off x="0" y="0"/>
+          <a:ext cx="0" cy="0"/>
+          <a:chOff x="0" y="0"/>
+          <a:chExt cx="0" cy="0"/>
+        </a:xfrm>
+      </p:grpSpPr>
+      <p:sp>
+        <p:nvSpPr>
+          <p:cNvPr id="2" name="Title 1">
+            <a:extLst>
+              <a:ext uri="{FF2B5EF4-FFF2-40B4-BE49-F238E27FC236}">
+                <a16:creationId xmlns:a16="http://schemas.microsoft.com/office/drawing/2014/main" id="{56DBD4AB-1131-C7BB-2DCF-1D6BF9FC4987}"/>
+              </a:ext>
+            </a:extLst>
+          </p:cNvPr>
+          <p:cNvSpPr>
+            <a:spLocks noGrp="1"/>
+          </p:cNvSpPr>
+          <p:nvPr>
+            <p:ph type="title"/>
+          </p:nvPr>
+        </p:nvSpPr>
+        <p:spPr/>
+        <p:txBody>
+          <a:bodyPr/>
+          <a:lstStyle/>
+          <a:p>
+            <a:r>
+              <a:rPr lang="en-US" dirty="0"/>
+              <a:t>Conclusion</a:t>
+            </a:r>
+          </a:p>
+        </p:txBody>
+      </p:sp>
+      <p:sp>
+        <p:nvSpPr>
+          <p:cNvPr id="3" name="Content Placeholder 2">
+            <a:extLst>
+              <a:ext uri="{FF2B5EF4-FFF2-40B4-BE49-F238E27FC236}">
+                <a16:creationId xmlns:a16="http://schemas.microsoft.com/office/drawing/2014/main" id="{13443069-FA3D-B363-3351-CFE53FEEFEFD}"/>
+              </a:ext>
+            </a:extLst>
+          </p:cNvPr>
+          <p:cNvSpPr>
+            <a:spLocks noGrp="1"/>
+          </p:cNvSpPr>
+          <p:nvPr>
+            <p:ph idx="1"/>
+          </p:nvPr>
+        </p:nvSpPr>
+        <p:spPr>
+          <a:xfrm>
+            <a:off x="1451579" y="1853754"/>
+            <a:ext cx="10117569" cy="4278689"/>
+          </a:xfrm>
+        </p:spPr>
+        <p:txBody>
+          <a:bodyPr>
+            <a:normAutofit/>
+          </a:bodyPr>
+          <a:lstStyle/>
+          <a:p>
+            <a:r>
+              <a:rPr lang="en-US" dirty="0"/>
+              <a:t>Sequential problems are common – prices of anything traded, weather, “life stuff”, </a:t>
+            </a:r>
+            <a:r>
+              <a:rPr lang="en-US" dirty="0" err="1"/>
+              <a:t>etc</a:t>
+            </a:r>
+            <a:r>
+              <a:rPr lang="en-US" dirty="0"/>
+              <a:t>…</a:t>
+            </a:r>
+          </a:p>
+          <a:p>
+            <a:r>
+              <a:rPr lang="en-US" dirty="0"/>
+              <a:t>Highlight an example of real-world challenge for analysts – defining the </a:t>
+            </a:r>
+            <a:r>
+              <a:rPr lang="en-US" i="1" dirty="0"/>
+              <a:t>type</a:t>
+            </a:r>
+            <a:r>
+              <a:rPr lang="en-US" dirty="0"/>
+              <a:t> of solution. </a:t>
+            </a:r>
+          </a:p>
+          <a:p>
+            <a:pPr lvl="1"/>
+            <a:r>
+              <a:rPr lang="en-US" dirty="0"/>
+              <a:t>Classification/regression are relatively simple in their structure, or they can be. </a:t>
+            </a:r>
+          </a:p>
+          <a:p>
+            <a:pPr lvl="1"/>
+            <a:r>
+              <a:rPr lang="en-US" dirty="0"/>
+              <a:t>We have a target to predict, features we can use, and we can make a model to predict y from X. </a:t>
+            </a:r>
+          </a:p>
+          <a:p>
+            <a:pPr lvl="1"/>
+            <a:r>
+              <a:rPr lang="en-US" dirty="0"/>
+              <a:t>Sequential models bring ambiguity to the forefront more – how far in advance can we predict? Should we use </a:t>
+            </a:r>
+            <a:r>
+              <a:rPr lang="en-US" i="1" dirty="0"/>
+              <a:t>any</a:t>
+            </a:r>
+            <a:r>
+              <a:rPr lang="en-US" dirty="0"/>
+              <a:t> other features? Can we use our predictions to feed other predictions?</a:t>
+            </a:r>
+          </a:p>
+          <a:p>
+            <a:r>
+              <a:rPr lang="en-US" dirty="0"/>
+              <a:t>Many time series (esp. long term) problems inherently involve ‘features’ we (likely) don’t have. </a:t>
+            </a:r>
+          </a:p>
+          <a:p>
+            <a:pPr lvl="1"/>
+            <a:r>
+              <a:rPr lang="en-US" dirty="0"/>
+              <a:t>Commodity prices, climate trends, or product sales are often highly impacted by things like laws, regulations, or decisions from other actors that are hard or impossible to capture in data. </a:t>
+            </a:r>
+          </a:p>
+          <a:p>
+            <a:pPr lvl="1"/>
+            <a:r>
+              <a:rPr lang="en-US" dirty="0"/>
+              <a:t>Large and complex models can ‘learn around’ this, but with limits. ‘More data’ often not as useful. </a:t>
+            </a:r>
+          </a:p>
+        </p:txBody>
+      </p:sp>
+    </p:spTree>
+    <p:extLst>
+      <p:ext uri="{BB962C8B-B14F-4D97-AF65-F5344CB8AC3E}">
+        <p14:creationId xmlns:p14="http://schemas.microsoft.com/office/powerpoint/2010/main" val="2454114799"/>
+      </p:ext>
+    </p:extLst>
+  </p:cSld>
+  <p:clrMapOvr>
+    <a:masterClrMapping/>
+  </p:clrMapOvr>
+</p:sld>
+</file>
+
+<file path=ppt/slides/slide5.xml><?xml version="1.0" encoding="utf-8"?>
+<p:sld xmlns:a="http://schemas.openxmlformats.org/drawingml/2006/main" xmlns:r="http://schemas.openxmlformats.org/officeDocument/2006/relationships" xmlns:p="http://schemas.openxmlformats.org/presentationml/2006/main">
+  <p:cSld>
+    <p:spTree>
+      <p:nvGrpSpPr>
+        <p:cNvPr id="1" name=""/>
+        <p:cNvGrpSpPr/>
+        <p:nvPr/>
+      </p:nvGrpSpPr>
+      <p:grpSpPr>
+        <a:xfrm>
+          <a:off x="0" y="0"/>
+          <a:ext cx="0" cy="0"/>
+          <a:chOff x="0" y="0"/>
+          <a:chExt cx="0" cy="0"/>
+        </a:xfrm>
+      </p:grpSpPr>
+      <p:sp>
+        <p:nvSpPr>
+          <p:cNvPr id="2" name="Title 1">
+            <a:extLst>
+              <a:ext uri="{FF2B5EF4-FFF2-40B4-BE49-F238E27FC236}">
                 <a16:creationId xmlns:a16="http://schemas.microsoft.com/office/drawing/2014/main" id="{75188EDF-CB56-BDF6-5933-5D721D6A8745}"/>
               </a:ext>
             </a:extLst>
@@ -7300,7 +9782,7 @@
 </p:sld>
 </file>
 
-<file path=ppt/slides/slide4.xml><?xml version="1.0" encoding="utf-8"?>
+<file path=ppt/slides/slide6.xml><?xml version="1.0" encoding="utf-8"?>
 <p:sld xmlns:a="http://schemas.openxmlformats.org/drawingml/2006/main" xmlns:r="http://schemas.openxmlformats.org/officeDocument/2006/relationships" xmlns:p="http://schemas.openxmlformats.org/presentationml/2006/main">
   <p:cSld>
     <p:bg>
@@ -7622,8 +10104,8 @@
         </p:nvSpPr>
         <p:spPr>
           <a:xfrm>
-            <a:off x="5792643" y="2015732"/>
-            <a:ext cx="6167709" cy="3836428"/>
+            <a:off x="5792643" y="2015731"/>
+            <a:ext cx="6399053" cy="4037749"/>
           </a:xfrm>
         </p:spPr>
         <p:txBody>
@@ -7654,6 +10136,26 @@
             <a:r>
               <a:rPr lang="en-US" dirty="0"/>
               <a:t>If dealing with time series data, this makes sense. </a:t>
+            </a:r>
+          </a:p>
+          <a:p>
+            <a:r>
+              <a:rPr lang="en-US" dirty="0"/>
+              <a:t>We have the concept of ‘state’. </a:t>
+            </a:r>
+          </a:p>
+          <a:p>
+            <a:pPr lvl="1"/>
+            <a:r>
+              <a:rPr lang="en-US" dirty="0"/>
+              <a:t>The model has an understanding of current status. </a:t>
+            </a:r>
+          </a:p>
+          <a:p>
+            <a:pPr lvl="1"/>
+            <a:r>
+              <a:rPr lang="en-US" dirty="0"/>
+              <a:t>Predictions aren’t just made based on the current record.</a:t>
             </a:r>
           </a:p>
         </p:txBody>
@@ -7815,7 +10317,7 @@
 </p:sld>
 </file>
 
-<file path=ppt/slides/slide5.xml><?xml version="1.0" encoding="utf-8"?>
+<file path=ppt/slides/slide7.xml><?xml version="1.0" encoding="utf-8"?>
 <p:sld xmlns:a="http://schemas.openxmlformats.org/drawingml/2006/main" xmlns:r="http://schemas.openxmlformats.org/officeDocument/2006/relationships" xmlns:p="http://schemas.openxmlformats.org/presentationml/2006/main">
   <p:cSld>
     <p:spTree>
@@ -7837,7 +10339,7 @@
           <p:cNvPr id="2" name="Title 1">
             <a:extLst>
               <a:ext uri="{FF2B5EF4-FFF2-40B4-BE49-F238E27FC236}">
-                <a16:creationId xmlns:a16="http://schemas.microsoft.com/office/drawing/2014/main" id="{64222455-46CE-5A8C-5703-50EE067F2EC2}"/>
+                <a16:creationId xmlns:a16="http://schemas.microsoft.com/office/drawing/2014/main" id="{A990E9B5-0AB6-3438-6E6C-1F80C25D9BB4}"/>
               </a:ext>
             </a:extLst>
           </p:cNvPr>
@@ -7855,7 +10357,7 @@
           <a:p>
             <a:r>
               <a:rPr lang="en-US" dirty="0"/>
-              <a:t>RNN Basic Structure</a:t>
+              <a:t>RNN Implementation</a:t>
             </a:r>
           </a:p>
         </p:txBody>
@@ -7865,7 +10367,7 @@
           <p:cNvPr id="3" name="Content Placeholder 2">
             <a:extLst>
               <a:ext uri="{FF2B5EF4-FFF2-40B4-BE49-F238E27FC236}">
-                <a16:creationId xmlns:a16="http://schemas.microsoft.com/office/drawing/2014/main" id="{297B6C79-10D5-1913-8ECF-5C4D925D9FB3}"/>
+                <a16:creationId xmlns:a16="http://schemas.microsoft.com/office/drawing/2014/main" id="{E06BE144-E375-9A28-329B-2F3144C6A2BC}"/>
               </a:ext>
             </a:extLst>
           </p:cNvPr>
@@ -7876,118 +10378,19 @@
             <p:ph idx="1"/>
           </p:nvPr>
         </p:nvSpPr>
-        <p:spPr>
-          <a:xfrm>
-            <a:off x="1451579" y="1853754"/>
-            <a:ext cx="7777765" cy="4199727"/>
-          </a:xfrm>
-        </p:spPr>
+        <p:spPr/>
         <p:txBody>
           <a:bodyPr/>
           <a:lstStyle/>
           <a:p>
-            <a:r>
-              <a:rPr lang="en-US" dirty="0"/>
-              <a:t>The basic idea of an RNN is that there is some sort of State that holds memory. </a:t>
-            </a:r>
-          </a:p>
-          <a:p>
-            <a:pPr lvl="1"/>
-            <a:r>
-              <a:rPr lang="en-US" dirty="0"/>
-              <a:t>The network can have information from earlier held in its state. </a:t>
-            </a:r>
-          </a:p>
-          <a:p>
-            <a:pPr lvl="1"/>
-            <a:r>
-              <a:rPr lang="en-US" dirty="0"/>
-              <a:t>The new record can bring in its features (as normal). </a:t>
-            </a:r>
-          </a:p>
-          <a:p>
-            <a:pPr lvl="1"/>
-            <a:r>
-              <a:rPr lang="en-US" dirty="0"/>
-              <a:t>The model can use both to make a prediction. </a:t>
-            </a:r>
-          </a:p>
-          <a:p>
-            <a:r>
-              <a:rPr lang="en-US" dirty="0"/>
-              <a:t>We refer to this as a ‘unit’ in a RNN layer. </a:t>
-            </a:r>
-          </a:p>
-          <a:p>
-            <a:pPr lvl="1"/>
-            <a:r>
-              <a:rPr lang="en-US" dirty="0"/>
-              <a:t>Roughly equivalent to a neuron, though more complex and we have fewer.</a:t>
-            </a:r>
-          </a:p>
-          <a:p>
-            <a:r>
-              <a:rPr lang="en-US" dirty="0"/>
-              <a:t>The top line is the state, that is what is passed on from before. </a:t>
-            </a:r>
-          </a:p>
-          <a:p>
-            <a:r>
-              <a:rPr lang="en-US" dirty="0"/>
-              <a:t>The bottom line is the feature set for this record. </a:t>
-            </a:r>
-          </a:p>
-        </p:txBody>
-      </p:sp>
-      <p:pic>
-        <p:nvPicPr>
-          <p:cNvPr id="10242" name="Picture 2" descr="Compare the different Sequence models (RNN, LSTM, GRU, and Transformers) -  AIML.com">
-            <a:extLst>
-              <a:ext uri="{FF2B5EF4-FFF2-40B4-BE49-F238E27FC236}">
-                <a16:creationId xmlns:a16="http://schemas.microsoft.com/office/drawing/2014/main" id="{EF21BFE3-E2E4-D530-BC92-85B021C01446}"/>
-              </a:ext>
-            </a:extLst>
-          </p:cNvPr>
-          <p:cNvPicPr>
-            <a:picLocks noChangeAspect="1" noChangeArrowheads="1"/>
-          </p:cNvPicPr>
-          <p:nvPr/>
-        </p:nvPicPr>
-        <p:blipFill rotWithShape="1">
-          <a:blip r:embed="rId2">
-            <a:extLst>
-              <a:ext uri="{28A0092B-C50C-407E-A947-70E740481C1C}">
-                <a14:useLocalDpi xmlns:a14="http://schemas.microsoft.com/office/drawing/2010/main" val="0"/>
-              </a:ext>
-            </a:extLst>
-          </a:blip>
-          <a:srcRect r="75700"/>
-          <a:stretch/>
-        </p:blipFill>
-        <p:spPr bwMode="auto">
-          <a:xfrm>
-            <a:off x="9229344" y="1853754"/>
-            <a:ext cx="2962656" cy="4919663"/>
-          </a:xfrm>
-          <a:prstGeom prst="rect">
-            <a:avLst/>
-          </a:prstGeom>
-          <a:noFill/>
-          <a:extLst>
-            <a:ext uri="{909E8E84-426E-40DD-AFC4-6F175D3DCCD1}">
-              <a14:hiddenFill xmlns:a14="http://schemas.microsoft.com/office/drawing/2010/main">
-                <a:solidFill>
-                  <a:srgbClr val="FFFFFF"/>
-                </a:solidFill>
-              </a14:hiddenFill>
-            </a:ext>
-          </a:extLst>
-        </p:spPr>
-      </p:pic>
+            <a:endParaRPr lang="en-US"/>
+          </a:p>
+        </p:txBody>
+      </p:sp>
     </p:spTree>
     <p:extLst>
       <p:ext uri="{BB962C8B-B14F-4D97-AF65-F5344CB8AC3E}">
-        <p14:creationId xmlns:p14="http://schemas.microsoft.com/office/powerpoint/2010/main" val="2563414199"/>
+        <p14:creationId xmlns:p14="http://schemas.microsoft.com/office/powerpoint/2010/main" val="296423813"/>
       </p:ext>
     </p:extLst>
   </p:cSld>
@@ -7997,7 +10400,7 @@
 </p:sld>
 </file>
 
-<file path=ppt/slides/slide6.xml><?xml version="1.0" encoding="utf-8"?>
+<file path=ppt/slides/slide8.xml><?xml version="1.0" encoding="utf-8"?>
 <p:sld xmlns:a="http://schemas.openxmlformats.org/drawingml/2006/main" xmlns:r="http://schemas.openxmlformats.org/officeDocument/2006/relationships" xmlns:p="http://schemas.openxmlformats.org/presentationml/2006/main">
   <p:cSld>
     <p:spTree>
@@ -8019,7 +10422,7 @@
           <p:cNvPr id="2" name="Title 1">
             <a:extLst>
               <a:ext uri="{FF2B5EF4-FFF2-40B4-BE49-F238E27FC236}">
-                <a16:creationId xmlns:a16="http://schemas.microsoft.com/office/drawing/2014/main" id="{CFE1CBB8-AAF2-A049-EDE6-A21D9BD71033}"/>
+                <a16:creationId xmlns:a16="http://schemas.microsoft.com/office/drawing/2014/main" id="{64222455-46CE-5A8C-5703-50EE067F2EC2}"/>
               </a:ext>
             </a:extLst>
           </p:cNvPr>
@@ -8030,70 +10433,115 @@
             <p:ph type="title"/>
           </p:nvPr>
         </p:nvSpPr>
+        <p:spPr/>
+        <p:txBody>
+          <a:bodyPr/>
+          <a:lstStyle/>
+          <a:p>
+            <a:r>
+              <a:rPr lang="en-US" dirty="0"/>
+              <a:t>RNN Basic Structure</a:t>
+            </a:r>
+          </a:p>
+        </p:txBody>
+      </p:sp>
+      <p:sp>
+        <p:nvSpPr>
+          <p:cNvPr id="3" name="Content Placeholder 2">
+            <a:extLst>
+              <a:ext uri="{FF2B5EF4-FFF2-40B4-BE49-F238E27FC236}">
+                <a16:creationId xmlns:a16="http://schemas.microsoft.com/office/drawing/2014/main" id="{297B6C79-10D5-1913-8ECF-5C4D925D9FB3}"/>
+              </a:ext>
+            </a:extLst>
+          </p:cNvPr>
+          <p:cNvSpPr>
+            <a:spLocks noGrp="1"/>
+          </p:cNvSpPr>
+          <p:nvPr>
+            <p:ph idx="1"/>
+          </p:nvPr>
+        </p:nvSpPr>
         <p:spPr>
           <a:xfrm>
-            <a:off x="1451579" y="1"/>
-            <a:ext cx="9603275" cy="489519"/>
+            <a:off x="407504" y="1853754"/>
+            <a:ext cx="8821841" cy="4199727"/>
           </a:xfrm>
         </p:spPr>
         <p:txBody>
           <a:bodyPr>
-            <a:normAutofit fontScale="90000"/>
+            <a:normAutofit/>
           </a:bodyPr>
           <a:lstStyle/>
           <a:p>
             <a:r>
               <a:rPr lang="en-US" dirty="0"/>
-              <a:t>Applications</a:t>
-            </a:r>
-          </a:p>
-        </p:txBody>
-      </p:sp>
-      <p:sp>
-        <p:nvSpPr>
-          <p:cNvPr id="3" name="Content Placeholder 2">
-            <a:extLst>
-              <a:ext uri="{FF2B5EF4-FFF2-40B4-BE49-F238E27FC236}">
-                <a16:creationId xmlns:a16="http://schemas.microsoft.com/office/drawing/2014/main" id="{37690937-1AFD-18B7-0CF4-714B567F1B47}"/>
-              </a:ext>
-            </a:extLst>
-          </p:cNvPr>
-          <p:cNvSpPr>
-            <a:spLocks noGrp="1"/>
-          </p:cNvSpPr>
-          <p:nvPr>
-            <p:ph idx="1"/>
-          </p:nvPr>
-        </p:nvSpPr>
-        <p:spPr>
-          <a:xfrm>
-            <a:off x="1451579" y="489521"/>
-            <a:ext cx="9603275" cy="1339280"/>
-          </a:xfrm>
-        </p:spPr>
-        <p:txBody>
-          <a:bodyPr/>
-          <a:lstStyle/>
-          <a:p>
-            <a:r>
-              <a:rPr lang="en-US" dirty="0"/>
-              <a:t>The ability to keep state allows for RNNs to excel any time we have a sequence. </a:t>
-            </a:r>
-          </a:p>
-          <a:p>
-            <a:r>
-              <a:rPr lang="en-US" dirty="0"/>
-              <a:t>We can have arbitrary number of input and output lengths. </a:t>
+              <a:t>The basic idea of an RNN is that there is some sort of State that holds memory. </a:t>
+            </a:r>
+          </a:p>
+          <a:p>
+            <a:pPr lvl="1"/>
+            <a:r>
+              <a:rPr lang="en-US" dirty="0"/>
+              <a:t>The network can have information from earlier held in its state. </a:t>
+            </a:r>
+          </a:p>
+          <a:p>
+            <a:pPr lvl="1"/>
+            <a:r>
+              <a:rPr lang="en-US" dirty="0"/>
+              <a:t>The new record can bring in its features (as normal). </a:t>
+            </a:r>
+          </a:p>
+          <a:p>
+            <a:pPr lvl="1"/>
+            <a:r>
+              <a:rPr lang="en-US" dirty="0"/>
+              <a:t>The model can use both to make a prediction. </a:t>
+            </a:r>
+          </a:p>
+          <a:p>
+            <a:r>
+              <a:rPr lang="en-US" dirty="0"/>
+              <a:t>We refer to this as a ‘unit’ in a RNN layer. </a:t>
+            </a:r>
+          </a:p>
+          <a:p>
+            <a:pPr lvl="1"/>
+            <a:r>
+              <a:rPr lang="en-US" dirty="0"/>
+              <a:t>Roughly equivalent to a neuron, though more complex and we have fewer.</a:t>
+            </a:r>
+          </a:p>
+          <a:p>
+            <a:r>
+              <a:rPr lang="en-US" dirty="0"/>
+              <a:t>The top line is the state, that is what is passed on from before. </a:t>
+            </a:r>
+          </a:p>
+          <a:p>
+            <a:r>
+              <a:rPr lang="en-US" dirty="0"/>
+              <a:t>The bottom line is the feature set for this record. </a:t>
+            </a:r>
+          </a:p>
+          <a:p>
+            <a:r>
+              <a:rPr lang="en-US" dirty="0"/>
+              <a:t>Each prediction is based on </a:t>
+            </a:r>
+            <a:r>
+              <a:rPr lang="en-US" b="1" dirty="0"/>
+              <a:t>“X + memory of previous predictions”. </a:t>
             </a:r>
           </a:p>
         </p:txBody>
       </p:sp>
       <p:pic>
         <p:nvPicPr>
-          <p:cNvPr id="11266" name="Picture 2" descr="TensorFlow Types Of RNN Javatpoint, 46% OFF">
-            <a:extLst>
-              <a:ext uri="{FF2B5EF4-FFF2-40B4-BE49-F238E27FC236}">
-                <a16:creationId xmlns:a16="http://schemas.microsoft.com/office/drawing/2014/main" id="{B862FCF1-01C6-300D-1F54-1F5B34DD77C0}"/>
+          <p:cNvPr id="10242" name="Picture 2" descr="Compare the different Sequence models (RNN, LSTM, GRU, and Transformers) -  AIML.com">
+            <a:extLst>
+              <a:ext uri="{FF2B5EF4-FFF2-40B4-BE49-F238E27FC236}">
+                <a16:creationId xmlns:a16="http://schemas.microsoft.com/office/drawing/2014/main" id="{EF21BFE3-E2E4-D530-BC92-85B021C01446}"/>
               </a:ext>
             </a:extLst>
           </p:cNvPr>
@@ -8102,7 +10550,7 @@
           </p:cNvPicPr>
           <p:nvPr/>
         </p:nvPicPr>
-        <p:blipFill>
+        <p:blipFill rotWithShape="1">
           <a:blip r:embed="rId2">
             <a:extLst>
               <a:ext uri="{28A0092B-C50C-407E-A947-70E740481C1C}">
@@ -8110,15 +10558,13 @@
               </a:ext>
             </a:extLst>
           </a:blip>
-          <a:srcRect/>
-          <a:stretch>
-            <a:fillRect/>
-          </a:stretch>
+          <a:srcRect r="75700"/>
+          <a:stretch/>
         </p:blipFill>
         <p:spPr bwMode="auto">
           <a:xfrm>
-            <a:off x="678301" y="1828801"/>
-            <a:ext cx="10835398" cy="5100256"/>
+            <a:off x="9229344" y="1853754"/>
+            <a:ext cx="2962656" cy="4919663"/>
           </a:xfrm>
           <a:prstGeom prst="rect">
             <a:avLst/>
@@ -8138,7 +10584,7 @@
     </p:spTree>
     <p:extLst>
       <p:ext uri="{BB962C8B-B14F-4D97-AF65-F5344CB8AC3E}">
-        <p14:creationId xmlns:p14="http://schemas.microsoft.com/office/powerpoint/2010/main" val="1230763844"/>
+        <p14:creationId xmlns:p14="http://schemas.microsoft.com/office/powerpoint/2010/main" val="2563414199"/>
       </p:ext>
     </p:extLst>
   </p:cSld>
@@ -8148,8 +10594,8 @@
 </p:sld>
 </file>
 
-<file path=ppt/slides/slide7.xml><?xml version="1.0" encoding="utf-8"?>
-<p:sld xmlns:a="http://schemas.openxmlformats.org/drawingml/2006/main" xmlns:r="http://schemas.openxmlformats.org/officeDocument/2006/relationships" xmlns:p="http://schemas.openxmlformats.org/presentationml/2006/main" show="0">
+<file path=ppt/slides/slide9.xml><?xml version="1.0" encoding="utf-8"?>
+<p:sld xmlns:a="http://schemas.openxmlformats.org/drawingml/2006/main" xmlns:r="http://schemas.openxmlformats.org/officeDocument/2006/relationships" xmlns:p="http://schemas.openxmlformats.org/presentationml/2006/main">
   <p:cSld>
     <p:spTree>
       <p:nvGrpSpPr>
@@ -8170,7 +10616,7 @@
           <p:cNvPr id="2" name="Title 1">
             <a:extLst>
               <a:ext uri="{FF2B5EF4-FFF2-40B4-BE49-F238E27FC236}">
-                <a16:creationId xmlns:a16="http://schemas.microsoft.com/office/drawing/2014/main" id="{D566D637-0104-B464-1650-69AA9AA62959}"/>
+                <a16:creationId xmlns:a16="http://schemas.microsoft.com/office/drawing/2014/main" id="{CFE1CBB8-AAF2-A049-EDE6-A21D9BD71033}"/>
               </a:ext>
             </a:extLst>
           </p:cNvPr>
@@ -8181,126 +10627,70 @@
             <p:ph type="title"/>
           </p:nvPr>
         </p:nvSpPr>
-        <p:spPr/>
+        <p:spPr>
+          <a:xfrm>
+            <a:off x="1451579" y="1"/>
+            <a:ext cx="9603275" cy="489519"/>
+          </a:xfrm>
+        </p:spPr>
+        <p:txBody>
+          <a:bodyPr>
+            <a:normAutofit fontScale="90000"/>
+          </a:bodyPr>
+          <a:lstStyle/>
+          <a:p>
+            <a:r>
+              <a:rPr lang="en-US" dirty="0"/>
+              <a:t>Applications</a:t>
+            </a:r>
+          </a:p>
+        </p:txBody>
+      </p:sp>
+      <p:sp>
+        <p:nvSpPr>
+          <p:cNvPr id="3" name="Content Placeholder 2">
+            <a:extLst>
+              <a:ext uri="{FF2B5EF4-FFF2-40B4-BE49-F238E27FC236}">
+                <a16:creationId xmlns:a16="http://schemas.microsoft.com/office/drawing/2014/main" id="{37690937-1AFD-18B7-0CF4-714B567F1B47}"/>
+              </a:ext>
+            </a:extLst>
+          </p:cNvPr>
+          <p:cNvSpPr>
+            <a:spLocks noGrp="1"/>
+          </p:cNvSpPr>
+          <p:nvPr>
+            <p:ph idx="1"/>
+          </p:nvPr>
+        </p:nvSpPr>
+        <p:spPr>
+          <a:xfrm>
+            <a:off x="1451579" y="489521"/>
+            <a:ext cx="9603275" cy="1339280"/>
+          </a:xfrm>
+        </p:spPr>
         <p:txBody>
           <a:bodyPr/>
           <a:lstStyle/>
           <a:p>
-            <a:endParaRPr lang="en-US" dirty="0"/>
-          </a:p>
-        </p:txBody>
-      </p:sp>
-      <p:sp>
-        <p:nvSpPr>
-          <p:cNvPr id="3" name="Content Placeholder 2">
-            <a:extLst>
-              <a:ext uri="{FF2B5EF4-FFF2-40B4-BE49-F238E27FC236}">
-                <a16:creationId xmlns:a16="http://schemas.microsoft.com/office/drawing/2014/main" id="{0D9C6F81-4B62-E27C-4D46-2C0AFA3D7D1E}"/>
-              </a:ext>
-            </a:extLst>
-          </p:cNvPr>
-          <p:cNvSpPr>
-            <a:spLocks noGrp="1"/>
-          </p:cNvSpPr>
-          <p:nvPr>
-            <p:ph idx="1"/>
-          </p:nvPr>
-        </p:nvSpPr>
-        <p:spPr/>
-        <p:txBody>
-          <a:bodyPr/>
-          <a:lstStyle/>
-          <a:p>
-            <a:endParaRPr lang="en-US"/>
-          </a:p>
-        </p:txBody>
-      </p:sp>
-    </p:spTree>
-    <p:extLst>
-      <p:ext uri="{BB962C8B-B14F-4D97-AF65-F5344CB8AC3E}">
-        <p14:creationId xmlns:p14="http://schemas.microsoft.com/office/powerpoint/2010/main" val="3368922919"/>
-      </p:ext>
-    </p:extLst>
-  </p:cSld>
-  <p:clrMapOvr>
-    <a:masterClrMapping/>
-  </p:clrMapOvr>
-</p:sld>
-</file>
-
-<file path=ppt/slides/slide8.xml><?xml version="1.0" encoding="utf-8"?>
-<p:sld xmlns:a="http://schemas.openxmlformats.org/drawingml/2006/main" xmlns:r="http://schemas.openxmlformats.org/officeDocument/2006/relationships" xmlns:p="http://schemas.openxmlformats.org/presentationml/2006/main" show="0">
-  <p:cSld>
-    <p:spTree>
-      <p:nvGrpSpPr>
-        <p:cNvPr id="1" name=""/>
-        <p:cNvGrpSpPr/>
-        <p:nvPr/>
-      </p:nvGrpSpPr>
-      <p:grpSpPr>
-        <a:xfrm>
-          <a:off x="0" y="0"/>
-          <a:ext cx="0" cy="0"/>
-          <a:chOff x="0" y="0"/>
-          <a:chExt cx="0" cy="0"/>
-        </a:xfrm>
-      </p:grpSpPr>
-      <p:sp>
-        <p:nvSpPr>
-          <p:cNvPr id="2" name="Title 1">
-            <a:extLst>
-              <a:ext uri="{FF2B5EF4-FFF2-40B4-BE49-F238E27FC236}">
-                <a16:creationId xmlns:a16="http://schemas.microsoft.com/office/drawing/2014/main" id="{BC984981-B975-3959-EF48-AB4698A476EB}"/>
-              </a:ext>
-            </a:extLst>
-          </p:cNvPr>
-          <p:cNvSpPr>
-            <a:spLocks noGrp="1"/>
-          </p:cNvSpPr>
-          <p:nvPr>
-            <p:ph type="title"/>
-          </p:nvPr>
-        </p:nvSpPr>
-        <p:spPr/>
-        <p:txBody>
-          <a:bodyPr/>
-          <a:lstStyle/>
-          <a:p>
-            <a:endParaRPr lang="en-US"/>
-          </a:p>
-        </p:txBody>
-      </p:sp>
-      <p:sp>
-        <p:nvSpPr>
-          <p:cNvPr id="3" name="Content Placeholder 2">
-            <a:extLst>
-              <a:ext uri="{FF2B5EF4-FFF2-40B4-BE49-F238E27FC236}">
-                <a16:creationId xmlns:a16="http://schemas.microsoft.com/office/drawing/2014/main" id="{6CEEF2D2-AE1F-6E09-0AA8-B474F31C7ECF}"/>
-              </a:ext>
-            </a:extLst>
-          </p:cNvPr>
-          <p:cNvSpPr>
-            <a:spLocks noGrp="1"/>
-          </p:cNvSpPr>
-          <p:nvPr>
-            <p:ph idx="1"/>
-          </p:nvPr>
-        </p:nvSpPr>
-        <p:spPr/>
-        <p:txBody>
-          <a:bodyPr/>
-          <a:lstStyle/>
-          <a:p>
-            <a:endParaRPr lang="en-US"/>
+            <a:r>
+              <a:rPr lang="en-US" dirty="0"/>
+              <a:t>The ability to keep state allows for RNNs to excel any time we have a sequence. </a:t>
+            </a:r>
+          </a:p>
+          <a:p>
+            <a:r>
+              <a:rPr lang="en-US" dirty="0"/>
+              <a:t>We can have arbitrary number of input and output lengths. </a:t>
+            </a:r>
           </a:p>
         </p:txBody>
       </p:sp>
       <p:pic>
         <p:nvPicPr>
-          <p:cNvPr id="4" name="Picture 2">
-            <a:extLst>
-              <a:ext uri="{FF2B5EF4-FFF2-40B4-BE49-F238E27FC236}">
-                <a16:creationId xmlns:a16="http://schemas.microsoft.com/office/drawing/2014/main" id="{8A7239A8-F06F-41F7-CE66-3E158DE4E3B5}"/>
+          <p:cNvPr id="11266" name="Picture 2" descr="TensorFlow Types Of RNN Javatpoint, 46% OFF">
+            <a:extLst>
+              <a:ext uri="{FF2B5EF4-FFF2-40B4-BE49-F238E27FC236}">
+                <a16:creationId xmlns:a16="http://schemas.microsoft.com/office/drawing/2014/main" id="{B862FCF1-01C6-300D-1F54-1F5B34DD77C0}"/>
               </a:ext>
             </a:extLst>
           </p:cNvPr>
@@ -8324,8 +10714,8 @@
         </p:blipFill>
         <p:spPr bwMode="auto">
           <a:xfrm>
-            <a:off x="1484366" y="3340100"/>
-            <a:ext cx="9537700" cy="3517900"/>
+            <a:off x="678301" y="1828801"/>
+            <a:ext cx="10835398" cy="5100256"/>
           </a:xfrm>
           <a:prstGeom prst="rect">
             <a:avLst/>
@@ -8345,237 +10735,7 @@
     </p:spTree>
     <p:extLst>
       <p:ext uri="{BB962C8B-B14F-4D97-AF65-F5344CB8AC3E}">
-        <p14:creationId xmlns:p14="http://schemas.microsoft.com/office/powerpoint/2010/main" val="1352610008"/>
-      </p:ext>
-    </p:extLst>
-  </p:cSld>
-  <p:clrMapOvr>
-    <a:masterClrMapping/>
-  </p:clrMapOvr>
-</p:sld>
-</file>
-
-<file path=ppt/slides/slide9.xml><?xml version="1.0" encoding="utf-8"?>
-<p:sld xmlns:a="http://schemas.openxmlformats.org/drawingml/2006/main" xmlns:r="http://schemas.openxmlformats.org/officeDocument/2006/relationships" xmlns:p="http://schemas.openxmlformats.org/presentationml/2006/main">
-  <p:cSld>
-    <p:bg>
-      <p:bgPr>
-        <a:gradFill rotWithShape="1">
-          <a:gsLst>
-            <a:gs pos="0">
-              <a:schemeClr val="bg2">
-                <a:tint val="94000"/>
-                <a:satMod val="80000"/>
-                <a:lumMod val="106000"/>
-              </a:schemeClr>
-            </a:gs>
-            <a:gs pos="100000">
-              <a:schemeClr val="bg2">
-                <a:shade val="80000"/>
-              </a:schemeClr>
-            </a:gs>
-          </a:gsLst>
-          <a:path path="circle">
-            <a:fillToRect l="43000" r="43000" b="100000"/>
-          </a:path>
-        </a:gradFill>
-        <a:effectLst/>
-      </p:bgPr>
-    </p:bg>
-    <p:spTree>
-      <p:nvGrpSpPr>
-        <p:cNvPr id="1" name=""/>
-        <p:cNvGrpSpPr/>
-        <p:nvPr/>
-      </p:nvGrpSpPr>
-      <p:grpSpPr>
-        <a:xfrm>
-          <a:off x="0" y="0"/>
-          <a:ext cx="0" cy="0"/>
-          <a:chOff x="0" y="0"/>
-          <a:chExt cx="0" cy="0"/>
-        </a:xfrm>
-      </p:grpSpPr>
-      <p:sp>
-        <p:nvSpPr>
-          <p:cNvPr id="2" name="Title 1">
-            <a:extLst>
-              <a:ext uri="{FF2B5EF4-FFF2-40B4-BE49-F238E27FC236}">
-                <a16:creationId xmlns:a16="http://schemas.microsoft.com/office/drawing/2014/main" id="{EED6F1AD-ECEB-F449-A419-8BA73DD83D6F}"/>
-              </a:ext>
-            </a:extLst>
-          </p:cNvPr>
-          <p:cNvSpPr>
-            <a:spLocks noGrp="1"/>
-          </p:cNvSpPr>
-          <p:nvPr>
-            <p:ph type="title"/>
-          </p:nvPr>
-        </p:nvSpPr>
-        <p:spPr>
-          <a:xfrm>
-            <a:off x="1451579" y="804519"/>
-            <a:ext cx="9603275" cy="1049235"/>
-          </a:xfrm>
-        </p:spPr>
-        <p:txBody>
-          <a:bodyPr>
-            <a:normAutofit/>
-          </a:bodyPr>
-          <a:lstStyle/>
-          <a:p>
-            <a:r>
-              <a:rPr lang="en-US" dirty="0"/>
-              <a:t>Mo’ Gradients, Mo’ Problems</a:t>
-            </a:r>
-          </a:p>
-        </p:txBody>
-      </p:sp>
-      <p:sp>
-        <p:nvSpPr>
-          <p:cNvPr id="3" name="Content Placeholder 2">
-            <a:extLst>
-              <a:ext uri="{FF2B5EF4-FFF2-40B4-BE49-F238E27FC236}">
-                <a16:creationId xmlns:a16="http://schemas.microsoft.com/office/drawing/2014/main" id="{89BD6153-EC68-1444-9B24-FFC5B827EB06}"/>
-              </a:ext>
-            </a:extLst>
-          </p:cNvPr>
-          <p:cNvSpPr>
-            <a:spLocks noGrp="1"/>
-          </p:cNvSpPr>
-          <p:nvPr>
-            <p:ph idx="1"/>
-          </p:nvPr>
-        </p:nvSpPr>
-        <p:spPr>
-          <a:xfrm>
-            <a:off x="211023" y="2015734"/>
-            <a:ext cx="6809511" cy="4037747"/>
-          </a:xfrm>
-        </p:spPr>
-        <p:txBody>
-          <a:bodyPr>
-            <a:normAutofit/>
-          </a:bodyPr>
-          <a:lstStyle/>
-          <a:p>
-            <a:pPr>
-              <a:lnSpc>
-                <a:spcPct val="110000"/>
-              </a:lnSpc>
-            </a:pPr>
-            <a:r>
-              <a:rPr lang="en-US" dirty="0"/>
-              <a:t>RNNs can run into issues with the gradients getting too large or too small. </a:t>
-            </a:r>
-          </a:p>
-          <a:p>
-            <a:pPr lvl="1">
-              <a:lnSpc>
-                <a:spcPct val="110000"/>
-              </a:lnSpc>
-            </a:pPr>
-            <a:r>
-              <a:rPr lang="en-US" sz="2000" dirty="0"/>
-              <a:t>Exploding or vanishing gradients. </a:t>
-            </a:r>
-          </a:p>
-          <a:p>
-            <a:pPr>
-              <a:lnSpc>
-                <a:spcPct val="110000"/>
-              </a:lnSpc>
-            </a:pPr>
-            <a:r>
-              <a:rPr lang="en-US" dirty="0"/>
-              <a:t>Vanishing gradients commonly occur with deeper models. </a:t>
-            </a:r>
-          </a:p>
-          <a:p>
-            <a:pPr>
-              <a:lnSpc>
-                <a:spcPct val="110000"/>
-              </a:lnSpc>
-            </a:pPr>
-            <a:r>
-              <a:rPr lang="en-US" dirty="0"/>
-              <a:t>The longer the memory, the more risk of vanishing.</a:t>
-            </a:r>
-          </a:p>
-          <a:p>
-            <a:pPr>
-              <a:lnSpc>
-                <a:spcPct val="110000"/>
-              </a:lnSpc>
-            </a:pPr>
-            <a:r>
-              <a:rPr lang="en-US" dirty="0"/>
-              <a:t>As gradients get extremely small, learning updates stop.</a:t>
-            </a:r>
-          </a:p>
-          <a:p>
-            <a:pPr>
-              <a:lnSpc>
-                <a:spcPct val="110000"/>
-              </a:lnSpc>
-            </a:pPr>
-            <a:r>
-              <a:rPr lang="en-US" dirty="0"/>
-              <a:t>Solution – Long Short-Term Memory</a:t>
-            </a:r>
-          </a:p>
-        </p:txBody>
-      </p:sp>
-      <p:pic>
-        <p:nvPicPr>
-          <p:cNvPr id="7170" name="Picture 2" descr="Neural networks struggle with long term dependencies.">
-            <a:extLst>
-              <a:ext uri="{FF2B5EF4-FFF2-40B4-BE49-F238E27FC236}">
-                <a16:creationId xmlns:a16="http://schemas.microsoft.com/office/drawing/2014/main" id="{89B504F7-AEAD-A649-B254-B3DB81A0B145}"/>
-              </a:ext>
-            </a:extLst>
-          </p:cNvPr>
-          <p:cNvPicPr>
-            <a:picLocks noChangeAspect="1" noChangeArrowheads="1"/>
-          </p:cNvPicPr>
-          <p:nvPr/>
-        </p:nvPicPr>
-        <p:blipFill>
-          <a:blip r:embed="rId2">
-            <a:extLst>
-              <a:ext uri="{28A0092B-C50C-407E-A947-70E740481C1C}">
-                <a14:useLocalDpi xmlns:a14="http://schemas.microsoft.com/office/drawing/2010/main" val="0"/>
-              </a:ext>
-            </a:extLst>
-          </a:blip>
-          <a:stretch>
-            <a:fillRect/>
-          </a:stretch>
-        </p:blipFill>
-        <p:spPr bwMode="auto">
-          <a:xfrm>
-            <a:off x="7020534" y="3159684"/>
-            <a:ext cx="4960443" cy="1711351"/>
-          </a:xfrm>
-          <a:prstGeom prst="rect">
-            <a:avLst/>
-          </a:prstGeom>
-          <a:noFill/>
-          <a:extLst>
-            <a:ext uri="{909E8E84-426E-40DD-AFC4-6F175D3DCCD1}">
-              <a14:hiddenFill xmlns:a14="http://schemas.microsoft.com/office/drawing/2010/main">
-                <a:solidFill>
-                  <a:srgbClr val="FFFFFF"/>
-                </a:solidFill>
-              </a14:hiddenFill>
-            </a:ext>
-          </a:extLst>
-        </p:spPr>
-      </p:pic>
-    </p:spTree>
-    <p:extLst>
-      <p:ext uri="{BB962C8B-B14F-4D97-AF65-F5344CB8AC3E}">
-        <p14:creationId xmlns:p14="http://schemas.microsoft.com/office/powerpoint/2010/main" val="723991813"/>
+        <p14:creationId xmlns:p14="http://schemas.microsoft.com/office/powerpoint/2010/main" val="1230763844"/>
       </p:ext>
     </p:extLst>
   </p:cSld>
